--- a/Git Integration Options for Jira.pptx
+++ b/Git Integration Options for Jira.pptx
@@ -8,8 +8,12 @@
     <p:sldId id="256" r:id="rId2"/>
     <p:sldId id="271" r:id="rId3"/>
     <p:sldId id="272" r:id="rId4"/>
-    <p:sldId id="265" r:id="rId5"/>
-    <p:sldId id="260" r:id="rId6"/>
+    <p:sldId id="273" r:id="rId5"/>
+    <p:sldId id="274" r:id="rId6"/>
+    <p:sldId id="275" r:id="rId7"/>
+    <p:sldId id="276" r:id="rId8"/>
+    <p:sldId id="265" r:id="rId9"/>
+    <p:sldId id="260" r:id="rId10"/>
   </p:sldIdLst>
   <p:sldSz cx="9144000" cy="6858000" type="screen4x3"/>
   <p:notesSz cx="6858000" cy="9144000"/>
@@ -3404,7 +3408,7 @@
         <p:spPr>
           <a:xfrm>
             <a:off x="304800" y="1371600"/>
-            <a:ext cx="8534400" cy="4876800"/>
+            <a:ext cx="8534400" cy="5334000"/>
           </a:xfrm>
         </p:spPr>
         <p:txBody>
@@ -3420,7 +3424,11 @@
               <a:buNone/>
             </a:pPr>
             <a:r>
-              <a:rPr lang="en-US" sz="2400" dirty="0"/>
+              <a:rPr lang="en-US" sz="2400" b="1" dirty="0">
+                <a:solidFill>
+                  <a:srgbClr val="FF0000"/>
+                </a:solidFill>
+              </a:rPr>
               <a:t>JOB 1</a:t>
             </a:r>
           </a:p>
@@ -3462,7 +3470,11 @@
               <a:buNone/>
             </a:pPr>
             <a:r>
-              <a:rPr lang="en-US" sz="2400" dirty="0"/>
+              <a:rPr lang="en-US" sz="2400" b="1" dirty="0">
+                <a:solidFill>
+                  <a:srgbClr val="00B050"/>
+                </a:solidFill>
+              </a:rPr>
               <a:t>EXTRA</a:t>
             </a:r>
           </a:p>
@@ -3585,19 +3597,19 @@
         </p:spPr>
         <p:txBody>
           <a:bodyPr>
-            <a:normAutofit fontScale="90000"/>
+            <a:noAutofit/>
           </a:bodyPr>
           <a:lstStyle/>
           <a:p>
             <a:r>
-              <a:rPr lang="en-US" dirty="0"/>
-              <a:t>Why Have This Integration?</a:t>
+              <a:rPr lang="en-US" sz="3600" dirty="0"/>
+              <a:t>What Are The Benefits? Why Have This?</a:t>
             </a:r>
             <a:br>
-              <a:rPr lang="en-US" dirty="0"/>
+              <a:rPr lang="en-US" sz="3600" dirty="0"/>
             </a:br>
             <a:r>
-              <a:rPr lang="en-US" dirty="0"/>
+              <a:rPr lang="en-US" sz="3600" dirty="0"/>
               <a:t>Who Is The Customer?</a:t>
             </a:r>
           </a:p>
@@ -3629,12 +3641,22 @@
               <a:spcBef>
                 <a:spcPts val="0"/>
               </a:spcBef>
-              <a:buFontTx/>
-              <a:buChar char="-"/>
             </a:pPr>
             <a:r>
               <a:rPr lang="en-US" sz="2000" dirty="0"/>
-              <a:t>Anyone who needs to know what code was written for Jira issues and see it in an familiar environment (developers, product managers)</a:t>
+              <a:t>Anyone who needs to know what code was written for Jira issues and review it in a familiar environment (</a:t>
+            </a:r>
+            <a:r>
+              <a:rPr lang="en-US" sz="2000" dirty="0">
+                <a:solidFill>
+                  <a:srgbClr val="00B050"/>
+                </a:solidFill>
+              </a:rPr>
+              <a:t>developers</a:t>
+            </a:r>
+            <a:r>
+              <a:rPr lang="en-US" sz="2000" dirty="0"/>
+              <a:t>)</a:t>
             </a:r>
           </a:p>
           <a:p>
@@ -3642,61 +3664,114 @@
               <a:spcBef>
                 <a:spcPts val="0"/>
               </a:spcBef>
-              <a:buFontTx/>
-              <a:buChar char="-"/>
             </a:pPr>
-            <a:endParaRPr lang="en-US" sz="2000" dirty="0"/>
-          </a:p>
-          <a:p>
-            <a:pPr marL="22860" indent="0">
+            <a:r>
+              <a:rPr lang="en-US" sz="2000" dirty="0"/>
+              <a:t>Anyone who wants to (lightly) track progress against features (</a:t>
+            </a:r>
+            <a:r>
+              <a:rPr lang="en-US" sz="2000" dirty="0">
+                <a:solidFill>
+                  <a:srgbClr val="00B0F0"/>
+                </a:solidFill>
+              </a:rPr>
+              <a:t>product managers</a:t>
+            </a:r>
+            <a:r>
+              <a:rPr lang="en-US" sz="2000" dirty="0"/>
+              <a:t>)</a:t>
+            </a:r>
+          </a:p>
+          <a:p>
+            <a:pPr marL="365760">
               <a:spcBef>
                 <a:spcPts val="0"/>
               </a:spcBef>
-              <a:buNone/>
             </a:pPr>
             <a:r>
               <a:rPr lang="en-US" sz="2000" dirty="0"/>
-              <a:t>	(other developers, product </a:t>
-            </a:r>
-            <a:r>
-              <a:rPr lang="en-US" sz="2000" dirty="0" err="1"/>
-              <a:t>maangers</a:t>
+              <a:t>Anyone who needs to support the code in production, or be able to answer questions/resolve problems related to new functionality or security (</a:t>
+            </a:r>
+            <a:r>
+              <a:rPr lang="en-US" sz="2000" dirty="0">
+                <a:solidFill>
+                  <a:srgbClr val="7030A0"/>
+                </a:solidFill>
+              </a:rPr>
+              <a:t>operational support, helpdesk, security engineers/pen testers</a:t>
             </a:r>
             <a:r>
               <a:rPr lang="en-US" sz="2000" dirty="0"/>
-              <a:t>, operational support, help desk)</a:t>
-            </a:r>
-          </a:p>
-          <a:p>
-            <a:pPr marL="22860" indent="0">
+              <a:t>)</a:t>
+            </a:r>
+          </a:p>
+          <a:p>
+            <a:pPr marL="365760">
               <a:spcBef>
                 <a:spcPts val="0"/>
               </a:spcBef>
-              <a:buNone/>
             </a:pPr>
             <a:r>
               <a:rPr lang="en-US" sz="2000" dirty="0"/>
-              <a:t>- anyone who needs to pull statistics on code relative to Jira issues (complexity vs commits, commit rollbacks)</a:t>
-            </a:r>
-          </a:p>
-          <a:p>
-            <a:pPr marL="22860" indent="0">
+              <a:t>Anyone who needs to pull statistics on code relative to Jira issues such as complexity vs commits, commit rollbacks, bugs against features (</a:t>
+            </a:r>
+            <a:r>
+              <a:rPr lang="en-US" sz="2000" dirty="0">
+                <a:solidFill>
+                  <a:srgbClr val="FF0000"/>
+                </a:solidFill>
+              </a:rPr>
+              <a:t>scrum masters, dev team leads</a:t>
+            </a:r>
+            <a:r>
+              <a:rPr lang="en-US" sz="2000" dirty="0"/>
+              <a:t>)</a:t>
+            </a:r>
+          </a:p>
+          <a:p>
+            <a:pPr marL="365760">
               <a:spcBef>
                 <a:spcPts val="0"/>
               </a:spcBef>
-              <a:buNone/>
             </a:pPr>
             <a:r>
               <a:rPr lang="en-US" sz="2000" dirty="0"/>
-              <a:t>- anyone who wants to automate certain </a:t>
-            </a:r>
-            <a:r>
-              <a:rPr lang="en-US" sz="2000" dirty="0" err="1"/>
-              <a:t>jira</a:t>
+              <a:t>Anyone who wants to automate certain Jira functions during code dev cycle (</a:t>
+            </a:r>
+            <a:r>
+              <a:rPr lang="en-US" sz="2000" dirty="0">
+                <a:solidFill>
+                  <a:srgbClr val="00B0F0"/>
+                </a:solidFill>
+              </a:rPr>
+              <a:t>release managers</a:t>
             </a:r>
             <a:r>
               <a:rPr lang="en-US" sz="2000" dirty="0"/>
-              <a:t> functions during code processing cycle</a:t>
+              <a:t>)</a:t>
+            </a:r>
+          </a:p>
+          <a:p>
+            <a:pPr marL="365760">
+              <a:spcBef>
+                <a:spcPts val="0"/>
+              </a:spcBef>
+            </a:pPr>
+            <a:r>
+              <a:rPr lang="en-US" sz="2000" dirty="0"/>
+              <a:t>Anyone doing CI/CD who wants to build specific branches containing specific commits (</a:t>
+            </a:r>
+            <a:r>
+              <a:rPr lang="en-US" sz="2000" dirty="0">
+                <a:solidFill>
+                  <a:srgbClr val="00B050"/>
+                </a:solidFill>
+              </a:rPr>
+              <a:t>release managers, DevOps engineers</a:t>
+            </a:r>
+            <a:r>
+              <a:rPr lang="en-US" sz="2000" dirty="0"/>
+              <a:t>)</a:t>
             </a:r>
           </a:p>
           <a:p>
@@ -3731,6 +3806,925 @@
 </file>
 
 <file path=ppt/slides/slide4.xml><?xml version="1.0" encoding="utf-8"?>
+<p:sld xmlns:a="http://schemas.openxmlformats.org/drawingml/2006/main" xmlns:r="http://schemas.openxmlformats.org/officeDocument/2006/relationships" xmlns:p="http://schemas.openxmlformats.org/presentationml/2006/main">
+  <p:cSld>
+    <p:bg>
+      <p:bgPr>
+        <a:solidFill>
+          <a:schemeClr val="accent1">
+            <a:lumMod val="20000"/>
+            <a:lumOff val="80000"/>
+          </a:schemeClr>
+        </a:solidFill>
+        <a:effectLst/>
+      </p:bgPr>
+    </p:bg>
+    <p:spTree>
+      <p:nvGrpSpPr>
+        <p:cNvPr id="1" name=""/>
+        <p:cNvGrpSpPr/>
+        <p:nvPr/>
+      </p:nvGrpSpPr>
+      <p:grpSpPr>
+        <a:xfrm>
+          <a:off x="0" y="0"/>
+          <a:ext cx="0" cy="0"/>
+          <a:chOff x="0" y="0"/>
+          <a:chExt cx="0" cy="0"/>
+        </a:xfrm>
+      </p:grpSpPr>
+      <p:sp>
+        <p:nvSpPr>
+          <p:cNvPr id="2" name="Title 1"/>
+          <p:cNvSpPr>
+            <a:spLocks noGrp="1"/>
+          </p:cNvSpPr>
+          <p:nvPr>
+            <p:ph type="title"/>
+          </p:nvPr>
+        </p:nvSpPr>
+        <p:spPr>
+          <a:xfrm>
+            <a:off x="457200" y="274638"/>
+            <a:ext cx="8229600" cy="1143000"/>
+          </a:xfrm>
+        </p:spPr>
+        <p:txBody>
+          <a:bodyPr>
+            <a:normAutofit/>
+          </a:bodyPr>
+          <a:lstStyle/>
+          <a:p>
+            <a:r>
+              <a:rPr lang="en-US" dirty="0"/>
+              <a:t>Product Landscape</a:t>
+            </a:r>
+          </a:p>
+        </p:txBody>
+      </p:sp>
+      <p:sp>
+        <p:nvSpPr>
+          <p:cNvPr id="3" name="Content Placeholder 2"/>
+          <p:cNvSpPr>
+            <a:spLocks noGrp="1"/>
+          </p:cNvSpPr>
+          <p:nvPr>
+            <p:ph idx="1"/>
+          </p:nvPr>
+        </p:nvSpPr>
+        <p:spPr>
+          <a:xfrm>
+            <a:off x="457200" y="1600200"/>
+            <a:ext cx="8229600" cy="4800600"/>
+          </a:xfrm>
+        </p:spPr>
+        <p:txBody>
+          <a:bodyPr>
+            <a:noAutofit/>
+          </a:bodyPr>
+          <a:lstStyle/>
+          <a:p>
+            <a:pPr marL="22860" indent="0">
+              <a:spcBef>
+                <a:spcPts val="0"/>
+              </a:spcBef>
+              <a:buNone/>
+            </a:pPr>
+            <a:r>
+              <a:rPr lang="en-US" sz="2000" dirty="0"/>
+              <a:t>(using public GitHub specifically as an example, some options do not support GitHub Enterprise, GitLab or other third-party Git incarnations)</a:t>
+            </a:r>
+          </a:p>
+          <a:p>
+            <a:pPr marL="22860" indent="0">
+              <a:spcBef>
+                <a:spcPts val="0"/>
+              </a:spcBef>
+              <a:buNone/>
+            </a:pPr>
+            <a:endParaRPr lang="en-US" sz="2800" dirty="0"/>
+          </a:p>
+          <a:p>
+            <a:pPr marL="365760">
+              <a:spcBef>
+                <a:spcPts val="0"/>
+              </a:spcBef>
+              <a:buFontTx/>
+              <a:buChar char="-"/>
+            </a:pPr>
+            <a:r>
+              <a:rPr lang="en-US" dirty="0"/>
+              <a:t>Atlassian’s built-in integration (cloud, server)</a:t>
+            </a:r>
+          </a:p>
+          <a:p>
+            <a:pPr marL="365760">
+              <a:spcBef>
+                <a:spcPts val="0"/>
+              </a:spcBef>
+              <a:buFontTx/>
+              <a:buChar char="-"/>
+            </a:pPr>
+            <a:r>
+              <a:rPr lang="en-US" dirty="0"/>
+              <a:t>GitHub’s built-in integration (cloud)*</a:t>
+            </a:r>
+          </a:p>
+          <a:p>
+            <a:pPr marL="365760">
+              <a:spcBef>
+                <a:spcPts val="0"/>
+              </a:spcBef>
+              <a:buFontTx/>
+              <a:buChar char="-"/>
+            </a:pPr>
+            <a:r>
+              <a:rPr lang="en-US" dirty="0"/>
+              <a:t>Third-party Jira plug-ins (cloud, server)</a:t>
+            </a:r>
+          </a:p>
+          <a:p>
+            <a:pPr marL="765810" lvl="1">
+              <a:spcBef>
+                <a:spcPts val="0"/>
+              </a:spcBef>
+              <a:buFontTx/>
+              <a:buChar char="-"/>
+            </a:pPr>
+            <a:r>
+              <a:rPr lang="en-US" sz="2400" dirty="0">
+                <a:solidFill>
+                  <a:srgbClr val="FF0000"/>
+                </a:solidFill>
+              </a:rPr>
+              <a:t>Git Integration for Jira plug-in from </a:t>
+            </a:r>
+            <a:r>
+              <a:rPr lang="en-US" sz="2400" dirty="0" err="1">
+                <a:solidFill>
+                  <a:srgbClr val="FF0000"/>
+                </a:solidFill>
+              </a:rPr>
+              <a:t>BigBrassBand</a:t>
+            </a:r>
+            <a:endParaRPr lang="en-US" sz="2400" dirty="0">
+              <a:solidFill>
+                <a:srgbClr val="FF0000"/>
+              </a:solidFill>
+            </a:endParaRPr>
+          </a:p>
+          <a:p>
+            <a:pPr marL="365760">
+              <a:spcBef>
+                <a:spcPts val="0"/>
+              </a:spcBef>
+              <a:buFontTx/>
+              <a:buChar char="-"/>
+            </a:pPr>
+            <a:r>
+              <a:rPr lang="en-US" dirty="0"/>
+              <a:t>Home-grown scripts</a:t>
+            </a:r>
+          </a:p>
+          <a:p>
+            <a:pPr marL="765810" lvl="1">
+              <a:spcBef>
+                <a:spcPts val="0"/>
+              </a:spcBef>
+              <a:buFontTx/>
+              <a:buChar char="-"/>
+            </a:pPr>
+            <a:r>
+              <a:rPr lang="en-US" sz="2400" dirty="0" err="1">
+                <a:solidFill>
+                  <a:srgbClr val="FF0000"/>
+                </a:solidFill>
+              </a:rPr>
+              <a:t>jiragithub</a:t>
+            </a:r>
+            <a:r>
+              <a:rPr lang="en-US" sz="2400" dirty="0">
+                <a:solidFill>
+                  <a:srgbClr val="FF0000"/>
+                </a:solidFill>
+              </a:rPr>
+              <a:t> sync script (yes, it’s available on GitHub)</a:t>
+            </a:r>
+          </a:p>
+          <a:p>
+            <a:pPr marL="365760">
+              <a:spcBef>
+                <a:spcPts val="0"/>
+              </a:spcBef>
+            </a:pPr>
+            <a:endParaRPr lang="en-US" sz="2800" dirty="0"/>
+          </a:p>
+          <a:p>
+            <a:pPr marL="22860" indent="0">
+              <a:spcBef>
+                <a:spcPts val="0"/>
+              </a:spcBef>
+              <a:buNone/>
+            </a:pPr>
+            <a:r>
+              <a:rPr lang="en-US" sz="1600" dirty="0"/>
+              <a:t>* GitHub has “issue” functionality, but no strong workflow model, and their integration marketplace is not yet as mature as Atlassian’s</a:t>
+            </a:r>
+          </a:p>
+          <a:p>
+            <a:pPr marL="365760">
+              <a:spcBef>
+                <a:spcPts val="0"/>
+              </a:spcBef>
+            </a:pPr>
+            <a:endParaRPr lang="en-US" sz="2800" dirty="0"/>
+          </a:p>
+        </p:txBody>
+      </p:sp>
+    </p:spTree>
+    <p:extLst>
+      <p:ext uri="{BB962C8B-B14F-4D97-AF65-F5344CB8AC3E}">
+        <p14:creationId xmlns:p14="http://schemas.microsoft.com/office/powerpoint/2010/main" val="3673240124"/>
+      </p:ext>
+    </p:extLst>
+  </p:cSld>
+  <p:clrMapOvr>
+    <a:masterClrMapping/>
+  </p:clrMapOvr>
+</p:sld>
+</file>
+
+<file path=ppt/slides/slide5.xml><?xml version="1.0" encoding="utf-8"?>
+<p:sld xmlns:a="http://schemas.openxmlformats.org/drawingml/2006/main" xmlns:r="http://schemas.openxmlformats.org/officeDocument/2006/relationships" xmlns:p="http://schemas.openxmlformats.org/presentationml/2006/main">
+  <p:cSld>
+    <p:bg>
+      <p:bgPr>
+        <a:solidFill>
+          <a:schemeClr val="accent1">
+            <a:lumMod val="20000"/>
+            <a:lumOff val="80000"/>
+          </a:schemeClr>
+        </a:solidFill>
+        <a:effectLst/>
+      </p:bgPr>
+    </p:bg>
+    <p:spTree>
+      <p:nvGrpSpPr>
+        <p:cNvPr id="1" name=""/>
+        <p:cNvGrpSpPr/>
+        <p:nvPr/>
+      </p:nvGrpSpPr>
+      <p:grpSpPr>
+        <a:xfrm>
+          <a:off x="0" y="0"/>
+          <a:ext cx="0" cy="0"/>
+          <a:chOff x="0" y="0"/>
+          <a:chExt cx="0" cy="0"/>
+        </a:xfrm>
+      </p:grpSpPr>
+      <p:sp>
+        <p:nvSpPr>
+          <p:cNvPr id="2" name="Title 1"/>
+          <p:cNvSpPr>
+            <a:spLocks noGrp="1"/>
+          </p:cNvSpPr>
+          <p:nvPr>
+            <p:ph type="title"/>
+          </p:nvPr>
+        </p:nvSpPr>
+        <p:spPr>
+          <a:xfrm>
+            <a:off x="457200" y="274638"/>
+            <a:ext cx="8229600" cy="1143000"/>
+          </a:xfrm>
+        </p:spPr>
+        <p:txBody>
+          <a:bodyPr>
+            <a:normAutofit/>
+          </a:bodyPr>
+          <a:lstStyle/>
+          <a:p>
+            <a:r>
+              <a:rPr lang="en-US" dirty="0"/>
+              <a:t>Pros/Cons: Plug-In vs Script</a:t>
+            </a:r>
+          </a:p>
+        </p:txBody>
+      </p:sp>
+      <p:graphicFrame>
+        <p:nvGraphicFramePr>
+          <p:cNvPr id="8" name="Table 8">
+            <a:extLst>
+              <a:ext uri="{FF2B5EF4-FFF2-40B4-BE49-F238E27FC236}">
+                <a16:creationId xmlns:a16="http://schemas.microsoft.com/office/drawing/2014/main" id="{E04F73FD-F461-4FB0-9C62-271DCEF41A5C}"/>
+              </a:ext>
+            </a:extLst>
+          </p:cNvPr>
+          <p:cNvGraphicFramePr>
+            <a:graphicFrameLocks noGrp="1"/>
+          </p:cNvGraphicFramePr>
+          <p:nvPr>
+            <p:ph idx="1"/>
+            <p:extLst>
+              <p:ext uri="{D42A27DB-BD31-4B8C-83A1-F6EECF244321}">
+                <p14:modId xmlns:p14="http://schemas.microsoft.com/office/powerpoint/2010/main" val="2443283656"/>
+              </p:ext>
+            </p:extLst>
+          </p:nvPr>
+        </p:nvGraphicFramePr>
+        <p:xfrm>
+          <a:off x="457200" y="1417638"/>
+          <a:ext cx="8229600" cy="4983162"/>
+        </p:xfrm>
+        <a:graphic>
+          <a:graphicData uri="http://schemas.openxmlformats.org/drawingml/2006/table">
+            <a:tbl>
+              <a:tblPr firstRow="1" bandRow="1">
+                <a:tableStyleId>{5C22544A-7EE6-4342-B048-85BDC9FD1C3A}</a:tableStyleId>
+              </a:tblPr>
+              <a:tblGrid>
+                <a:gridCol w="1219200">
+                  <a:extLst>
+                    <a:ext uri="{9D8B030D-6E8A-4147-A177-3AD203B41FA5}">
+                      <a16:colId xmlns:a16="http://schemas.microsoft.com/office/drawing/2014/main" val="839328944"/>
+                    </a:ext>
+                  </a:extLst>
+                </a:gridCol>
+                <a:gridCol w="3429000">
+                  <a:extLst>
+                    <a:ext uri="{9D8B030D-6E8A-4147-A177-3AD203B41FA5}">
+                      <a16:colId xmlns:a16="http://schemas.microsoft.com/office/drawing/2014/main" val="663025966"/>
+                    </a:ext>
+                  </a:extLst>
+                </a:gridCol>
+                <a:gridCol w="3581400">
+                  <a:extLst>
+                    <a:ext uri="{9D8B030D-6E8A-4147-A177-3AD203B41FA5}">
+                      <a16:colId xmlns:a16="http://schemas.microsoft.com/office/drawing/2014/main" val="136273586"/>
+                    </a:ext>
+                  </a:extLst>
+                </a:gridCol>
+              </a:tblGrid>
+              <a:tr h="516687">
+                <a:tc>
+                  <a:txBody>
+                    <a:bodyPr/>
+                    <a:lstStyle/>
+                    <a:p>
+                      <a:r>
+                        <a:rPr lang="en-US" dirty="0"/>
+                        <a:t>Product</a:t>
+                      </a:r>
+                    </a:p>
+                  </a:txBody>
+                  <a:tcPr/>
+                </a:tc>
+                <a:tc>
+                  <a:txBody>
+                    <a:bodyPr/>
+                    <a:lstStyle/>
+                    <a:p>
+                      <a:pPr algn="ctr"/>
+                      <a:r>
+                        <a:rPr lang="en-US" dirty="0"/>
+                        <a:t>Pros</a:t>
+                      </a:r>
+                    </a:p>
+                  </a:txBody>
+                  <a:tcPr/>
+                </a:tc>
+                <a:tc>
+                  <a:txBody>
+                    <a:bodyPr/>
+                    <a:lstStyle/>
+                    <a:p>
+                      <a:pPr algn="ctr"/>
+                      <a:r>
+                        <a:rPr lang="en-US" dirty="0"/>
+                        <a:t>Cons</a:t>
+                      </a:r>
+                    </a:p>
+                  </a:txBody>
+                  <a:tcPr/>
+                </a:tc>
+                <a:extLst>
+                  <a:ext uri="{0D108BD9-81ED-4DB2-BD59-A6C34878D82A}">
+                    <a16:rowId xmlns:a16="http://schemas.microsoft.com/office/drawing/2014/main" val="3515496124"/>
+                  </a:ext>
+                </a:extLst>
+              </a:tr>
+              <a:tr h="2859003">
+                <a:tc>
+                  <a:txBody>
+                    <a:bodyPr/>
+                    <a:lstStyle/>
+                    <a:p>
+                      <a:endParaRPr lang="en-US" dirty="0"/>
+                    </a:p>
+                    <a:p>
+                      <a:endParaRPr lang="en-US" dirty="0"/>
+                    </a:p>
+                    <a:p>
+                      <a:r>
+                        <a:rPr lang="en-US" dirty="0"/>
+                        <a:t>Plug-In</a:t>
+                      </a:r>
+                    </a:p>
+                  </a:txBody>
+                  <a:tcPr>
+                    <a:solidFill>
+                      <a:schemeClr val="bg2"/>
+                    </a:solidFill>
+                  </a:tcPr>
+                </a:tc>
+                <a:tc>
+                  <a:txBody>
+                    <a:bodyPr/>
+                    <a:lstStyle/>
+                    <a:p>
+                      <a:pPr marL="285750" indent="-285750">
+                        <a:buFont typeface="Arial" panose="020B0604020202020204" pitchFamily="34" charset="0"/>
+                        <a:buChar char="•"/>
+                      </a:pPr>
+                      <a:r>
+                        <a:rPr lang="en-US" sz="1600" dirty="0"/>
+                        <a:t>typically better integrated into the Jira UI</a:t>
+                      </a:r>
+                    </a:p>
+                    <a:p>
+                      <a:pPr marL="285750" indent="-285750">
+                        <a:buFont typeface="Arial" panose="020B0604020202020204" pitchFamily="34" charset="0"/>
+                        <a:buChar char="•"/>
+                      </a:pPr>
+                      <a:r>
+                        <a:rPr lang="en-US" sz="1600" dirty="0"/>
+                        <a:t>repo indexing handled on Jira server side</a:t>
+                      </a:r>
+                    </a:p>
+                    <a:p>
+                      <a:pPr marL="285750" indent="-285750">
+                        <a:buFont typeface="Arial" panose="020B0604020202020204" pitchFamily="34" charset="0"/>
+                        <a:buChar char="•"/>
+                      </a:pPr>
+                      <a:r>
+                        <a:rPr lang="en-US" sz="1600" dirty="0"/>
+                        <a:t>can use Jira permissions to control actions</a:t>
+                      </a:r>
+                    </a:p>
+                    <a:p>
+                      <a:pPr marL="285750" indent="-285750">
+                        <a:buFont typeface="Arial" panose="020B0604020202020204" pitchFamily="34" charset="0"/>
+                        <a:buChar char="•"/>
+                      </a:pPr>
+                      <a:r>
+                        <a:rPr lang="en-US" sz="1600" dirty="0"/>
+                        <a:t>may be easier to support different Git incarnations</a:t>
+                      </a:r>
+                    </a:p>
+                    <a:p>
+                      <a:pPr marL="285750" indent="-285750">
+                        <a:buFont typeface="Arial" panose="020B0604020202020204" pitchFamily="34" charset="0"/>
+                        <a:buChar char="•"/>
+                      </a:pPr>
+                      <a:r>
+                        <a:rPr lang="en-US" sz="1600" dirty="0"/>
+                        <a:t>Vendor support</a:t>
+                      </a:r>
+                    </a:p>
+                  </a:txBody>
+                  <a:tcPr>
+                    <a:solidFill>
+                      <a:schemeClr val="bg2"/>
+                    </a:solidFill>
+                  </a:tcPr>
+                </a:tc>
+                <a:tc>
+                  <a:txBody>
+                    <a:bodyPr/>
+                    <a:lstStyle/>
+                    <a:p>
+                      <a:pPr marL="285750" indent="-285750">
+                        <a:buFont typeface="Arial" panose="020B0604020202020204" pitchFamily="34" charset="0"/>
+                        <a:buChar char="•"/>
+                      </a:pPr>
+                      <a:r>
+                        <a:rPr lang="en-US" sz="1600" dirty="0"/>
+                        <a:t>license cost</a:t>
+                      </a:r>
+                    </a:p>
+                    <a:p>
+                      <a:pPr marL="285750" indent="-285750">
+                        <a:buFont typeface="Arial" panose="020B0604020202020204" pitchFamily="34" charset="0"/>
+                        <a:buChar char="•"/>
+                      </a:pPr>
+                      <a:r>
+                        <a:rPr lang="en-US" sz="1600" dirty="0"/>
+                        <a:t>stability concerns?</a:t>
+                      </a:r>
+                    </a:p>
+                    <a:p>
+                      <a:pPr marL="285750" indent="-285750">
+                        <a:buFont typeface="Arial" panose="020B0604020202020204" pitchFamily="34" charset="0"/>
+                        <a:buChar char="•"/>
+                      </a:pPr>
+                      <a:r>
+                        <a:rPr lang="en-US" sz="1600" dirty="0"/>
+                        <a:t>admin friction/elevated rights/migrations/testing</a:t>
+                      </a:r>
+                    </a:p>
+                    <a:p>
+                      <a:pPr marL="285750" indent="-285750">
+                        <a:buFont typeface="Arial" panose="020B0604020202020204" pitchFamily="34" charset="0"/>
+                        <a:buChar char="•"/>
+                      </a:pPr>
+                      <a:r>
+                        <a:rPr lang="en-US" sz="1600" dirty="0"/>
+                        <a:t>can change Jira settings + add custom fields</a:t>
+                      </a:r>
+                    </a:p>
+                  </a:txBody>
+                  <a:tcPr>
+                    <a:solidFill>
+                      <a:schemeClr val="bg2"/>
+                    </a:solidFill>
+                  </a:tcPr>
+                </a:tc>
+                <a:extLst>
+                  <a:ext uri="{0D108BD9-81ED-4DB2-BD59-A6C34878D82A}">
+                    <a16:rowId xmlns:a16="http://schemas.microsoft.com/office/drawing/2014/main" val="96383895"/>
+                  </a:ext>
+                </a:extLst>
+              </a:tr>
+              <a:tr h="1607472">
+                <a:tc>
+                  <a:txBody>
+                    <a:bodyPr/>
+                    <a:lstStyle/>
+                    <a:p>
+                      <a:endParaRPr lang="en-US" dirty="0"/>
+                    </a:p>
+                    <a:p>
+                      <a:endParaRPr lang="en-US" dirty="0"/>
+                    </a:p>
+                    <a:p>
+                      <a:r>
+                        <a:rPr lang="en-US" dirty="0"/>
+                        <a:t>Script</a:t>
+                      </a:r>
+                    </a:p>
+                  </a:txBody>
+                  <a:tcPr>
+                    <a:solidFill>
+                      <a:schemeClr val="bg2"/>
+                    </a:solidFill>
+                  </a:tcPr>
+                </a:tc>
+                <a:tc>
+                  <a:txBody>
+                    <a:bodyPr/>
+                    <a:lstStyle/>
+                    <a:p>
+                      <a:pPr marL="285750" indent="-285750">
+                        <a:buFont typeface="Arial" panose="020B0604020202020204" pitchFamily="34" charset="0"/>
+                        <a:buChar char="•"/>
+                      </a:pPr>
+                      <a:r>
+                        <a:rPr lang="en-US" sz="1600" dirty="0"/>
+                        <a:t>no license cost (!= free)</a:t>
+                      </a:r>
+                    </a:p>
+                    <a:p>
+                      <a:pPr marL="285750" indent="-285750">
+                        <a:buFont typeface="Arial" panose="020B0604020202020204" pitchFamily="34" charset="0"/>
+                        <a:buChar char="•"/>
+                      </a:pPr>
+                      <a:r>
+                        <a:rPr lang="en-US" sz="1600" dirty="0"/>
+                        <a:t>stability not a big concern</a:t>
+                      </a:r>
+                    </a:p>
+                    <a:p>
+                      <a:pPr marL="285750" indent="-285750">
+                        <a:buFont typeface="Arial" panose="020B0604020202020204" pitchFamily="34" charset="0"/>
+                        <a:buChar char="•"/>
+                      </a:pPr>
+                      <a:r>
+                        <a:rPr lang="en-US" sz="1600" dirty="0"/>
+                        <a:t>no admin friction</a:t>
+                      </a:r>
+                    </a:p>
+                    <a:p>
+                      <a:pPr marL="285750" indent="-285750">
+                        <a:buFont typeface="Arial" panose="020B0604020202020204" pitchFamily="34" charset="0"/>
+                        <a:buChar char="•"/>
+                      </a:pPr>
+                      <a:r>
+                        <a:rPr lang="en-US" sz="1600" dirty="0"/>
+                        <a:t>you can understand, change and extend what it does if you have the source</a:t>
+                      </a:r>
+                    </a:p>
+                  </a:txBody>
+                  <a:tcPr>
+                    <a:solidFill>
+                      <a:schemeClr val="bg2"/>
+                    </a:solidFill>
+                  </a:tcPr>
+                </a:tc>
+                <a:tc>
+                  <a:txBody>
+                    <a:bodyPr/>
+                    <a:lstStyle/>
+                    <a:p>
+                      <a:pPr marL="285750" indent="-285750">
+                        <a:buFont typeface="Arial" panose="020B0604020202020204" pitchFamily="34" charset="0"/>
+                        <a:buChar char="•"/>
+                      </a:pPr>
+                      <a:r>
+                        <a:rPr lang="en-US" sz="1600" dirty="0"/>
+                        <a:t>no paid support</a:t>
+                      </a:r>
+                    </a:p>
+                    <a:p>
+                      <a:pPr marL="285750" indent="-285750">
+                        <a:buFont typeface="Arial" panose="020B0604020202020204" pitchFamily="34" charset="0"/>
+                        <a:buChar char="•"/>
+                      </a:pPr>
+                      <a:r>
+                        <a:rPr lang="en-US" sz="1600" dirty="0"/>
+                        <a:t>no permissions model</a:t>
+                      </a:r>
+                    </a:p>
+                    <a:p>
+                      <a:pPr marL="285750" indent="-285750">
+                        <a:buFont typeface="Arial" panose="020B0604020202020204" pitchFamily="34" charset="0"/>
+                        <a:buChar char="•"/>
+                      </a:pPr>
+                      <a:r>
+                        <a:rPr lang="en-US" sz="1600" dirty="0"/>
+                        <a:t>Less well-integrated into Jira UI</a:t>
+                      </a:r>
+                    </a:p>
+                    <a:p>
+                      <a:pPr marL="285750" indent="-285750">
+                        <a:buFont typeface="Arial" panose="020B0604020202020204" pitchFamily="34" charset="0"/>
+                        <a:buChar char="•"/>
+                      </a:pPr>
+                      <a:r>
+                        <a:rPr lang="en-US" sz="1600" dirty="0"/>
+                        <a:t>need to rack up and run yourself</a:t>
+                      </a:r>
+                    </a:p>
+                  </a:txBody>
+                  <a:tcPr>
+                    <a:solidFill>
+                      <a:schemeClr val="bg2"/>
+                    </a:solidFill>
+                  </a:tcPr>
+                </a:tc>
+                <a:extLst>
+                  <a:ext uri="{0D108BD9-81ED-4DB2-BD59-A6C34878D82A}">
+                    <a16:rowId xmlns:a16="http://schemas.microsoft.com/office/drawing/2014/main" val="197393616"/>
+                  </a:ext>
+                </a:extLst>
+              </a:tr>
+            </a:tbl>
+          </a:graphicData>
+        </a:graphic>
+      </p:graphicFrame>
+    </p:spTree>
+    <p:extLst>
+      <p:ext uri="{BB962C8B-B14F-4D97-AF65-F5344CB8AC3E}">
+        <p14:creationId xmlns:p14="http://schemas.microsoft.com/office/powerpoint/2010/main" val="1482377201"/>
+      </p:ext>
+    </p:extLst>
+  </p:cSld>
+  <p:clrMapOvr>
+    <a:masterClrMapping/>
+  </p:clrMapOvr>
+</p:sld>
+</file>
+
+<file path=ppt/slides/slide6.xml><?xml version="1.0" encoding="utf-8"?>
+<p:sld xmlns:a="http://schemas.openxmlformats.org/drawingml/2006/main" xmlns:r="http://schemas.openxmlformats.org/officeDocument/2006/relationships" xmlns:p="http://schemas.openxmlformats.org/presentationml/2006/main">
+  <p:cSld>
+    <p:bg>
+      <p:bgPr>
+        <a:solidFill>
+          <a:schemeClr val="accent1">
+            <a:lumMod val="20000"/>
+            <a:lumOff val="80000"/>
+          </a:schemeClr>
+        </a:solidFill>
+        <a:effectLst/>
+      </p:bgPr>
+    </p:bg>
+    <p:spTree>
+      <p:nvGrpSpPr>
+        <p:cNvPr id="1" name=""/>
+        <p:cNvGrpSpPr/>
+        <p:nvPr/>
+      </p:nvGrpSpPr>
+      <p:grpSpPr>
+        <a:xfrm>
+          <a:off x="0" y="0"/>
+          <a:ext cx="0" cy="0"/>
+          <a:chOff x="0" y="0"/>
+          <a:chExt cx="0" cy="0"/>
+        </a:xfrm>
+      </p:grpSpPr>
+      <p:sp>
+        <p:nvSpPr>
+          <p:cNvPr id="2" name="Title 1"/>
+          <p:cNvSpPr>
+            <a:spLocks noGrp="1"/>
+          </p:cNvSpPr>
+          <p:nvPr>
+            <p:ph type="title"/>
+          </p:nvPr>
+        </p:nvSpPr>
+        <p:spPr>
+          <a:xfrm>
+            <a:off x="457200" y="274638"/>
+            <a:ext cx="8229600" cy="1143000"/>
+          </a:xfrm>
+        </p:spPr>
+        <p:txBody>
+          <a:bodyPr>
+            <a:noAutofit/>
+          </a:bodyPr>
+          <a:lstStyle/>
+          <a:p>
+            <a:r>
+              <a:rPr lang="en-US" sz="3200" dirty="0"/>
+              <a:t>Git Integration for Jira from </a:t>
+            </a:r>
+            <a:r>
+              <a:rPr lang="en-US" sz="3200" dirty="0" err="1"/>
+              <a:t>BigBrassBand</a:t>
+            </a:r>
+            <a:br>
+              <a:rPr lang="en-US" sz="3200" dirty="0"/>
+            </a:br>
+            <a:r>
+              <a:rPr lang="en-US" sz="3200" dirty="0"/>
+              <a:t>Screen Shots</a:t>
+            </a:r>
+          </a:p>
+        </p:txBody>
+      </p:sp>
+      <p:sp>
+        <p:nvSpPr>
+          <p:cNvPr id="3" name="Content Placeholder 2"/>
+          <p:cNvSpPr>
+            <a:spLocks noGrp="1"/>
+          </p:cNvSpPr>
+          <p:nvPr>
+            <p:ph idx="1"/>
+          </p:nvPr>
+        </p:nvSpPr>
+        <p:spPr>
+          <a:xfrm>
+            <a:off x="457200" y="1600200"/>
+            <a:ext cx="8229600" cy="4800600"/>
+          </a:xfrm>
+        </p:spPr>
+        <p:txBody>
+          <a:bodyPr>
+            <a:noAutofit/>
+          </a:bodyPr>
+          <a:lstStyle/>
+          <a:p>
+            <a:pPr marL="365760">
+              <a:spcBef>
+                <a:spcPts val="0"/>
+              </a:spcBef>
+            </a:pPr>
+            <a:endParaRPr lang="en-US" sz="2800" dirty="0"/>
+          </a:p>
+        </p:txBody>
+      </p:sp>
+    </p:spTree>
+    <p:extLst>
+      <p:ext uri="{BB962C8B-B14F-4D97-AF65-F5344CB8AC3E}">
+        <p14:creationId xmlns:p14="http://schemas.microsoft.com/office/powerpoint/2010/main" val="142049666"/>
+      </p:ext>
+    </p:extLst>
+  </p:cSld>
+  <p:clrMapOvr>
+    <a:masterClrMapping/>
+  </p:clrMapOvr>
+</p:sld>
+</file>
+
+<file path=ppt/slides/slide7.xml><?xml version="1.0" encoding="utf-8"?>
+<p:sld xmlns:a="http://schemas.openxmlformats.org/drawingml/2006/main" xmlns:r="http://schemas.openxmlformats.org/officeDocument/2006/relationships" xmlns:p="http://schemas.openxmlformats.org/presentationml/2006/main">
+  <p:cSld>
+    <p:bg>
+      <p:bgPr>
+        <a:solidFill>
+          <a:schemeClr val="accent1">
+            <a:lumMod val="20000"/>
+            <a:lumOff val="80000"/>
+          </a:schemeClr>
+        </a:solidFill>
+        <a:effectLst/>
+      </p:bgPr>
+    </p:bg>
+    <p:spTree>
+      <p:nvGrpSpPr>
+        <p:cNvPr id="1" name=""/>
+        <p:cNvGrpSpPr/>
+        <p:nvPr/>
+      </p:nvGrpSpPr>
+      <p:grpSpPr>
+        <a:xfrm>
+          <a:off x="0" y="0"/>
+          <a:ext cx="0" cy="0"/>
+          <a:chOff x="0" y="0"/>
+          <a:chExt cx="0" cy="0"/>
+        </a:xfrm>
+      </p:grpSpPr>
+      <p:sp>
+        <p:nvSpPr>
+          <p:cNvPr id="2" name="Title 1"/>
+          <p:cNvSpPr>
+            <a:spLocks noGrp="1"/>
+          </p:cNvSpPr>
+          <p:nvPr>
+            <p:ph type="title"/>
+          </p:nvPr>
+        </p:nvSpPr>
+        <p:spPr>
+          <a:xfrm>
+            <a:off x="457200" y="274638"/>
+            <a:ext cx="8229600" cy="1143000"/>
+          </a:xfrm>
+        </p:spPr>
+        <p:txBody>
+          <a:bodyPr>
+            <a:noAutofit/>
+          </a:bodyPr>
+          <a:lstStyle/>
+          <a:p>
+            <a:r>
+              <a:rPr lang="en-US" sz="3200" dirty="0"/>
+              <a:t>http://github.com/bobk/jiragithub</a:t>
+            </a:r>
+            <a:br>
+              <a:rPr lang="en-US" sz="3200" dirty="0"/>
+            </a:br>
+            <a:r>
+              <a:rPr lang="en-US" sz="3200" dirty="0"/>
+              <a:t>Screen Shots</a:t>
+            </a:r>
+          </a:p>
+        </p:txBody>
+      </p:sp>
+      <p:sp>
+        <p:nvSpPr>
+          <p:cNvPr id="3" name="Content Placeholder 2"/>
+          <p:cNvSpPr>
+            <a:spLocks noGrp="1"/>
+          </p:cNvSpPr>
+          <p:nvPr>
+            <p:ph idx="1"/>
+          </p:nvPr>
+        </p:nvSpPr>
+        <p:spPr>
+          <a:xfrm>
+            <a:off x="457200" y="1600200"/>
+            <a:ext cx="8229600" cy="4800600"/>
+          </a:xfrm>
+        </p:spPr>
+        <p:txBody>
+          <a:bodyPr>
+            <a:noAutofit/>
+          </a:bodyPr>
+          <a:lstStyle/>
+          <a:p>
+            <a:pPr marL="365760">
+              <a:spcBef>
+                <a:spcPts val="0"/>
+              </a:spcBef>
+            </a:pPr>
+            <a:endParaRPr lang="en-US" sz="2800" dirty="0"/>
+          </a:p>
+        </p:txBody>
+      </p:sp>
+    </p:spTree>
+    <p:extLst>
+      <p:ext uri="{BB962C8B-B14F-4D97-AF65-F5344CB8AC3E}">
+        <p14:creationId xmlns:p14="http://schemas.microsoft.com/office/powerpoint/2010/main" val="1008999639"/>
+      </p:ext>
+    </p:extLst>
+  </p:cSld>
+  <p:clrMapOvr>
+    <a:masterClrMapping/>
+  </p:clrMapOvr>
+</p:sld>
+</file>
+
+<file path=ppt/slides/slide8.xml><?xml version="1.0" encoding="utf-8"?>
 <p:sld xmlns:a="http://schemas.openxmlformats.org/drawingml/2006/main" xmlns:r="http://schemas.openxmlformats.org/officeDocument/2006/relationships" xmlns:p="http://schemas.openxmlformats.org/presentationml/2006/main">
   <p:cSld>
     <p:bg>
@@ -3855,7 +4849,7 @@
 </p:sld>
 </file>
 
-<file path=ppt/slides/slide5.xml><?xml version="1.0" encoding="utf-8"?>
+<file path=ppt/slides/slide9.xml><?xml version="1.0" encoding="utf-8"?>
 <p:sld xmlns:a="http://schemas.openxmlformats.org/drawingml/2006/main" xmlns:r="http://schemas.openxmlformats.org/officeDocument/2006/relationships" xmlns:p="http://schemas.openxmlformats.org/presentationml/2006/main">
   <p:cSld>
     <p:bg>
@@ -3929,7 +4923,7 @@
           <a:p>
             <a:r>
               <a:rPr lang="en-US" dirty="0"/>
-              <a:t>Issue Collectors and what to use them for</a:t>
+              <a:t>Jira Issue Collectors and what to use them for</a:t>
             </a:r>
           </a:p>
           <a:p>

--- a/Git Integration Options for Jira.pptx
+++ b/Git Integration Options for Jira.pptx
@@ -11,9 +11,11 @@
     <p:sldId id="273" r:id="rId5"/>
     <p:sldId id="274" r:id="rId6"/>
     <p:sldId id="275" r:id="rId7"/>
-    <p:sldId id="276" r:id="rId8"/>
-    <p:sldId id="265" r:id="rId9"/>
-    <p:sldId id="260" r:id="rId10"/>
+    <p:sldId id="277" r:id="rId8"/>
+    <p:sldId id="276" r:id="rId9"/>
+    <p:sldId id="278" r:id="rId10"/>
+    <p:sldId id="265" r:id="rId11"/>
+    <p:sldId id="260" r:id="rId12"/>
   </p:sldIdLst>
   <p:sldSz cx="9144000" cy="6858000" type="screen4x3"/>
   <p:notesSz cx="6858000" cy="9144000"/>
@@ -310,7 +312,7 @@
           <a:p>
             <a:fld id="{799B01D3-E541-42FD-B1E6-9E7097F8E480}" type="datetimeFigureOut">
               <a:rPr lang="en-US" smtClean="0"/>
-              <a:t>2/21/2020</a:t>
+              <a:t>2/22/2020</a:t>
             </a:fld>
             <a:endParaRPr lang="en-US"/>
           </a:p>
@@ -478,7 +480,7 @@
           <a:p>
             <a:fld id="{799B01D3-E541-42FD-B1E6-9E7097F8E480}" type="datetimeFigureOut">
               <a:rPr lang="en-US" smtClean="0"/>
-              <a:t>2/21/2020</a:t>
+              <a:t>2/22/2020</a:t>
             </a:fld>
             <a:endParaRPr lang="en-US"/>
           </a:p>
@@ -656,7 +658,7 @@
           <a:p>
             <a:fld id="{799B01D3-E541-42FD-B1E6-9E7097F8E480}" type="datetimeFigureOut">
               <a:rPr lang="en-US" smtClean="0"/>
-              <a:t>2/21/2020</a:t>
+              <a:t>2/22/2020</a:t>
             </a:fld>
             <a:endParaRPr lang="en-US"/>
           </a:p>
@@ -808,7 +810,7 @@
           <a:p>
             <a:fld id="{799B01D3-E541-42FD-B1E6-9E7097F8E480}" type="datetimeFigureOut">
               <a:rPr lang="en-US" smtClean="0"/>
-              <a:t>2/21/2020</a:t>
+              <a:t>2/22/2020</a:t>
             </a:fld>
             <a:endParaRPr lang="en-US"/>
           </a:p>
@@ -1093,7 +1095,7 @@
           <a:p>
             <a:fld id="{799B01D3-E541-42FD-B1E6-9E7097F8E480}" type="datetimeFigureOut">
               <a:rPr lang="en-US" smtClean="0"/>
-              <a:t>2/21/2020</a:t>
+              <a:t>2/22/2020</a:t>
             </a:fld>
             <a:endParaRPr lang="en-US"/>
           </a:p>
@@ -1378,7 +1380,7 @@
           <a:p>
             <a:fld id="{799B01D3-E541-42FD-B1E6-9E7097F8E480}" type="datetimeFigureOut">
               <a:rPr lang="en-US" smtClean="0"/>
-              <a:t>2/21/2020</a:t>
+              <a:t>2/22/2020</a:t>
             </a:fld>
             <a:endParaRPr lang="en-US"/>
           </a:p>
@@ -1797,7 +1799,7 @@
           <a:p>
             <a:fld id="{799B01D3-E541-42FD-B1E6-9E7097F8E480}" type="datetimeFigureOut">
               <a:rPr lang="en-US" smtClean="0"/>
-              <a:t>2/21/2020</a:t>
+              <a:t>2/22/2020</a:t>
             </a:fld>
             <a:endParaRPr lang="en-US"/>
           </a:p>
@@ -1914,7 +1916,7 @@
           <a:p>
             <a:fld id="{799B01D3-E541-42FD-B1E6-9E7097F8E480}" type="datetimeFigureOut">
               <a:rPr lang="en-US" smtClean="0"/>
-              <a:t>2/21/2020</a:t>
+              <a:t>2/22/2020</a:t>
             </a:fld>
             <a:endParaRPr lang="en-US"/>
           </a:p>
@@ -2009,7 +2011,7 @@
           <a:p>
             <a:fld id="{799B01D3-E541-42FD-B1E6-9E7097F8E480}" type="datetimeFigureOut">
               <a:rPr lang="en-US" smtClean="0"/>
-              <a:t>2/21/2020</a:t>
+              <a:t>2/22/2020</a:t>
             </a:fld>
             <a:endParaRPr lang="en-US"/>
           </a:p>
@@ -2284,7 +2286,7 @@
           <a:p>
             <a:fld id="{799B01D3-E541-42FD-B1E6-9E7097F8E480}" type="datetimeFigureOut">
               <a:rPr lang="en-US" smtClean="0"/>
-              <a:t>2/21/2020</a:t>
+              <a:t>2/22/2020</a:t>
             </a:fld>
             <a:endParaRPr lang="en-US"/>
           </a:p>
@@ -2536,7 +2538,7 @@
           <a:p>
             <a:fld id="{799B01D3-E541-42FD-B1E6-9E7097F8E480}" type="datetimeFigureOut">
               <a:rPr lang="en-US" smtClean="0"/>
-              <a:t>2/21/2020</a:t>
+              <a:t>2/22/2020</a:t>
             </a:fld>
             <a:endParaRPr lang="en-US"/>
           </a:p>
@@ -2747,7 +2749,7 @@
           <a:p>
             <a:fld id="{799B01D3-E541-42FD-B1E6-9E7097F8E480}" type="datetimeFigureOut">
               <a:rPr lang="en-US" smtClean="0"/>
-              <a:t>2/21/2020</a:t>
+              <a:t>2/22/2020</a:t>
             </a:fld>
             <a:endParaRPr lang="en-US"/>
           </a:p>
@@ -3340,6 +3342,257 @@
 </p:sld>
 </file>
 
+<file path=ppt/slides/slide10.xml><?xml version="1.0" encoding="utf-8"?>
+<p:sld xmlns:a="http://schemas.openxmlformats.org/drawingml/2006/main" xmlns:r="http://schemas.openxmlformats.org/officeDocument/2006/relationships" xmlns:p="http://schemas.openxmlformats.org/presentationml/2006/main">
+  <p:cSld>
+    <p:bg>
+      <p:bgPr>
+        <a:solidFill>
+          <a:schemeClr val="accent3">
+            <a:lumMod val="60000"/>
+            <a:lumOff val="40000"/>
+          </a:schemeClr>
+        </a:solidFill>
+        <a:effectLst/>
+      </p:bgPr>
+    </p:bg>
+    <p:spTree>
+      <p:nvGrpSpPr>
+        <p:cNvPr id="1" name=""/>
+        <p:cNvGrpSpPr/>
+        <p:nvPr/>
+      </p:nvGrpSpPr>
+      <p:grpSpPr>
+        <a:xfrm>
+          <a:off x="0" y="0"/>
+          <a:ext cx="0" cy="0"/>
+          <a:chOff x="0" y="0"/>
+          <a:chExt cx="0" cy="0"/>
+        </a:xfrm>
+      </p:grpSpPr>
+      <p:sp>
+        <p:nvSpPr>
+          <p:cNvPr id="3" name="Content Placeholder 2">
+            <a:extLst>
+              <a:ext uri="{FF2B5EF4-FFF2-40B4-BE49-F238E27FC236}">
+                <a16:creationId xmlns:a16="http://schemas.microsoft.com/office/drawing/2014/main" id="{75FD253A-DD71-48BB-A32A-BBB995B0AE6B}"/>
+              </a:ext>
+            </a:extLst>
+          </p:cNvPr>
+          <p:cNvSpPr>
+            <a:spLocks noGrp="1"/>
+          </p:cNvSpPr>
+          <p:nvPr>
+            <p:ph idx="1"/>
+          </p:nvPr>
+        </p:nvSpPr>
+        <p:spPr>
+          <a:xfrm>
+            <a:off x="366204" y="1782752"/>
+            <a:ext cx="8396057" cy="4168066"/>
+          </a:xfrm>
+        </p:spPr>
+        <p:txBody>
+          <a:bodyPr>
+            <a:normAutofit lnSpcReduction="10000"/>
+          </a:bodyPr>
+          <a:lstStyle/>
+          <a:p>
+            <a:pPr marL="0" indent="0" algn="ctr">
+              <a:buNone/>
+            </a:pPr>
+            <a:r>
+              <a:rPr lang="en-US" sz="4050" dirty="0"/>
+              <a:t>Questions/Feedback?</a:t>
+            </a:r>
+          </a:p>
+          <a:p>
+            <a:pPr algn="ctr"/>
+            <a:endParaRPr lang="en-US" sz="4050" b="1" dirty="0"/>
+          </a:p>
+          <a:p>
+            <a:pPr marL="0" indent="0" algn="ctr">
+              <a:buNone/>
+            </a:pPr>
+            <a:r>
+              <a:rPr lang="en-US" sz="4050" b="1" dirty="0"/>
+              <a:t>Thank You!</a:t>
+            </a:r>
+          </a:p>
+          <a:p>
+            <a:pPr marL="0" indent="0" algn="ctr">
+              <a:buNone/>
+            </a:pPr>
+            <a:endParaRPr lang="en-US" sz="4050" b="1" dirty="0"/>
+          </a:p>
+          <a:p>
+            <a:pPr marL="0" indent="0" algn="ctr">
+              <a:buNone/>
+            </a:pPr>
+            <a:endParaRPr lang="en-US" sz="4050" b="1" dirty="0"/>
+          </a:p>
+          <a:p>
+            <a:pPr marL="0" indent="0" algn="ctr">
+              <a:buNone/>
+            </a:pPr>
+            <a:r>
+              <a:rPr lang="en-US" sz="1500" dirty="0"/>
+              <a:t>Robert Kozlowski</a:t>
+            </a:r>
+          </a:p>
+          <a:p>
+            <a:pPr marL="0" indent="0" algn="ctr">
+              <a:buNone/>
+            </a:pPr>
+            <a:r>
+              <a:rPr lang="en-US" sz="1500" dirty="0">
+                <a:hlinkClick r:id="rId2"/>
+              </a:rPr>
+              <a:t>http://www.robertkozlowski.com</a:t>
+            </a:r>
+            <a:endParaRPr lang="en-US" sz="1500" dirty="0"/>
+          </a:p>
+        </p:txBody>
+      </p:sp>
+    </p:spTree>
+    <p:extLst>
+      <p:ext uri="{BB962C8B-B14F-4D97-AF65-F5344CB8AC3E}">
+        <p14:creationId xmlns:p14="http://schemas.microsoft.com/office/powerpoint/2010/main" val="1700378936"/>
+      </p:ext>
+    </p:extLst>
+  </p:cSld>
+  <p:clrMapOvr>
+    <a:masterClrMapping/>
+  </p:clrMapOvr>
+</p:sld>
+</file>
+
+<file path=ppt/slides/slide11.xml><?xml version="1.0" encoding="utf-8"?>
+<p:sld xmlns:a="http://schemas.openxmlformats.org/drawingml/2006/main" xmlns:r="http://schemas.openxmlformats.org/officeDocument/2006/relationships" xmlns:p="http://schemas.openxmlformats.org/presentationml/2006/main">
+  <p:cSld>
+    <p:bg>
+      <p:bgPr>
+        <a:solidFill>
+          <a:schemeClr val="accent6">
+            <a:lumMod val="40000"/>
+            <a:lumOff val="60000"/>
+          </a:schemeClr>
+        </a:solidFill>
+        <a:effectLst/>
+      </p:bgPr>
+    </p:bg>
+    <p:spTree>
+      <p:nvGrpSpPr>
+        <p:cNvPr id="1" name=""/>
+        <p:cNvGrpSpPr/>
+        <p:nvPr/>
+      </p:nvGrpSpPr>
+      <p:grpSpPr>
+        <a:xfrm>
+          <a:off x="0" y="0"/>
+          <a:ext cx="0" cy="0"/>
+          <a:chOff x="0" y="0"/>
+          <a:chExt cx="0" cy="0"/>
+        </a:xfrm>
+      </p:grpSpPr>
+      <p:sp>
+        <p:nvSpPr>
+          <p:cNvPr id="2" name="Title 1"/>
+          <p:cNvSpPr>
+            <a:spLocks noGrp="1"/>
+          </p:cNvSpPr>
+          <p:nvPr>
+            <p:ph type="title"/>
+          </p:nvPr>
+        </p:nvSpPr>
+        <p:spPr>
+          <a:xfrm>
+            <a:off x="457200" y="274638"/>
+            <a:ext cx="8229600" cy="1143000"/>
+          </a:xfrm>
+        </p:spPr>
+        <p:txBody>
+          <a:bodyPr/>
+          <a:lstStyle/>
+          <a:p>
+            <a:r>
+              <a:rPr lang="en-US" dirty="0"/>
+              <a:t>Next Time?</a:t>
+            </a:r>
+          </a:p>
+        </p:txBody>
+      </p:sp>
+      <p:sp>
+        <p:nvSpPr>
+          <p:cNvPr id="3" name="Content Placeholder 2"/>
+          <p:cNvSpPr>
+            <a:spLocks noGrp="1"/>
+          </p:cNvSpPr>
+          <p:nvPr>
+            <p:ph idx="1"/>
+          </p:nvPr>
+        </p:nvSpPr>
+        <p:spPr/>
+        <p:txBody>
+          <a:bodyPr>
+            <a:normAutofit/>
+          </a:bodyPr>
+          <a:lstStyle/>
+          <a:p>
+            <a:r>
+              <a:rPr lang="en-US" dirty="0"/>
+              <a:t>Jira Issue Collectors and what to use them for</a:t>
+            </a:r>
+          </a:p>
+          <a:p>
+            <a:r>
+              <a:rPr lang="en-US" dirty="0"/>
+              <a:t>Python as poor-man’s Jira command-line (via </a:t>
+            </a:r>
+            <a:r>
+              <a:rPr lang="en-US" dirty="0" err="1"/>
+              <a:t>jira</a:t>
+            </a:r>
+            <a:r>
+              <a:rPr lang="en-US" dirty="0"/>
+              <a:t>-python/</a:t>
+            </a:r>
+            <a:r>
+              <a:rPr lang="en-US" dirty="0" err="1"/>
+              <a:t>jirashell</a:t>
+            </a:r>
+            <a:r>
+              <a:rPr lang="en-US" dirty="0"/>
+              <a:t> interpreter)</a:t>
+            </a:r>
+          </a:p>
+          <a:p>
+            <a:r>
+              <a:rPr lang="en-US" dirty="0"/>
+              <a:t>Review of good Jira tech books</a:t>
+            </a:r>
+          </a:p>
+          <a:p>
+            <a:pPr marL="0" indent="0">
+              <a:buNone/>
+            </a:pPr>
+            <a:endParaRPr lang="en-US" dirty="0"/>
+          </a:p>
+        </p:txBody>
+      </p:sp>
+    </p:spTree>
+    <p:extLst>
+      <p:ext uri="{BB962C8B-B14F-4D97-AF65-F5344CB8AC3E}">
+        <p14:creationId xmlns:p14="http://schemas.microsoft.com/office/powerpoint/2010/main" val="1880991361"/>
+      </p:ext>
+    </p:extLst>
+  </p:cSld>
+  <p:clrMapOvr>
+    <a:masterClrMapping/>
+  </p:clrMapOvr>
+</p:sld>
+</file>
+
 <file path=ppt/slides/slide2.xml><?xml version="1.0" encoding="utf-8"?>
 <p:sld xmlns:a="http://schemas.openxmlformats.org/drawingml/2006/main" xmlns:r="http://schemas.openxmlformats.org/officeDocument/2006/relationships" xmlns:p="http://schemas.openxmlformats.org/presentationml/2006/main">
   <p:cSld>
@@ -3390,7 +3643,7 @@
           <a:p>
             <a:r>
               <a:rPr lang="en-US" dirty="0"/>
-              <a:t>What is Git Integration?</a:t>
+              <a:t>What is “Git Integration for Jira”?</a:t>
             </a:r>
           </a:p>
         </p:txBody>
@@ -3451,7 +3704,7 @@
             </a:pPr>
             <a:r>
               <a:rPr lang="en-US" sz="2400" dirty="0"/>
-              <a:t>A process runs on the Jira side, the Git side or a third location to scan for commits + issues that are related and record them</a:t>
+              <a:t>A process runs on the Jira side, the Git side or a third location to scan for commits + issues that are related and record them, usually in the Jira issues themselves</a:t>
             </a:r>
           </a:p>
           <a:p>
@@ -3475,7 +3728,7 @@
                   <a:srgbClr val="00B050"/>
                 </a:solidFill>
               </a:rPr>
-              <a:t>EXTRA</a:t>
+              <a:t>EXTRA CREDIT</a:t>
             </a:r>
           </a:p>
           <a:p>
@@ -3628,7 +3881,7 @@
         <p:spPr>
           <a:xfrm>
             <a:off x="457200" y="1600200"/>
-            <a:ext cx="8229600" cy="4648200"/>
+            <a:ext cx="8229600" cy="4983162"/>
           </a:xfrm>
         </p:spPr>
         <p:txBody>
@@ -3644,7 +3897,7 @@
             </a:pPr>
             <a:r>
               <a:rPr lang="en-US" sz="2000" dirty="0"/>
-              <a:t>Anyone who needs to know what code was written for Jira issues and review it in a familiar environment (</a:t>
+              <a:t>Anyone who needs to know what code was written for Jira issues and review it in a familiar environment – who coded this feature, how “big” was the change (</a:t>
             </a:r>
             <a:r>
               <a:rPr lang="en-US" sz="2000" dirty="0">
@@ -3891,8 +4144,8 @@
               <a:buNone/>
             </a:pPr>
             <a:r>
-              <a:rPr lang="en-US" sz="2000" dirty="0"/>
-              <a:t>(using public GitHub specifically as an example, some options do not support GitHub Enterprise, GitLab or other third-party Git incarnations)</a:t>
+              <a:rPr lang="en-US" sz="1800" dirty="0"/>
+              <a:t>(using public GitHub specifically as an example - some products do not support GitHub Enterprise, GitLab or other third-party Git incarnations)</a:t>
             </a:r>
           </a:p>
           <a:p>
@@ -3902,7 +4155,7 @@
               </a:spcBef>
               <a:buNone/>
             </a:pPr>
-            <a:endParaRPr lang="en-US" sz="2800" dirty="0"/>
+            <a:endParaRPr lang="en-US" sz="2400" dirty="0"/>
           </a:p>
           <a:p>
             <a:pPr marL="365760">
@@ -3913,7 +4166,7 @@
               <a:buChar char="-"/>
             </a:pPr>
             <a:r>
-              <a:rPr lang="en-US" dirty="0"/>
+              <a:rPr lang="en-US" sz="2800" dirty="0"/>
               <a:t>Atlassian’s built-in integration (cloud, server)</a:t>
             </a:r>
           </a:p>
@@ -3926,7 +4179,7 @@
               <a:buChar char="-"/>
             </a:pPr>
             <a:r>
-              <a:rPr lang="en-US" dirty="0"/>
+              <a:rPr lang="en-US" sz="2800" dirty="0"/>
               <a:t>GitHub’s built-in integration (cloud)*</a:t>
             </a:r>
           </a:p>
@@ -3939,7 +4192,7 @@
               <a:buChar char="-"/>
             </a:pPr>
             <a:r>
-              <a:rPr lang="en-US" dirty="0"/>
+              <a:rPr lang="en-US" sz="2800" dirty="0"/>
               <a:t>Third-party Jira plug-ins (cloud, server)</a:t>
             </a:r>
           </a:p>
@@ -3952,22 +4205,22 @@
               <a:buChar char="-"/>
             </a:pPr>
             <a:r>
-              <a:rPr lang="en-US" sz="2400" dirty="0">
+              <a:rPr lang="en-US" sz="2000" dirty="0">
                 <a:solidFill>
                   <a:srgbClr val="FF0000"/>
                 </a:solidFill>
               </a:rPr>
-              <a:t>Git Integration for Jira plug-in from </a:t>
-            </a:r>
-            <a:r>
-              <a:rPr lang="en-US" sz="2400" dirty="0" err="1">
+              <a:t>e.g., Git Integration for Jira plug-in from </a:t>
+            </a:r>
+            <a:r>
+              <a:rPr lang="en-US" sz="2000" dirty="0" err="1">
                 <a:solidFill>
                   <a:srgbClr val="FF0000"/>
                 </a:solidFill>
               </a:rPr>
               <a:t>BigBrassBand</a:t>
             </a:r>
-            <a:endParaRPr lang="en-US" sz="2400" dirty="0">
+            <a:endParaRPr lang="en-US" sz="2000" dirty="0">
               <a:solidFill>
                 <a:srgbClr val="FF0000"/>
               </a:solidFill>
@@ -3982,7 +4235,7 @@
               <a:buChar char="-"/>
             </a:pPr>
             <a:r>
-              <a:rPr lang="en-US" dirty="0"/>
+              <a:rPr lang="en-US" sz="2800" dirty="0"/>
               <a:t>Home-grown scripts</a:t>
             </a:r>
           </a:p>
@@ -3995,7 +4248,32 @@
               <a:buChar char="-"/>
             </a:pPr>
             <a:r>
-              <a:rPr lang="en-US" sz="2400" dirty="0" err="1">
+              <a:rPr lang="en-US" sz="2000" dirty="0">
+                <a:solidFill>
+                  <a:srgbClr val="FF0000"/>
+                </a:solidFill>
+              </a:rPr>
+              <a:t>use Jira and GitHub REST APIs</a:t>
+            </a:r>
+          </a:p>
+          <a:p>
+            <a:pPr marL="765810" lvl="1">
+              <a:spcBef>
+                <a:spcPts val="0"/>
+              </a:spcBef>
+              <a:buFontTx/>
+              <a:buChar char="-"/>
+            </a:pPr>
+            <a:r>
+              <a:rPr lang="en-US" sz="2000" dirty="0">
+                <a:solidFill>
+                  <a:srgbClr val="FF0000"/>
+                </a:solidFill>
+              </a:rPr>
+              <a:t>e.g., </a:t>
+            </a:r>
+            <a:r>
+              <a:rPr lang="en-US" sz="2000" dirty="0" err="1">
                 <a:solidFill>
                   <a:srgbClr val="FF0000"/>
                 </a:solidFill>
@@ -4003,7 +4281,7 @@
               <a:t>jiragithub</a:t>
             </a:r>
             <a:r>
-              <a:rPr lang="en-US" sz="2400" dirty="0">
+              <a:rPr lang="en-US" sz="2000" dirty="0">
                 <a:solidFill>
                   <a:srgbClr val="FF0000"/>
                 </a:solidFill>
@@ -4017,7 +4295,7 @@
                 <a:spcPts val="0"/>
               </a:spcBef>
             </a:pPr>
-            <a:endParaRPr lang="en-US" sz="2800" dirty="0"/>
+            <a:endParaRPr lang="en-US" sz="2400" dirty="0"/>
           </a:p>
           <a:p>
             <a:pPr marL="22860" indent="0">
@@ -4027,7 +4305,7 @@
               <a:buNone/>
             </a:pPr>
             <a:r>
-              <a:rPr lang="en-US" sz="1600" dirty="0"/>
+              <a:rPr lang="en-US" sz="1400" dirty="0"/>
               <a:t>* GitHub has “issue” functionality, but no strong workflow model, and their integration marketplace is not yet as mature as Atlassian’s</a:t>
             </a:r>
           </a:p>
@@ -4037,7 +4315,7 @@
                 <a:spcPts val="0"/>
               </a:spcBef>
             </a:pPr>
-            <a:endParaRPr lang="en-US" sz="2800" dirty="0"/>
+            <a:endParaRPr lang="en-US" sz="2400" dirty="0"/>
           </a:p>
         </p:txBody>
       </p:sp>
@@ -4127,14 +4405,14 @@
             <p:ph idx="1"/>
             <p:extLst>
               <p:ext uri="{D42A27DB-BD31-4B8C-83A1-F6EECF244321}">
-                <p14:modId xmlns:p14="http://schemas.microsoft.com/office/powerpoint/2010/main" val="2443283656"/>
+                <p14:modId xmlns:p14="http://schemas.microsoft.com/office/powerpoint/2010/main" val="3887583380"/>
               </p:ext>
             </p:extLst>
           </p:nvPr>
         </p:nvGraphicFramePr>
         <p:xfrm>
           <a:off x="457200" y="1417638"/>
-          <a:ext cx="8229600" cy="4983162"/>
+          <a:ext cx="8229600" cy="4685634"/>
         </p:xfrm>
         <a:graphic>
           <a:graphicData uri="http://schemas.openxmlformats.org/drawingml/2006/table">
@@ -4150,14 +4428,14 @@
                     </a:ext>
                   </a:extLst>
                 </a:gridCol>
-                <a:gridCol w="3429000">
+                <a:gridCol w="3886200">
                   <a:extLst>
                     <a:ext uri="{9D8B030D-6E8A-4147-A177-3AD203B41FA5}">
                       <a16:colId xmlns:a16="http://schemas.microsoft.com/office/drawing/2014/main" val="663025966"/>
                     </a:ext>
                   </a:extLst>
                 </a:gridCol>
-                <a:gridCol w="3581400">
+                <a:gridCol w="3124200">
                   <a:extLst>
                     <a:ext uri="{9D8B030D-6E8A-4147-A177-3AD203B41FA5}">
                       <a16:colId xmlns:a16="http://schemas.microsoft.com/office/drawing/2014/main" val="136273586"/>
@@ -4213,7 +4491,7 @@
                   </a:ext>
                 </a:extLst>
               </a:tr>
-              <a:tr h="2859003">
+              <a:tr h="2561475">
                 <a:tc>
                   <a:txBody>
                     <a:bodyPr/>
@@ -4228,6 +4506,95 @@
                       <a:r>
                         <a:rPr lang="en-US" dirty="0"/>
                         <a:t>Plug-In</a:t>
+                      </a:r>
+                    </a:p>
+                    <a:p>
+                      <a:endParaRPr lang="en-US" dirty="0"/>
+                    </a:p>
+                    <a:p>
+                      <a:endParaRPr lang="en-US" dirty="0"/>
+                    </a:p>
+                  </a:txBody>
+                  <a:tcPr>
+                    <a:solidFill>
+                      <a:schemeClr val="bg2"/>
+                    </a:solidFill>
+                  </a:tcPr>
+                </a:tc>
+                <a:tc>
+                  <a:txBody>
+                    <a:bodyPr/>
+                    <a:lstStyle/>
+                    <a:p>
+                      <a:pPr marL="285750" indent="-285750">
+                        <a:buFont typeface="Arial" panose="020B0604020202020204" pitchFamily="34" charset="0"/>
+                        <a:buChar char="•"/>
+                      </a:pPr>
+                      <a:r>
+                        <a:rPr lang="en-US" sz="1600" dirty="0">
+                          <a:solidFill>
+                            <a:srgbClr val="00B050"/>
+                          </a:solidFill>
+                        </a:rPr>
+                        <a:t>typically better integrated into the Jira UI</a:t>
+                      </a:r>
+                    </a:p>
+                    <a:p>
+                      <a:pPr marL="285750" indent="-285750">
+                        <a:buFont typeface="Arial" panose="020B0604020202020204" pitchFamily="34" charset="0"/>
+                        <a:buChar char="•"/>
+                      </a:pPr>
+                      <a:r>
+                        <a:rPr lang="en-US" sz="1600" dirty="0">
+                          <a:solidFill>
+                            <a:srgbClr val="00B050"/>
+                          </a:solidFill>
+                        </a:rPr>
+                        <a:t>more functionality</a:t>
+                      </a:r>
+                    </a:p>
+                    <a:p>
+                      <a:pPr marL="285750" indent="-285750">
+                        <a:buFont typeface="Arial" panose="020B0604020202020204" pitchFamily="34" charset="0"/>
+                        <a:buChar char="•"/>
+                      </a:pPr>
+                      <a:r>
+                        <a:rPr lang="en-US" sz="1600" dirty="0"/>
+                        <a:t>repo indexing handled on Jira server side</a:t>
+                      </a:r>
+                    </a:p>
+                    <a:p>
+                      <a:pPr marL="285750" indent="-285750">
+                        <a:buFont typeface="Arial" panose="020B0604020202020204" pitchFamily="34" charset="0"/>
+                        <a:buChar char="•"/>
+                      </a:pPr>
+                      <a:r>
+                        <a:rPr lang="en-US" sz="1600" dirty="0"/>
+                        <a:t>can use Jira permissions to control actions </a:t>
+                      </a:r>
+                    </a:p>
+                    <a:p>
+                      <a:pPr marL="285750" indent="-285750">
+                        <a:buFont typeface="Arial" panose="020B0604020202020204" pitchFamily="34" charset="0"/>
+                        <a:buChar char="•"/>
+                      </a:pPr>
+                      <a:r>
+                        <a:rPr lang="en-US" sz="1600" dirty="0"/>
+                        <a:t>may be easier to support different Git incarnations</a:t>
+                      </a:r>
+                    </a:p>
+                    <a:p>
+                      <a:pPr marL="285750" indent="-285750">
+                        <a:buFont typeface="Arial" panose="020B0604020202020204" pitchFamily="34" charset="0"/>
+                        <a:buChar char="•"/>
+                      </a:pPr>
+                      <a:r>
+                        <a:rPr lang="en-US" sz="1600" dirty="0">
+                          <a:solidFill>
+                            <a:srgbClr val="00B050"/>
+                          </a:solidFill>
+                        </a:rPr>
+                        <a:t>vendor support</a:t>
                       </a:r>
                     </a:p>
                   </a:txBody>
@@ -4247,68 +4614,11 @@
                         <a:buChar char="•"/>
                       </a:pPr>
                       <a:r>
-                        <a:rPr lang="en-US" sz="1600" dirty="0"/>
-                        <a:t>typically better integrated into the Jira UI</a:t>
-                      </a:r>
-                    </a:p>
-                    <a:p>
-                      <a:pPr marL="285750" indent="-285750">
-                        <a:buFont typeface="Arial" panose="020B0604020202020204" pitchFamily="34" charset="0"/>
-                        <a:buChar char="•"/>
-                      </a:pPr>
-                      <a:r>
-                        <a:rPr lang="en-US" sz="1600" dirty="0"/>
-                        <a:t>repo indexing handled on Jira server side</a:t>
-                      </a:r>
-                    </a:p>
-                    <a:p>
-                      <a:pPr marL="285750" indent="-285750">
-                        <a:buFont typeface="Arial" panose="020B0604020202020204" pitchFamily="34" charset="0"/>
-                        <a:buChar char="•"/>
-                      </a:pPr>
-                      <a:r>
-                        <a:rPr lang="en-US" sz="1600" dirty="0"/>
-                        <a:t>can use Jira permissions to control actions</a:t>
-                      </a:r>
-                    </a:p>
-                    <a:p>
-                      <a:pPr marL="285750" indent="-285750">
-                        <a:buFont typeface="Arial" panose="020B0604020202020204" pitchFamily="34" charset="0"/>
-                        <a:buChar char="•"/>
-                      </a:pPr>
-                      <a:r>
-                        <a:rPr lang="en-US" sz="1600" dirty="0"/>
-                        <a:t>may be easier to support different Git incarnations</a:t>
-                      </a:r>
-                    </a:p>
-                    <a:p>
-                      <a:pPr marL="285750" indent="-285750">
-                        <a:buFont typeface="Arial" panose="020B0604020202020204" pitchFamily="34" charset="0"/>
-                        <a:buChar char="•"/>
-                      </a:pPr>
-                      <a:r>
-                        <a:rPr lang="en-US" sz="1600" dirty="0"/>
-                        <a:t>Vendor support</a:t>
-                      </a:r>
-                    </a:p>
-                  </a:txBody>
-                  <a:tcPr>
-                    <a:solidFill>
-                      <a:schemeClr val="bg2"/>
-                    </a:solidFill>
-                  </a:tcPr>
-                </a:tc>
-                <a:tc>
-                  <a:txBody>
-                    <a:bodyPr/>
-                    <a:lstStyle/>
-                    <a:p>
-                      <a:pPr marL="285750" indent="-285750">
-                        <a:buFont typeface="Arial" panose="020B0604020202020204" pitchFamily="34" charset="0"/>
-                        <a:buChar char="•"/>
-                      </a:pPr>
-                      <a:r>
-                        <a:rPr lang="en-US" sz="1600" dirty="0"/>
+                        <a:rPr lang="en-US" sz="1600" dirty="0">
+                          <a:solidFill>
+                            <a:srgbClr val="FF0000"/>
+                          </a:solidFill>
+                        </a:rPr>
                         <a:t>license cost</a:t>
                       </a:r>
                     </a:p>
@@ -4318,7 +4628,11 @@
                         <a:buChar char="•"/>
                       </a:pPr>
                       <a:r>
-                        <a:rPr lang="en-US" sz="1600" dirty="0"/>
+                        <a:rPr lang="en-US" sz="1600" dirty="0">
+                          <a:solidFill>
+                            <a:srgbClr val="FF0000"/>
+                          </a:solidFill>
+                        </a:rPr>
                         <a:t>stability concerns?</a:t>
                       </a:r>
                     </a:p>
@@ -4328,7 +4642,11 @@
                         <a:buChar char="•"/>
                       </a:pPr>
                       <a:r>
-                        <a:rPr lang="en-US" sz="1600" dirty="0"/>
+                        <a:rPr lang="en-US" sz="1600" dirty="0">
+                          <a:solidFill>
+                            <a:srgbClr val="FF0000"/>
+                          </a:solidFill>
+                        </a:rPr>
                         <a:t>admin friction/elevated rights/migrations/testing</a:t>
                       </a:r>
                     </a:p>
@@ -4389,7 +4707,11 @@
                         <a:buChar char="•"/>
                       </a:pPr>
                       <a:r>
-                        <a:rPr lang="en-US" sz="1600" dirty="0"/>
+                        <a:rPr lang="en-US" sz="1600" dirty="0">
+                          <a:solidFill>
+                            <a:srgbClr val="00B050"/>
+                          </a:solidFill>
+                        </a:rPr>
                         <a:t>no license cost (!= free)</a:t>
                       </a:r>
                     </a:p>
@@ -4399,7 +4721,11 @@
                         <a:buChar char="•"/>
                       </a:pPr>
                       <a:r>
-                        <a:rPr lang="en-US" sz="1600" dirty="0"/>
+                        <a:rPr lang="en-US" sz="1600" dirty="0">
+                          <a:solidFill>
+                            <a:srgbClr val="00B050"/>
+                          </a:solidFill>
+                        </a:rPr>
                         <a:t>stability not a big concern</a:t>
                       </a:r>
                     </a:p>
@@ -4409,7 +4735,11 @@
                         <a:buChar char="•"/>
                       </a:pPr>
                       <a:r>
-                        <a:rPr lang="en-US" sz="1600" dirty="0"/>
+                        <a:rPr lang="en-US" sz="1600" dirty="0">
+                          <a:solidFill>
+                            <a:srgbClr val="00B050"/>
+                          </a:solidFill>
+                        </a:rPr>
                         <a:t>no admin friction</a:t>
                       </a:r>
                     </a:p>
@@ -4419,7 +4749,11 @@
                         <a:buChar char="•"/>
                       </a:pPr>
                       <a:r>
-                        <a:rPr lang="en-US" sz="1600" dirty="0"/>
+                        <a:rPr lang="en-US" sz="1600" dirty="0">
+                          <a:solidFill>
+                            <a:schemeClr val="tx1"/>
+                          </a:solidFill>
+                        </a:rPr>
                         <a:t>you can understand, change and extend what it does if you have the source</a:t>
                       </a:r>
                     </a:p>
@@ -4440,7 +4774,11 @@
                         <a:buChar char="•"/>
                       </a:pPr>
                       <a:r>
-                        <a:rPr lang="en-US" sz="1600" dirty="0"/>
+                        <a:rPr lang="en-US" sz="1600" dirty="0">
+                          <a:solidFill>
+                            <a:srgbClr val="FF0000"/>
+                          </a:solidFill>
+                        </a:rPr>
                         <a:t>no paid support</a:t>
                       </a:r>
                     </a:p>
@@ -4460,7 +4798,11 @@
                         <a:buChar char="•"/>
                       </a:pPr>
                       <a:r>
-                        <a:rPr lang="en-US" sz="1600" dirty="0"/>
+                        <a:rPr lang="en-US" sz="1600" dirty="0">
+                          <a:solidFill>
+                            <a:srgbClr val="FF0000"/>
+                          </a:solidFill>
+                        </a:rPr>
                         <a:t>Less well-integrated into Jira UI</a:t>
                       </a:r>
                     </a:p>
@@ -4491,6 +4833,40 @@
           </a:graphicData>
         </a:graphic>
       </p:graphicFrame>
+      <p:sp>
+        <p:nvSpPr>
+          <p:cNvPr id="3" name="Rectangle 2">
+            <a:extLst>
+              <a:ext uri="{FF2B5EF4-FFF2-40B4-BE49-F238E27FC236}">
+                <a16:creationId xmlns:a16="http://schemas.microsoft.com/office/drawing/2014/main" id="{4E56DE8E-80CD-4E2B-917A-BC7E2748A3EF}"/>
+              </a:ext>
+            </a:extLst>
+          </p:cNvPr>
+          <p:cNvSpPr/>
+          <p:nvPr/>
+        </p:nvSpPr>
+        <p:spPr>
+          <a:xfrm>
+            <a:off x="397933" y="6103272"/>
+            <a:ext cx="8348133" cy="338554"/>
+          </a:xfrm>
+          <a:prstGeom prst="rect">
+            <a:avLst/>
+          </a:prstGeom>
+        </p:spPr>
+        <p:txBody>
+          <a:bodyPr wrap="square">
+            <a:spAutoFit/>
+          </a:bodyPr>
+          <a:lstStyle/>
+          <a:p>
+            <a:r>
+              <a:rPr lang="en-US" sz="1600" dirty="0"/>
+              <a:t>(Above pros/cons are general notes and are not specific to or descriptive of any given product.)</a:t>
+            </a:r>
+          </a:p>
+        </p:txBody>
+      </p:sp>
     </p:spTree>
     <p:extLst>
       <p:ext uri="{BB962C8B-B14F-4D97-AF65-F5344CB8AC3E}">
@@ -4572,37 +4948,36 @@
           </a:p>
         </p:txBody>
       </p:sp>
-      <p:sp>
-        <p:nvSpPr>
-          <p:cNvPr id="3" name="Content Placeholder 2"/>
-          <p:cNvSpPr>
-            <a:spLocks noGrp="1"/>
-          </p:cNvSpPr>
-          <p:nvPr>
-            <p:ph idx="1"/>
-          </p:nvPr>
-        </p:nvSpPr>
+      <p:pic>
+        <p:nvPicPr>
+          <p:cNvPr id="5" name="Picture 4">
+            <a:extLst>
+              <a:ext uri="{FF2B5EF4-FFF2-40B4-BE49-F238E27FC236}">
+                <a16:creationId xmlns:a16="http://schemas.microsoft.com/office/drawing/2014/main" id="{5399D57B-BB46-4E98-B36C-C665CF11BC3D}"/>
+              </a:ext>
+            </a:extLst>
+          </p:cNvPr>
+          <p:cNvPicPr>
+            <a:picLocks noChangeAspect="1"/>
+          </p:cNvPicPr>
+          <p:nvPr/>
+        </p:nvPicPr>
+        <p:blipFill>
+          <a:blip r:embed="rId2"/>
+          <a:stretch>
+            <a:fillRect/>
+          </a:stretch>
+        </p:blipFill>
         <p:spPr>
           <a:xfrm>
-            <a:off x="457200" y="1600200"/>
-            <a:ext cx="8229600" cy="4800600"/>
+            <a:off x="152400" y="1385207"/>
+            <a:ext cx="8763000" cy="5320393"/>
           </a:xfrm>
+          <a:prstGeom prst="rect">
+            <a:avLst/>
+          </a:prstGeom>
         </p:spPr>
-        <p:txBody>
-          <a:bodyPr>
-            <a:noAutofit/>
-          </a:bodyPr>
-          <a:lstStyle/>
-          <a:p>
-            <a:pPr marL="365760">
-              <a:spcBef>
-                <a:spcPts val="0"/>
-              </a:spcBef>
-            </a:pPr>
-            <a:endParaRPr lang="en-US" sz="2800" dirty="0"/>
-          </a:p>
-        </p:txBody>
-      </p:sp>
+      </p:pic>
     </p:spTree>
     <p:extLst>
       <p:ext uri="{BB962C8B-B14F-4D97-AF65-F5344CB8AC3E}">
@@ -4668,21 +5043,31 @@
           <a:p>
             <a:r>
               <a:rPr lang="en-US" sz="3200" dirty="0"/>
-              <a:t>http://github.com/bobk/jiragithub</a:t>
+              <a:t>Git Integration for Jira from </a:t>
+            </a:r>
+            <a:r>
+              <a:rPr lang="en-US" sz="3200" dirty="0" err="1"/>
+              <a:t>BigBrassBand</a:t>
             </a:r>
             <a:br>
               <a:rPr lang="en-US" sz="3200" dirty="0"/>
             </a:br>
             <a:r>
               <a:rPr lang="en-US" sz="3200" dirty="0"/>
-              <a:t>Screen Shots</a:t>
-            </a:r>
-          </a:p>
-        </p:txBody>
-      </p:sp>
-      <p:sp>
-        <p:nvSpPr>
-          <p:cNvPr id="3" name="Content Placeholder 2"/>
+              <a:t>Features</a:t>
+            </a:r>
+          </a:p>
+        </p:txBody>
+      </p:sp>
+      <p:sp>
+        <p:nvSpPr>
+          <p:cNvPr id="4" name="Content Placeholder 2">
+            <a:extLst>
+              <a:ext uri="{FF2B5EF4-FFF2-40B4-BE49-F238E27FC236}">
+                <a16:creationId xmlns:a16="http://schemas.microsoft.com/office/drawing/2014/main" id="{28AD2EA2-2568-4015-953C-72DE05BE5540}"/>
+              </a:ext>
+            </a:extLst>
+          </p:cNvPr>
           <p:cNvSpPr>
             <a:spLocks noGrp="1"/>
           </p:cNvSpPr>
@@ -4693,7 +5078,7 @@
         <p:spPr>
           <a:xfrm>
             <a:off x="457200" y="1600200"/>
-            <a:ext cx="8229600" cy="4800600"/>
+            <a:ext cx="8229600" cy="4983162"/>
           </a:xfrm>
         </p:spPr>
         <p:txBody>
@@ -4707,14 +5092,125 @@
                 <a:spcPts val="0"/>
               </a:spcBef>
             </a:pPr>
-            <a:endParaRPr lang="en-US" sz="2800" dirty="0"/>
+            <a:r>
+              <a:rPr lang="en-US" sz="2000" dirty="0"/>
+              <a:t>View Git commit information in Jira</a:t>
+            </a:r>
+          </a:p>
+          <a:p>
+            <a:pPr marL="365760">
+              <a:spcBef>
+                <a:spcPts val="0"/>
+              </a:spcBef>
+            </a:pPr>
+            <a:r>
+              <a:rPr lang="en-US" sz="2000" dirty="0"/>
+              <a:t>“Smart Commits” – add comments, transition issues etc. via commit messages</a:t>
+            </a:r>
+          </a:p>
+          <a:p>
+            <a:pPr marL="365760">
+              <a:spcBef>
+                <a:spcPts val="0"/>
+              </a:spcBef>
+            </a:pPr>
+            <a:r>
+              <a:rPr lang="en-US" sz="2000" dirty="0"/>
+              <a:t>Manually associate commits when needed</a:t>
+            </a:r>
+          </a:p>
+          <a:p>
+            <a:pPr marL="365760">
+              <a:spcBef>
+                <a:spcPts val="0"/>
+              </a:spcBef>
+            </a:pPr>
+            <a:r>
+              <a:rPr lang="en-US" sz="2000" dirty="0"/>
+              <a:t>Direct links to branches and commits</a:t>
+            </a:r>
+          </a:p>
+          <a:p>
+            <a:pPr marL="365760">
+              <a:spcBef>
+                <a:spcPts val="0"/>
+              </a:spcBef>
+            </a:pPr>
+            <a:r>
+              <a:rPr lang="en-US" sz="2000" dirty="0"/>
+              <a:t>Git-specific JQL</a:t>
+            </a:r>
+          </a:p>
+          <a:p>
+            <a:pPr marL="365760">
+              <a:spcBef>
+                <a:spcPts val="0"/>
+              </a:spcBef>
+            </a:pPr>
+            <a:r>
+              <a:rPr lang="en-US" sz="2000" dirty="0"/>
+              <a:t>Create branches from Jira</a:t>
+            </a:r>
+          </a:p>
+          <a:p>
+            <a:pPr marL="365760">
+              <a:spcBef>
+                <a:spcPts val="0"/>
+              </a:spcBef>
+            </a:pPr>
+            <a:r>
+              <a:rPr lang="en-US" sz="2000" dirty="0"/>
+              <a:t>Create pull requests from Jira</a:t>
+            </a:r>
+          </a:p>
+          <a:p>
+            <a:pPr marL="365760">
+              <a:spcBef>
+                <a:spcPts val="0"/>
+              </a:spcBef>
+            </a:pPr>
+            <a:r>
+              <a:rPr lang="en-US" sz="2000" dirty="0"/>
+              <a:t>Permissions model to control source code access from Jira</a:t>
+            </a:r>
+          </a:p>
+          <a:p>
+            <a:pPr marL="365760">
+              <a:spcBef>
+                <a:spcPts val="0"/>
+              </a:spcBef>
+            </a:pPr>
+            <a:r>
+              <a:rPr lang="en-US" sz="2000" dirty="0">
+                <a:solidFill>
+                  <a:srgbClr val="FF0000"/>
+                </a:solidFill>
+              </a:rPr>
+              <a:t>My recommended option, if you choose to go the plug-in route</a:t>
+            </a:r>
+          </a:p>
+          <a:p>
+            <a:pPr marL="365760">
+              <a:spcBef>
+                <a:spcPts val="0"/>
+              </a:spcBef>
+            </a:pPr>
+            <a:endParaRPr lang="en-US" sz="2000" dirty="0"/>
+          </a:p>
+          <a:p>
+            <a:pPr marL="365760">
+              <a:spcBef>
+                <a:spcPts val="0"/>
+              </a:spcBef>
+            </a:pPr>
+            <a:endParaRPr lang="en-US" sz="2000" dirty="0"/>
           </a:p>
         </p:txBody>
       </p:sp>
     </p:spTree>
     <p:extLst>
       <p:ext uri="{BB962C8B-B14F-4D97-AF65-F5344CB8AC3E}">
-        <p14:creationId xmlns:p14="http://schemas.microsoft.com/office/powerpoint/2010/main" val="1008999639"/>
+        <p14:creationId xmlns:p14="http://schemas.microsoft.com/office/powerpoint/2010/main" val="641919687"/>
       </p:ext>
     </p:extLst>
   </p:cSld>
@@ -4730,9 +5226,9 @@
     <p:bg>
       <p:bgPr>
         <a:solidFill>
-          <a:schemeClr val="accent3">
-            <a:lumMod val="60000"/>
-            <a:lumOff val="40000"/>
+          <a:schemeClr val="accent1">
+            <a:lumMod val="20000"/>
+            <a:lumOff val="80000"/>
           </a:schemeClr>
         </a:solidFill>
         <a:effectLst/>
@@ -4754,92 +5250,74 @@
       </p:grpSpPr>
       <p:sp>
         <p:nvSpPr>
-          <p:cNvPr id="3" name="Content Placeholder 2">
+          <p:cNvPr id="2" name="Title 1"/>
+          <p:cNvSpPr>
+            <a:spLocks noGrp="1"/>
+          </p:cNvSpPr>
+          <p:nvPr>
+            <p:ph type="title"/>
+          </p:nvPr>
+        </p:nvSpPr>
+        <p:spPr>
+          <a:xfrm>
+            <a:off x="457200" y="274638"/>
+            <a:ext cx="8229600" cy="1143000"/>
+          </a:xfrm>
+        </p:spPr>
+        <p:txBody>
+          <a:bodyPr>
+            <a:noAutofit/>
+          </a:bodyPr>
+          <a:lstStyle/>
+          <a:p>
+            <a:r>
+              <a:rPr lang="en-US" sz="3200" dirty="0"/>
+              <a:t>http://github.com/bobk/jiragithub</a:t>
+            </a:r>
+            <a:br>
+              <a:rPr lang="en-US" sz="3200" dirty="0"/>
+            </a:br>
+            <a:r>
+              <a:rPr lang="en-US" sz="3200" dirty="0"/>
+              <a:t>Screen Shots</a:t>
+            </a:r>
+          </a:p>
+        </p:txBody>
+      </p:sp>
+      <p:pic>
+        <p:nvPicPr>
+          <p:cNvPr id="4" name="Picture 3">
             <a:extLst>
               <a:ext uri="{FF2B5EF4-FFF2-40B4-BE49-F238E27FC236}">
-                <a16:creationId xmlns:a16="http://schemas.microsoft.com/office/drawing/2014/main" id="{75FD253A-DD71-48BB-A32A-BBB995B0AE6B}"/>
+                <a16:creationId xmlns:a16="http://schemas.microsoft.com/office/drawing/2014/main" id="{7F657DDA-42CB-40FF-9700-8B4912B0DAD7}"/>
               </a:ext>
             </a:extLst>
           </p:cNvPr>
-          <p:cNvSpPr>
-            <a:spLocks noGrp="1"/>
-          </p:cNvSpPr>
-          <p:nvPr>
-            <p:ph idx="1"/>
-          </p:nvPr>
-        </p:nvSpPr>
+          <p:cNvPicPr>
+            <a:picLocks noChangeAspect="1"/>
+          </p:cNvPicPr>
+          <p:nvPr/>
+        </p:nvPicPr>
+        <p:blipFill>
+          <a:blip r:embed="rId2"/>
+          <a:stretch>
+            <a:fillRect/>
+          </a:stretch>
+        </p:blipFill>
         <p:spPr>
           <a:xfrm>
-            <a:off x="366204" y="1782752"/>
-            <a:ext cx="8396057" cy="4168066"/>
+            <a:off x="271462" y="1467379"/>
+            <a:ext cx="8601075" cy="5124450"/>
           </a:xfrm>
+          <a:prstGeom prst="rect">
+            <a:avLst/>
+          </a:prstGeom>
         </p:spPr>
-        <p:txBody>
-          <a:bodyPr>
-            <a:normAutofit lnSpcReduction="10000"/>
-          </a:bodyPr>
-          <a:lstStyle/>
-          <a:p>
-            <a:pPr marL="0" indent="0" algn="ctr">
-              <a:buNone/>
-            </a:pPr>
-            <a:r>
-              <a:rPr lang="en-US" sz="4050" dirty="0"/>
-              <a:t>Questions/Feedback?</a:t>
-            </a:r>
-          </a:p>
-          <a:p>
-            <a:pPr algn="ctr"/>
-            <a:endParaRPr lang="en-US" sz="4050" b="1" dirty="0"/>
-          </a:p>
-          <a:p>
-            <a:pPr marL="0" indent="0" algn="ctr">
-              <a:buNone/>
-            </a:pPr>
-            <a:r>
-              <a:rPr lang="en-US" sz="4050" b="1" dirty="0"/>
-              <a:t>Thank You!</a:t>
-            </a:r>
-          </a:p>
-          <a:p>
-            <a:pPr marL="0" indent="0" algn="ctr">
-              <a:buNone/>
-            </a:pPr>
-            <a:endParaRPr lang="en-US" sz="4050" b="1" dirty="0"/>
-          </a:p>
-          <a:p>
-            <a:pPr marL="0" indent="0" algn="ctr">
-              <a:buNone/>
-            </a:pPr>
-            <a:endParaRPr lang="en-US" sz="4050" b="1" dirty="0"/>
-          </a:p>
-          <a:p>
-            <a:pPr marL="0" indent="0" algn="ctr">
-              <a:buNone/>
-            </a:pPr>
-            <a:r>
-              <a:rPr lang="en-US" sz="1500" dirty="0"/>
-              <a:t>Robert Kozlowski</a:t>
-            </a:r>
-          </a:p>
-          <a:p>
-            <a:pPr marL="0" indent="0" algn="ctr">
-              <a:buNone/>
-            </a:pPr>
-            <a:r>
-              <a:rPr lang="en-US" sz="1500" dirty="0">
-                <a:hlinkClick r:id="rId2"/>
-              </a:rPr>
-              <a:t>http://www.robertkozlowski.com</a:t>
-            </a:r>
-            <a:endParaRPr lang="en-US" sz="1500" dirty="0"/>
-          </a:p>
-        </p:txBody>
-      </p:sp>
+      </p:pic>
     </p:spTree>
     <p:extLst>
       <p:ext uri="{BB962C8B-B14F-4D97-AF65-F5344CB8AC3E}">
-        <p14:creationId xmlns:p14="http://schemas.microsoft.com/office/powerpoint/2010/main" val="1700378936"/>
+        <p14:creationId xmlns:p14="http://schemas.microsoft.com/office/powerpoint/2010/main" val="1008999639"/>
       </p:ext>
     </p:extLst>
   </p:cSld>
@@ -4855,9 +5333,9 @@
     <p:bg>
       <p:bgPr>
         <a:solidFill>
-          <a:schemeClr val="accent6">
-            <a:lumMod val="40000"/>
-            <a:lumOff val="60000"/>
+          <a:schemeClr val="accent1">
+            <a:lumMod val="20000"/>
+            <a:lumOff val="80000"/>
           </a:schemeClr>
         </a:solidFill>
         <a:effectLst/>
@@ -4894,78 +5372,59 @@
           </a:xfrm>
         </p:spPr>
         <p:txBody>
-          <a:bodyPr/>
-          <a:lstStyle/>
-          <a:p>
-            <a:r>
-              <a:rPr lang="en-US" dirty="0"/>
-              <a:t>Next Time?</a:t>
-            </a:r>
-          </a:p>
-        </p:txBody>
-      </p:sp>
-      <p:sp>
-        <p:nvSpPr>
-          <p:cNvPr id="3" name="Content Placeholder 2"/>
-          <p:cNvSpPr>
-            <a:spLocks noGrp="1"/>
-          </p:cNvSpPr>
-          <p:nvPr>
-            <p:ph idx="1"/>
-          </p:nvPr>
-        </p:nvSpPr>
-        <p:spPr/>
-        <p:txBody>
           <a:bodyPr>
-            <a:normAutofit/>
+            <a:noAutofit/>
           </a:bodyPr>
           <a:lstStyle/>
           <a:p>
             <a:r>
-              <a:rPr lang="en-US" dirty="0"/>
-              <a:t>Jira Issue Collectors and what to use them for</a:t>
-            </a:r>
-          </a:p>
-          <a:p>
-            <a:r>
-              <a:rPr lang="en-US" dirty="0"/>
-              <a:t>Python as poor-man’s Jira command-line (via </a:t>
-            </a:r>
-            <a:r>
-              <a:rPr lang="en-US" dirty="0" err="1"/>
-              <a:t>jira</a:t>
-            </a:r>
-            <a:r>
-              <a:rPr lang="en-US" dirty="0"/>
-              <a:t>-python/</a:t>
-            </a:r>
-            <a:r>
-              <a:rPr lang="en-US" dirty="0" err="1"/>
-              <a:t>jirashell</a:t>
-            </a:r>
-            <a:r>
-              <a:rPr lang="en-US" dirty="0"/>
-              <a:t> interpreter)</a:t>
-            </a:r>
-          </a:p>
-          <a:p>
-            <a:r>
-              <a:rPr lang="en-US" dirty="0"/>
-              <a:t>Review of good Jira tech books</a:t>
-            </a:r>
-          </a:p>
-          <a:p>
-            <a:pPr marL="0" indent="0">
-              <a:buNone/>
-            </a:pPr>
-            <a:endParaRPr lang="en-US" dirty="0"/>
-          </a:p>
-        </p:txBody>
-      </p:sp>
+              <a:rPr lang="en-US" sz="3200" dirty="0"/>
+              <a:t>http://github.com/bobk/jiragithub</a:t>
+            </a:r>
+            <a:br>
+              <a:rPr lang="en-US" sz="3200" dirty="0"/>
+            </a:br>
+            <a:r>
+              <a:rPr lang="en-US" sz="3200" dirty="0"/>
+              <a:t>Screen Shots</a:t>
+            </a:r>
+          </a:p>
+        </p:txBody>
+      </p:sp>
+      <p:pic>
+        <p:nvPicPr>
+          <p:cNvPr id="3" name="Picture 2">
+            <a:extLst>
+              <a:ext uri="{FF2B5EF4-FFF2-40B4-BE49-F238E27FC236}">
+                <a16:creationId xmlns:a16="http://schemas.microsoft.com/office/drawing/2014/main" id="{DD2B31FF-3676-4D63-B392-42B9811E538D}"/>
+              </a:ext>
+            </a:extLst>
+          </p:cNvPr>
+          <p:cNvPicPr>
+            <a:picLocks noChangeAspect="1"/>
+          </p:cNvPicPr>
+          <p:nvPr/>
+        </p:nvPicPr>
+        <p:blipFill>
+          <a:blip r:embed="rId2"/>
+          <a:stretch>
+            <a:fillRect/>
+          </a:stretch>
+        </p:blipFill>
+        <p:spPr>
+          <a:xfrm>
+            <a:off x="671513" y="1371600"/>
+            <a:ext cx="7634287" cy="5260448"/>
+          </a:xfrm>
+          <a:prstGeom prst="rect">
+            <a:avLst/>
+          </a:prstGeom>
+        </p:spPr>
+      </p:pic>
     </p:spTree>
     <p:extLst>
       <p:ext uri="{BB962C8B-B14F-4D97-AF65-F5344CB8AC3E}">
-        <p14:creationId xmlns:p14="http://schemas.microsoft.com/office/powerpoint/2010/main" val="1880991361"/>
+        <p14:creationId xmlns:p14="http://schemas.microsoft.com/office/powerpoint/2010/main" val="2812099697"/>
       </p:ext>
     </p:extLst>
   </p:cSld>

--- a/Git Integration Options for Jira.pptx
+++ b/Git Integration Options for Jira.pptx
@@ -10,12 +10,12 @@
     <p:sldId id="272" r:id="rId4"/>
     <p:sldId id="273" r:id="rId5"/>
     <p:sldId id="274" r:id="rId6"/>
-    <p:sldId id="275" r:id="rId7"/>
-    <p:sldId id="277" r:id="rId8"/>
-    <p:sldId id="276" r:id="rId9"/>
-    <p:sldId id="278" r:id="rId10"/>
-    <p:sldId id="265" r:id="rId11"/>
-    <p:sldId id="260" r:id="rId12"/>
+    <p:sldId id="277" r:id="rId7"/>
+    <p:sldId id="275" r:id="rId8"/>
+    <p:sldId id="279" r:id="rId9"/>
+    <p:sldId id="276" r:id="rId10"/>
+    <p:sldId id="260" r:id="rId11"/>
+    <p:sldId id="265" r:id="rId12"/>
   </p:sldIdLst>
   <p:sldSz cx="9144000" cy="6858000" type="screen4x3"/>
   <p:notesSz cx="6858000" cy="9144000"/>
@@ -312,7 +312,7 @@
           <a:p>
             <a:fld id="{799B01D3-E541-42FD-B1E6-9E7097F8E480}" type="datetimeFigureOut">
               <a:rPr lang="en-US" smtClean="0"/>
-              <a:t>2/22/2020</a:t>
+              <a:t>2/25/2020</a:t>
             </a:fld>
             <a:endParaRPr lang="en-US"/>
           </a:p>
@@ -480,7 +480,7 @@
           <a:p>
             <a:fld id="{799B01D3-E541-42FD-B1E6-9E7097F8E480}" type="datetimeFigureOut">
               <a:rPr lang="en-US" smtClean="0"/>
-              <a:t>2/22/2020</a:t>
+              <a:t>2/25/2020</a:t>
             </a:fld>
             <a:endParaRPr lang="en-US"/>
           </a:p>
@@ -658,7 +658,7 @@
           <a:p>
             <a:fld id="{799B01D3-E541-42FD-B1E6-9E7097F8E480}" type="datetimeFigureOut">
               <a:rPr lang="en-US" smtClean="0"/>
-              <a:t>2/22/2020</a:t>
+              <a:t>2/25/2020</a:t>
             </a:fld>
             <a:endParaRPr lang="en-US"/>
           </a:p>
@@ -810,7 +810,7 @@
           <a:p>
             <a:fld id="{799B01D3-E541-42FD-B1E6-9E7097F8E480}" type="datetimeFigureOut">
               <a:rPr lang="en-US" smtClean="0"/>
-              <a:t>2/22/2020</a:t>
+              <a:t>2/25/2020</a:t>
             </a:fld>
             <a:endParaRPr lang="en-US"/>
           </a:p>
@@ -1095,7 +1095,7 @@
           <a:p>
             <a:fld id="{799B01D3-E541-42FD-B1E6-9E7097F8E480}" type="datetimeFigureOut">
               <a:rPr lang="en-US" smtClean="0"/>
-              <a:t>2/22/2020</a:t>
+              <a:t>2/25/2020</a:t>
             </a:fld>
             <a:endParaRPr lang="en-US"/>
           </a:p>
@@ -1380,7 +1380,7 @@
           <a:p>
             <a:fld id="{799B01D3-E541-42FD-B1E6-9E7097F8E480}" type="datetimeFigureOut">
               <a:rPr lang="en-US" smtClean="0"/>
-              <a:t>2/22/2020</a:t>
+              <a:t>2/25/2020</a:t>
             </a:fld>
             <a:endParaRPr lang="en-US"/>
           </a:p>
@@ -1799,7 +1799,7 @@
           <a:p>
             <a:fld id="{799B01D3-E541-42FD-B1E6-9E7097F8E480}" type="datetimeFigureOut">
               <a:rPr lang="en-US" smtClean="0"/>
-              <a:t>2/22/2020</a:t>
+              <a:t>2/25/2020</a:t>
             </a:fld>
             <a:endParaRPr lang="en-US"/>
           </a:p>
@@ -1916,7 +1916,7 @@
           <a:p>
             <a:fld id="{799B01D3-E541-42FD-B1E6-9E7097F8E480}" type="datetimeFigureOut">
               <a:rPr lang="en-US" smtClean="0"/>
-              <a:t>2/22/2020</a:t>
+              <a:t>2/25/2020</a:t>
             </a:fld>
             <a:endParaRPr lang="en-US"/>
           </a:p>
@@ -2011,7 +2011,7 @@
           <a:p>
             <a:fld id="{799B01D3-E541-42FD-B1E6-9E7097F8E480}" type="datetimeFigureOut">
               <a:rPr lang="en-US" smtClean="0"/>
-              <a:t>2/22/2020</a:t>
+              <a:t>2/25/2020</a:t>
             </a:fld>
             <a:endParaRPr lang="en-US"/>
           </a:p>
@@ -2286,7 +2286,7 @@
           <a:p>
             <a:fld id="{799B01D3-E541-42FD-B1E6-9E7097F8E480}" type="datetimeFigureOut">
               <a:rPr lang="en-US" smtClean="0"/>
-              <a:t>2/22/2020</a:t>
+              <a:t>2/25/2020</a:t>
             </a:fld>
             <a:endParaRPr lang="en-US"/>
           </a:p>
@@ -2538,7 +2538,7 @@
           <a:p>
             <a:fld id="{799B01D3-E541-42FD-B1E6-9E7097F8E480}" type="datetimeFigureOut">
               <a:rPr lang="en-US" smtClean="0"/>
-              <a:t>2/22/2020</a:t>
+              <a:t>2/25/2020</a:t>
             </a:fld>
             <a:endParaRPr lang="en-US"/>
           </a:p>
@@ -2749,7 +2749,7 @@
           <a:p>
             <a:fld id="{799B01D3-E541-42FD-B1E6-9E7097F8E480}" type="datetimeFigureOut">
               <a:rPr lang="en-US" smtClean="0"/>
-              <a:t>2/22/2020</a:t>
+              <a:t>2/25/2020</a:t>
             </a:fld>
             <a:endParaRPr lang="en-US"/>
           </a:p>
@@ -3243,17 +3243,17 @@
         <p:spPr>
           <a:xfrm>
             <a:off x="609600" y="3276600"/>
-            <a:ext cx="7848600" cy="2743200"/>
+            <a:ext cx="7848600" cy="3276600"/>
           </a:xfrm>
         </p:spPr>
         <p:txBody>
           <a:bodyPr>
-            <a:normAutofit fontScale="85000" lnSpcReduction="10000"/>
+            <a:normAutofit/>
           </a:bodyPr>
           <a:lstStyle/>
           <a:p>
             <a:r>
-              <a:rPr lang="en-US" sz="3000" b="1" dirty="0">
+              <a:rPr lang="en-US" sz="2600" b="1" dirty="0">
                 <a:solidFill>
                   <a:schemeClr val="tx1"/>
                 </a:solidFill>
@@ -3263,14 +3263,9 @@
           </a:p>
           <a:p>
             <a:r>
-              <a:rPr lang="en-US" sz="3000" b="1" dirty="0"/>
-              <a:t>Lightning Talk – Mar 25</a:t>
-            </a:r>
-            <a:r>
-              <a:rPr lang="en-US" sz="3000" b="1"/>
-              <a:t>, 2020 (add link here)</a:t>
-            </a:r>
-            <a:endParaRPr lang="en-US" sz="3000" b="1" dirty="0"/>
+              <a:rPr lang="en-US" sz="2600" b="1" dirty="0"/>
+              <a:t>Lightning Talk – Mar 25, 2020 (add link here)</a:t>
+            </a:r>
           </a:p>
           <a:p>
             <a:endParaRPr lang="en-US" dirty="0"/>
@@ -3294,7 +3289,7 @@
           </a:p>
           <a:p>
             <a:r>
-              <a:rPr lang="en-US" sz="2400" dirty="0">
+              <a:rPr lang="en-US" sz="2000" dirty="0">
                 <a:solidFill>
                   <a:schemeClr val="tx1"/>
                 </a:solidFill>
@@ -3309,7 +3304,7 @@
                   <a:schemeClr val="tx1"/>
                 </a:solidFill>
               </a:rPr>
-              <a:t>25 years financial services IT experience - CSM, Microsoft Azure, Windows, ITIL certs</a:t>
+              <a:t>25 years global FinServ IT experience - CSM, Azure, Windows, ITIL certs</a:t>
             </a:r>
           </a:p>
           <a:p>
@@ -3319,7 +3314,7 @@
                   <a:schemeClr val="tx1"/>
                 </a:solidFill>
               </a:rPr>
-              <a:t> available Apr 2020 for short-term/part-time contracting roles</a:t>
+              <a:t> available Apr 2020 for next contracting/advisory role</a:t>
             </a:r>
             <a:endParaRPr lang="en-US" sz="3800" b="1" dirty="0">
               <a:solidFill>
@@ -3343,6 +3338,168 @@
 </file>
 
 <file path=ppt/slides/slide10.xml><?xml version="1.0" encoding="utf-8"?>
+<p:sld xmlns:a="http://schemas.openxmlformats.org/drawingml/2006/main" xmlns:r="http://schemas.openxmlformats.org/officeDocument/2006/relationships" xmlns:p="http://schemas.openxmlformats.org/presentationml/2006/main">
+  <p:cSld>
+    <p:bg>
+      <p:bgPr>
+        <a:solidFill>
+          <a:schemeClr val="accent6">
+            <a:lumMod val="40000"/>
+            <a:lumOff val="60000"/>
+          </a:schemeClr>
+        </a:solidFill>
+        <a:effectLst/>
+      </p:bgPr>
+    </p:bg>
+    <p:spTree>
+      <p:nvGrpSpPr>
+        <p:cNvPr id="1" name=""/>
+        <p:cNvGrpSpPr/>
+        <p:nvPr/>
+      </p:nvGrpSpPr>
+      <p:grpSpPr>
+        <a:xfrm>
+          <a:off x="0" y="0"/>
+          <a:ext cx="0" cy="0"/>
+          <a:chOff x="0" y="0"/>
+          <a:chExt cx="0" cy="0"/>
+        </a:xfrm>
+      </p:grpSpPr>
+      <p:sp>
+        <p:nvSpPr>
+          <p:cNvPr id="2" name="Title 1"/>
+          <p:cNvSpPr>
+            <a:spLocks noGrp="1"/>
+          </p:cNvSpPr>
+          <p:nvPr>
+            <p:ph type="title"/>
+          </p:nvPr>
+        </p:nvSpPr>
+        <p:spPr>
+          <a:xfrm>
+            <a:off x="457200" y="274638"/>
+            <a:ext cx="8229600" cy="1143000"/>
+          </a:xfrm>
+        </p:spPr>
+        <p:txBody>
+          <a:bodyPr/>
+          <a:lstStyle/>
+          <a:p>
+            <a:r>
+              <a:rPr lang="en-US" dirty="0"/>
+              <a:t>Next Time?</a:t>
+            </a:r>
+          </a:p>
+        </p:txBody>
+      </p:sp>
+      <p:sp>
+        <p:nvSpPr>
+          <p:cNvPr id="3" name="Content Placeholder 2"/>
+          <p:cNvSpPr>
+            <a:spLocks noGrp="1"/>
+          </p:cNvSpPr>
+          <p:nvPr>
+            <p:ph idx="1"/>
+          </p:nvPr>
+        </p:nvSpPr>
+        <p:spPr/>
+        <p:txBody>
+          <a:bodyPr>
+            <a:normAutofit fontScale="92500" lnSpcReduction="10000"/>
+          </a:bodyPr>
+          <a:lstStyle/>
+          <a:p>
+            <a:r>
+              <a:rPr lang="en-US" dirty="0"/>
+              <a:t> </a:t>
+            </a:r>
+            <a:r>
+              <a:rPr lang="en-US" strike="sngStrike" dirty="0"/>
+              <a:t>Simple Jira Agile Metrics via Python and SQL (and Azure)</a:t>
+            </a:r>
+          </a:p>
+          <a:p>
+            <a:r>
+              <a:rPr lang="en-US" dirty="0"/>
+              <a:t> </a:t>
+            </a:r>
+            <a:r>
+              <a:rPr lang="en-US" strike="sngStrike" dirty="0"/>
+              <a:t>Jira Epic Thoughts and Jira Agile Tips and Tricks 1</a:t>
+            </a:r>
+          </a:p>
+          <a:p>
+            <a:r>
+              <a:rPr lang="en-US" dirty="0"/>
+              <a:t> </a:t>
+            </a:r>
+            <a:r>
+              <a:rPr lang="en-US" strike="sngStrike" dirty="0"/>
+              <a:t>Git Integration Options for Jira</a:t>
+            </a:r>
+          </a:p>
+          <a:p>
+            <a:r>
+              <a:rPr lang="en-US" dirty="0"/>
+              <a:t>Jira Issue Collectors and what to use them for</a:t>
+            </a:r>
+          </a:p>
+          <a:p>
+            <a:r>
+              <a:rPr lang="en-US" dirty="0"/>
+              <a:t> Python as poor-man’s Jira command-line (via </a:t>
+            </a:r>
+            <a:r>
+              <a:rPr lang="en-US" dirty="0" err="1"/>
+              <a:t>jira</a:t>
+            </a:r>
+            <a:r>
+              <a:rPr lang="en-US" dirty="0"/>
+              <a:t>-python/</a:t>
+            </a:r>
+            <a:r>
+              <a:rPr lang="en-US" dirty="0" err="1"/>
+              <a:t>jirashell</a:t>
+            </a:r>
+            <a:r>
+              <a:rPr lang="en-US" dirty="0"/>
+              <a:t> interpreter)</a:t>
+            </a:r>
+          </a:p>
+          <a:p>
+            <a:r>
+              <a:rPr lang="en-US" dirty="0"/>
+              <a:t> Jira Agile Tips 2</a:t>
+            </a:r>
+          </a:p>
+          <a:p>
+            <a:r>
+              <a:rPr lang="en-US" dirty="0"/>
+              <a:t> Review of good Jira tech books</a:t>
+            </a:r>
+          </a:p>
+          <a:p>
+            <a:pPr marL="0" indent="0">
+              <a:buNone/>
+            </a:pPr>
+            <a:endParaRPr lang="en-US" dirty="0"/>
+          </a:p>
+        </p:txBody>
+      </p:sp>
+    </p:spTree>
+    <p:extLst>
+      <p:ext uri="{BB962C8B-B14F-4D97-AF65-F5344CB8AC3E}">
+        <p14:creationId xmlns:p14="http://schemas.microsoft.com/office/powerpoint/2010/main" val="1880991361"/>
+      </p:ext>
+    </p:extLst>
+  </p:cSld>
+  <p:clrMapOvr>
+    <a:masterClrMapping/>
+  </p:clrMapOvr>
+</p:sld>
+</file>
+
+<file path=ppt/slides/slide11.xml><?xml version="1.0" encoding="utf-8"?>
 <p:sld xmlns:a="http://schemas.openxmlformats.org/drawingml/2006/main" xmlns:r="http://schemas.openxmlformats.org/officeDocument/2006/relationships" xmlns:p="http://schemas.openxmlformats.org/presentationml/2006/main">
   <p:cSld>
     <p:bg>
@@ -3458,132 +3615,6 @@
     <p:extLst>
       <p:ext uri="{BB962C8B-B14F-4D97-AF65-F5344CB8AC3E}">
         <p14:creationId xmlns:p14="http://schemas.microsoft.com/office/powerpoint/2010/main" val="1700378936"/>
-      </p:ext>
-    </p:extLst>
-  </p:cSld>
-  <p:clrMapOvr>
-    <a:masterClrMapping/>
-  </p:clrMapOvr>
-</p:sld>
-</file>
-
-<file path=ppt/slides/slide11.xml><?xml version="1.0" encoding="utf-8"?>
-<p:sld xmlns:a="http://schemas.openxmlformats.org/drawingml/2006/main" xmlns:r="http://schemas.openxmlformats.org/officeDocument/2006/relationships" xmlns:p="http://schemas.openxmlformats.org/presentationml/2006/main">
-  <p:cSld>
-    <p:bg>
-      <p:bgPr>
-        <a:solidFill>
-          <a:schemeClr val="accent6">
-            <a:lumMod val="40000"/>
-            <a:lumOff val="60000"/>
-          </a:schemeClr>
-        </a:solidFill>
-        <a:effectLst/>
-      </p:bgPr>
-    </p:bg>
-    <p:spTree>
-      <p:nvGrpSpPr>
-        <p:cNvPr id="1" name=""/>
-        <p:cNvGrpSpPr/>
-        <p:nvPr/>
-      </p:nvGrpSpPr>
-      <p:grpSpPr>
-        <a:xfrm>
-          <a:off x="0" y="0"/>
-          <a:ext cx="0" cy="0"/>
-          <a:chOff x="0" y="0"/>
-          <a:chExt cx="0" cy="0"/>
-        </a:xfrm>
-      </p:grpSpPr>
-      <p:sp>
-        <p:nvSpPr>
-          <p:cNvPr id="2" name="Title 1"/>
-          <p:cNvSpPr>
-            <a:spLocks noGrp="1"/>
-          </p:cNvSpPr>
-          <p:nvPr>
-            <p:ph type="title"/>
-          </p:nvPr>
-        </p:nvSpPr>
-        <p:spPr>
-          <a:xfrm>
-            <a:off x="457200" y="274638"/>
-            <a:ext cx="8229600" cy="1143000"/>
-          </a:xfrm>
-        </p:spPr>
-        <p:txBody>
-          <a:bodyPr/>
-          <a:lstStyle/>
-          <a:p>
-            <a:r>
-              <a:rPr lang="en-US" dirty="0"/>
-              <a:t>Next Time?</a:t>
-            </a:r>
-          </a:p>
-        </p:txBody>
-      </p:sp>
-      <p:sp>
-        <p:nvSpPr>
-          <p:cNvPr id="3" name="Content Placeholder 2"/>
-          <p:cNvSpPr>
-            <a:spLocks noGrp="1"/>
-          </p:cNvSpPr>
-          <p:nvPr>
-            <p:ph idx="1"/>
-          </p:nvPr>
-        </p:nvSpPr>
-        <p:spPr/>
-        <p:txBody>
-          <a:bodyPr>
-            <a:normAutofit/>
-          </a:bodyPr>
-          <a:lstStyle/>
-          <a:p>
-            <a:r>
-              <a:rPr lang="en-US" dirty="0"/>
-              <a:t>Jira Issue Collectors and what to use them for</a:t>
-            </a:r>
-          </a:p>
-          <a:p>
-            <a:r>
-              <a:rPr lang="en-US" dirty="0"/>
-              <a:t>Python as poor-man’s Jira command-line (via </a:t>
-            </a:r>
-            <a:r>
-              <a:rPr lang="en-US" dirty="0" err="1"/>
-              <a:t>jira</a:t>
-            </a:r>
-            <a:r>
-              <a:rPr lang="en-US" dirty="0"/>
-              <a:t>-python/</a:t>
-            </a:r>
-            <a:r>
-              <a:rPr lang="en-US" dirty="0" err="1"/>
-              <a:t>jirashell</a:t>
-            </a:r>
-            <a:r>
-              <a:rPr lang="en-US" dirty="0"/>
-              <a:t> interpreter)</a:t>
-            </a:r>
-          </a:p>
-          <a:p>
-            <a:r>
-              <a:rPr lang="en-US" dirty="0"/>
-              <a:t>Review of good Jira tech books</a:t>
-            </a:r>
-          </a:p>
-          <a:p>
-            <a:pPr marL="0" indent="0">
-              <a:buNone/>
-            </a:pPr>
-            <a:endParaRPr lang="en-US" dirty="0"/>
-          </a:p>
-        </p:txBody>
-      </p:sp>
-    </p:spTree>
-    <p:extLst>
-      <p:ext uri="{BB962C8B-B14F-4D97-AF65-F5344CB8AC3E}">
-        <p14:creationId xmlns:p14="http://schemas.microsoft.com/office/powerpoint/2010/main" val="1880991361"/>
       </p:ext>
     </p:extLst>
   </p:cSld>
@@ -3682,7 +3713,7 @@
                   <a:srgbClr val="FF0000"/>
                 </a:solidFill>
               </a:rPr>
-              <a:t>JOB 1</a:t>
+              <a:t>BASICS</a:t>
             </a:r>
           </a:p>
           <a:p>
@@ -3692,8 +3723,8 @@
               </a:spcBef>
             </a:pPr>
             <a:r>
-              <a:rPr lang="en-US" sz="2400" dirty="0"/>
-              <a:t>Functionality to automatically associate Git commits with Jira issues, so that everyone knows what code was delivered to meet which requirement</a:t>
+              <a:rPr lang="en-US" sz="2400" b="1" dirty="0"/>
+              <a:t>Functionality to automatically associate Git commits with Jira issues, so that everyone knows what code was written for a given issue</a:t>
             </a:r>
           </a:p>
           <a:p>
@@ -3704,16 +3735,16 @@
             </a:pPr>
             <a:r>
               <a:rPr lang="en-US" sz="2400" dirty="0"/>
-              <a:t>A process runs on the Jira side, the Git side or a third location to scan for commits + issues that are related and record them, usually in the Jira issues themselves</a:t>
-            </a:r>
-          </a:p>
-          <a:p>
-            <a:pPr marL="365760">
-              <a:spcBef>
-                <a:spcPts val="0"/>
-              </a:spcBef>
-            </a:pPr>
-            <a:endParaRPr lang="en-US" sz="2400" dirty="0"/>
+              <a:t>A process runs on the Jira side or the Git side or a third location to scan for commits + issues that are related (typically by including the Jira </a:t>
+            </a:r>
+            <a:r>
+              <a:rPr lang="en-US" sz="2400" dirty="0" err="1"/>
+              <a:t>issuekey</a:t>
+            </a:r>
+            <a:r>
+              <a:rPr lang="en-US" sz="2400" dirty="0"/>
+              <a:t> in the commit message) and record them, usually in the Jira issues themselves</a:t>
+            </a:r>
           </a:p>
           <a:p>
             <a:pPr marL="22860" indent="0">
@@ -3856,7 +3887,7 @@
           <a:p>
             <a:r>
               <a:rPr lang="en-US" sz="3600" dirty="0"/>
-              <a:t>What Are The Benefits? Why Have This?</a:t>
+              <a:t>What Are The Benefits?</a:t>
             </a:r>
             <a:br>
               <a:rPr lang="en-US" sz="3600" dirty="0"/>
@@ -3896,11 +3927,11 @@
               </a:spcBef>
             </a:pPr>
             <a:r>
-              <a:rPr lang="en-US" sz="2000" dirty="0"/>
-              <a:t>Anyone who needs to know what code was written for Jira issues and review it in a familiar environment – who coded this feature, how “big” was the change (</a:t>
-            </a:r>
-            <a:r>
-              <a:rPr lang="en-US" sz="2000" dirty="0">
+              <a:rPr lang="en-US" sz="2000" b="1" dirty="0"/>
+              <a:t>Anyone who needs to know what code was written for Jira issues and review it in a familiar environment – who coded this feature, how “big” was the change, what components were touched (</a:t>
+            </a:r>
+            <a:r>
+              <a:rPr lang="en-US" sz="2000" b="1" dirty="0">
                 <a:solidFill>
                   <a:srgbClr val="00B050"/>
                 </a:solidFill>
@@ -3908,7 +3939,7 @@
               <a:t>developers</a:t>
             </a:r>
             <a:r>
-              <a:rPr lang="en-US" sz="2000" dirty="0"/>
+              <a:rPr lang="en-US" sz="2000" b="1" dirty="0"/>
               <a:t>)</a:t>
             </a:r>
           </a:p>
@@ -3919,19 +3950,19 @@
               </a:spcBef>
             </a:pPr>
             <a:r>
-              <a:rPr lang="en-US" sz="2000" dirty="0"/>
-              <a:t>Anyone who wants to (lightly) track progress against features (</a:t>
-            </a:r>
-            <a:r>
-              <a:rPr lang="en-US" sz="2000" dirty="0">
+              <a:rPr lang="en-US" sz="2000" b="1" dirty="0"/>
+              <a:t>Anyone who wants to (lightly) track progress against features and create automated issue lists for CI/CD releases based on commits (</a:t>
+            </a:r>
+            <a:r>
+              <a:rPr lang="en-US" sz="2000" b="1" dirty="0">
                 <a:solidFill>
                   <a:srgbClr val="00B0F0"/>
                 </a:solidFill>
               </a:rPr>
-              <a:t>product managers</a:t>
-            </a:r>
-            <a:r>
-              <a:rPr lang="en-US" sz="2000" dirty="0"/>
+              <a:t>product managers, release managers</a:t>
+            </a:r>
+            <a:r>
+              <a:rPr lang="en-US" sz="2000" b="1" dirty="0"/>
               <a:t>)</a:t>
             </a:r>
           </a:p>
@@ -3942,11 +3973,11 @@
               </a:spcBef>
             </a:pPr>
             <a:r>
-              <a:rPr lang="en-US" sz="2000" dirty="0"/>
+              <a:rPr lang="en-US" sz="2000" b="1" dirty="0"/>
               <a:t>Anyone who needs to support the code in production, or be able to answer questions/resolve problems related to new functionality or security (</a:t>
             </a:r>
             <a:r>
-              <a:rPr lang="en-US" sz="2000" dirty="0">
+              <a:rPr lang="en-US" sz="2000" b="1" dirty="0">
                 <a:solidFill>
                   <a:srgbClr val="7030A0"/>
                 </a:solidFill>
@@ -3954,7 +3985,7 @@
               <a:t>operational support, helpdesk, security engineers/pen testers</a:t>
             </a:r>
             <a:r>
-              <a:rPr lang="en-US" sz="2000" dirty="0"/>
+              <a:rPr lang="en-US" sz="2000" b="1" dirty="0"/>
               <a:t>)</a:t>
             </a:r>
           </a:p>
@@ -3966,7 +3997,7 @@
             </a:pPr>
             <a:r>
               <a:rPr lang="en-US" sz="2000" dirty="0"/>
-              <a:t>Anyone who needs to pull statistics on code relative to Jira issues such as complexity vs commits, commit rollbacks, bugs against features (</a:t>
+              <a:t>Anyone who needs to pull statistics on code relative to Jira issues such as complexity vs. commits, rollbacks of commits, bugs against features (</a:t>
             </a:r>
             <a:r>
               <a:rPr lang="en-US" sz="2000" dirty="0">
@@ -4012,7 +4043,7 @@
             </a:pPr>
             <a:r>
               <a:rPr lang="en-US" sz="2000" dirty="0"/>
-              <a:t>Anyone doing CI/CD who wants to build specific branches containing specific commits (</a:t>
+              <a:t>Anyone doing CI/CD who wants to build specific branches containing the code for specific Jira issues (</a:t>
             </a:r>
             <a:r>
               <a:rPr lang="en-US" sz="2000" dirty="0">
@@ -4210,17 +4241,25 @@
                   <a:srgbClr val="FF0000"/>
                 </a:solidFill>
               </a:rPr>
-              <a:t>e.g., Git Integration for Jira plug-in from </a:t>
-            </a:r>
-            <a:r>
-              <a:rPr lang="en-US" sz="2000" dirty="0" err="1">
+              <a:t>e.g., </a:t>
+            </a:r>
+            <a:r>
+              <a:rPr lang="en-US" sz="2000" b="1" dirty="0">
+                <a:solidFill>
+                  <a:srgbClr val="FF0000"/>
+                </a:solidFill>
+              </a:rPr>
+              <a:t>Git Integration for Jira plug-in from </a:t>
+            </a:r>
+            <a:r>
+              <a:rPr lang="en-US" sz="2000" b="1" dirty="0" err="1">
                 <a:solidFill>
                   <a:srgbClr val="FF0000"/>
                 </a:solidFill>
               </a:rPr>
               <a:t>BigBrassBand</a:t>
             </a:r>
-            <a:endParaRPr lang="en-US" sz="2000" dirty="0">
+            <a:endParaRPr lang="en-US" sz="2000" b="1" dirty="0">
               <a:solidFill>
                 <a:srgbClr val="FF0000"/>
               </a:solidFill>
@@ -4236,7 +4275,7 @@
             </a:pPr>
             <a:r>
               <a:rPr lang="en-US" sz="2800" dirty="0"/>
-              <a:t>Home-grown scripts</a:t>
+              <a:t>scripts (home-grown or OSS)</a:t>
             </a:r>
           </a:p>
           <a:p>
@@ -4253,7 +4292,7 @@
                   <a:srgbClr val="FF0000"/>
                 </a:solidFill>
               </a:rPr>
-              <a:t>use Jira and GitHub REST APIs</a:t>
+              <a:t>use Jira and GitHub REST APIs + modules</a:t>
             </a:r>
           </a:p>
           <a:p>
@@ -4273,7 +4312,7 @@
               <a:t>e.g., </a:t>
             </a:r>
             <a:r>
-              <a:rPr lang="en-US" sz="2000" dirty="0" err="1">
+              <a:rPr lang="en-US" sz="2000" b="1" dirty="0" err="1">
                 <a:solidFill>
                   <a:srgbClr val="FF0000"/>
                 </a:solidFill>
@@ -4281,12 +4320,12 @@
               <a:t>jiragithub</a:t>
             </a:r>
             <a:r>
-              <a:rPr lang="en-US" sz="2000" dirty="0">
+              <a:rPr lang="en-US" sz="2000" b="1" dirty="0">
                 <a:solidFill>
                   <a:srgbClr val="FF0000"/>
                 </a:solidFill>
               </a:rPr>
-              <a:t> sync script (yes, it’s available on GitHub)</a:t>
+              <a:t> sync script (yes, it’s on GitHub)</a:t>
             </a:r>
           </a:p>
           <a:p>
@@ -4306,7 +4345,7 @@
             </a:pPr>
             <a:r>
               <a:rPr lang="en-US" sz="1400" dirty="0"/>
-              <a:t>* GitHub has “issue” functionality, but no strong workflow model, and their integration marketplace is not yet as mature as Atlassian’s</a:t>
+              <a:t>* GitHub has “issue” functionality, but not a strong customizable workflow model, and their integration marketplace is not yet as mature as Atlassian’s</a:t>
             </a:r>
           </a:p>
           <a:p>
@@ -4405,7 +4444,7 @@
             <p:ph idx="1"/>
             <p:extLst>
               <p:ext uri="{D42A27DB-BD31-4B8C-83A1-F6EECF244321}">
-                <p14:modId xmlns:p14="http://schemas.microsoft.com/office/powerpoint/2010/main" val="3887583380"/>
+                <p14:modId xmlns:p14="http://schemas.microsoft.com/office/powerpoint/2010/main" val="111050881"/>
               </p:ext>
             </p:extLst>
           </p:nvPr>
@@ -4531,7 +4570,7 @@
                         <a:buChar char="•"/>
                       </a:pPr>
                       <a:r>
-                        <a:rPr lang="en-US" sz="1600" dirty="0">
+                        <a:rPr lang="en-US" sz="1600" b="1" dirty="0">
                           <a:solidFill>
                             <a:srgbClr val="00B050"/>
                           </a:solidFill>
@@ -4545,7 +4584,7 @@
                         <a:buChar char="•"/>
                       </a:pPr>
                       <a:r>
-                        <a:rPr lang="en-US" sz="1600" dirty="0">
+                        <a:rPr lang="en-US" sz="1600" b="1" dirty="0">
                           <a:solidFill>
                             <a:srgbClr val="00B050"/>
                           </a:solidFill>
@@ -4579,17 +4618,7 @@
                         <a:buChar char="•"/>
                       </a:pPr>
                       <a:r>
-                        <a:rPr lang="en-US" sz="1600" dirty="0"/>
-                        <a:t>may be easier to support different Git incarnations</a:t>
-                      </a:r>
-                    </a:p>
-                    <a:p>
-                      <a:pPr marL="285750" indent="-285750">
-                        <a:buFont typeface="Arial" panose="020B0604020202020204" pitchFamily="34" charset="0"/>
-                        <a:buChar char="•"/>
-                      </a:pPr>
-                      <a:r>
-                        <a:rPr lang="en-US" sz="1600" dirty="0">
+                        <a:rPr lang="en-US" sz="1600" b="1" dirty="0">
                           <a:solidFill>
                             <a:srgbClr val="00B050"/>
                           </a:solidFill>
@@ -4614,7 +4643,7 @@
                         <a:buChar char="•"/>
                       </a:pPr>
                       <a:r>
-                        <a:rPr lang="en-US" sz="1600" dirty="0">
+                        <a:rPr lang="en-US" sz="1600" b="1" dirty="0">
                           <a:solidFill>
                             <a:srgbClr val="FF0000"/>
                           </a:solidFill>
@@ -4628,7 +4657,7 @@
                         <a:buChar char="•"/>
                       </a:pPr>
                       <a:r>
-                        <a:rPr lang="en-US" sz="1600" dirty="0">
+                        <a:rPr lang="en-US" sz="1600" b="1" dirty="0">
                           <a:solidFill>
                             <a:srgbClr val="FF0000"/>
                           </a:solidFill>
@@ -4642,7 +4671,7 @@
                         <a:buChar char="•"/>
                       </a:pPr>
                       <a:r>
-                        <a:rPr lang="en-US" sz="1600" dirty="0">
+                        <a:rPr lang="en-US" sz="1600" b="1" dirty="0">
                           <a:solidFill>
                             <a:srgbClr val="FF0000"/>
                           </a:solidFill>
@@ -4707,7 +4736,7 @@
                         <a:buChar char="•"/>
                       </a:pPr>
                       <a:r>
-                        <a:rPr lang="en-US" sz="1600" dirty="0">
+                        <a:rPr lang="en-US" sz="1600" b="1" dirty="0">
                           <a:solidFill>
                             <a:srgbClr val="00B050"/>
                           </a:solidFill>
@@ -4721,7 +4750,7 @@
                         <a:buChar char="•"/>
                       </a:pPr>
                       <a:r>
-                        <a:rPr lang="en-US" sz="1600" dirty="0">
+                        <a:rPr lang="en-US" sz="1600" b="1" dirty="0">
                           <a:solidFill>
                             <a:srgbClr val="00B050"/>
                           </a:solidFill>
@@ -4735,7 +4764,7 @@
                         <a:buChar char="•"/>
                       </a:pPr>
                       <a:r>
-                        <a:rPr lang="en-US" sz="1600" dirty="0">
+                        <a:rPr lang="en-US" sz="1600" b="1" dirty="0">
                           <a:solidFill>
                             <a:srgbClr val="00B050"/>
                           </a:solidFill>
@@ -4774,12 +4803,12 @@
                         <a:buChar char="•"/>
                       </a:pPr>
                       <a:r>
-                        <a:rPr lang="en-US" sz="1600" dirty="0">
+                        <a:rPr lang="en-US" sz="1600" b="1" dirty="0">
                           <a:solidFill>
                             <a:srgbClr val="FF0000"/>
                           </a:solidFill>
                         </a:rPr>
-                        <a:t>no paid support</a:t>
+                        <a:t>no vendor support</a:t>
                       </a:r>
                     </a:p>
                     <a:p>
@@ -4798,7 +4827,7 @@
                         <a:buChar char="•"/>
                       </a:pPr>
                       <a:r>
-                        <a:rPr lang="en-US" sz="1600" dirty="0">
+                        <a:rPr lang="en-US" sz="1600" b="1" dirty="0">
                           <a:solidFill>
                             <a:srgbClr val="FF0000"/>
                           </a:solidFill>
@@ -4862,7 +4891,7 @@
           <a:p>
             <a:r>
               <a:rPr lang="en-US" sz="1600" dirty="0"/>
-              <a:t>(Above pros/cons are general notes and are not specific to or descriptive of any given product.)</a:t>
+              <a:t>(Above pros/cons are general and are not intended to represent any particular product.)</a:t>
             </a:r>
           </a:p>
         </p:txBody>
@@ -4931,18 +4960,283 @@
           <a:lstStyle/>
           <a:p>
             <a:r>
-              <a:rPr lang="en-US" sz="3200" dirty="0"/>
-              <a:t>Git Integration for Jira from </a:t>
-            </a:r>
-            <a:r>
-              <a:rPr lang="en-US" sz="3200" dirty="0" err="1"/>
+              <a:rPr lang="en-US" sz="2800" b="1" dirty="0"/>
+              <a:t>Git Integration for Jira</a:t>
+            </a:r>
+            <a:r>
+              <a:rPr lang="en-US" sz="2800" dirty="0"/>
+              <a:t> plug-in from </a:t>
+            </a:r>
+            <a:r>
+              <a:rPr lang="en-US" sz="2800" dirty="0" err="1"/>
               <a:t>BigBrassBand</a:t>
             </a:r>
             <a:br>
-              <a:rPr lang="en-US" sz="3200" dirty="0"/>
+              <a:rPr lang="en-US" sz="2800" dirty="0"/>
             </a:br>
             <a:r>
-              <a:rPr lang="en-US" sz="3200" dirty="0"/>
+              <a:rPr lang="en-US" sz="2800" dirty="0"/>
+              <a:t>Features</a:t>
+            </a:r>
+            <a:endParaRPr lang="en-US" sz="3200" dirty="0"/>
+          </a:p>
+        </p:txBody>
+      </p:sp>
+      <p:sp>
+        <p:nvSpPr>
+          <p:cNvPr id="4" name="Content Placeholder 2">
+            <a:extLst>
+              <a:ext uri="{FF2B5EF4-FFF2-40B4-BE49-F238E27FC236}">
+                <a16:creationId xmlns:a16="http://schemas.microsoft.com/office/drawing/2014/main" id="{28AD2EA2-2568-4015-953C-72DE05BE5540}"/>
+              </a:ext>
+            </a:extLst>
+          </p:cNvPr>
+          <p:cNvSpPr>
+            <a:spLocks noGrp="1"/>
+          </p:cNvSpPr>
+          <p:nvPr>
+            <p:ph idx="1"/>
+          </p:nvPr>
+        </p:nvSpPr>
+        <p:spPr>
+          <a:xfrm>
+            <a:off x="457200" y="1600200"/>
+            <a:ext cx="8229600" cy="4983162"/>
+          </a:xfrm>
+        </p:spPr>
+        <p:txBody>
+          <a:bodyPr>
+            <a:noAutofit/>
+          </a:bodyPr>
+          <a:lstStyle/>
+          <a:p>
+            <a:pPr marL="365760">
+              <a:spcBef>
+                <a:spcPts val="0"/>
+              </a:spcBef>
+            </a:pPr>
+            <a:r>
+              <a:rPr lang="en-US" sz="2000" dirty="0"/>
+              <a:t>View Git commit information in Jira</a:t>
+            </a:r>
+          </a:p>
+          <a:p>
+            <a:pPr marL="365760">
+              <a:spcBef>
+                <a:spcPts val="0"/>
+              </a:spcBef>
+            </a:pPr>
+            <a:r>
+              <a:rPr lang="en-US" sz="2000" dirty="0"/>
+              <a:t>“Smart Commits” – add comments, transition issues etc. via commit messages</a:t>
+            </a:r>
+          </a:p>
+          <a:p>
+            <a:pPr marL="365760">
+              <a:spcBef>
+                <a:spcPts val="0"/>
+              </a:spcBef>
+            </a:pPr>
+            <a:r>
+              <a:rPr lang="en-US" sz="2000" dirty="0"/>
+              <a:t>Manually associate commits when needed</a:t>
+            </a:r>
+          </a:p>
+          <a:p>
+            <a:pPr marL="365760">
+              <a:spcBef>
+                <a:spcPts val="0"/>
+              </a:spcBef>
+            </a:pPr>
+            <a:r>
+              <a:rPr lang="en-US" sz="2000" dirty="0"/>
+              <a:t>Direct links to branches and commits</a:t>
+            </a:r>
+          </a:p>
+          <a:p>
+            <a:pPr marL="365760">
+              <a:spcBef>
+                <a:spcPts val="0"/>
+              </a:spcBef>
+            </a:pPr>
+            <a:r>
+              <a:rPr lang="en-US" sz="2000" dirty="0"/>
+              <a:t>Git-specific JQL fields (</a:t>
+            </a:r>
+            <a:r>
+              <a:rPr lang="en-US" sz="2000" dirty="0" err="1"/>
+              <a:t>gitCommitsReferenced</a:t>
+            </a:r>
+            <a:r>
+              <a:rPr lang="en-US" sz="2000" dirty="0"/>
+              <a:t>, </a:t>
+            </a:r>
+            <a:r>
+              <a:rPr lang="en-US" sz="2000" dirty="0" err="1"/>
+              <a:t>gitBranch</a:t>
+            </a:r>
+            <a:r>
+              <a:rPr lang="en-US" sz="2000" dirty="0"/>
+              <a:t>)</a:t>
+            </a:r>
+          </a:p>
+          <a:p>
+            <a:pPr marL="365760">
+              <a:spcBef>
+                <a:spcPts val="0"/>
+              </a:spcBef>
+            </a:pPr>
+            <a:r>
+              <a:rPr lang="en-US" sz="2000" dirty="0"/>
+              <a:t>Create branches from Jira</a:t>
+            </a:r>
+          </a:p>
+          <a:p>
+            <a:pPr marL="365760">
+              <a:spcBef>
+                <a:spcPts val="0"/>
+              </a:spcBef>
+            </a:pPr>
+            <a:r>
+              <a:rPr lang="en-US" sz="2000" dirty="0"/>
+              <a:t>Create pull requests from Jira</a:t>
+            </a:r>
+          </a:p>
+          <a:p>
+            <a:pPr marL="365760">
+              <a:spcBef>
+                <a:spcPts val="0"/>
+              </a:spcBef>
+            </a:pPr>
+            <a:r>
+              <a:rPr lang="en-US" sz="2000" dirty="0"/>
+              <a:t>Permissions model to control source code access from Jira</a:t>
+            </a:r>
+          </a:p>
+          <a:p>
+            <a:pPr marL="365760">
+              <a:spcBef>
+                <a:spcPts val="0"/>
+              </a:spcBef>
+            </a:pPr>
+            <a:r>
+              <a:rPr lang="en-US" sz="2000" dirty="0">
+                <a:solidFill>
+                  <a:srgbClr val="FF0000"/>
+                </a:solidFill>
+              </a:rPr>
+              <a:t>My recommended option, if you choose to go the plug-in route</a:t>
+            </a:r>
+          </a:p>
+          <a:p>
+            <a:pPr marL="365760">
+              <a:spcBef>
+                <a:spcPts val="0"/>
+              </a:spcBef>
+            </a:pPr>
+            <a:r>
+              <a:rPr lang="en-US" sz="2000" dirty="0">
+                <a:hlinkClick r:id="rId2"/>
+              </a:rPr>
+              <a:t>https://bigbrassband.com</a:t>
+            </a:r>
+            <a:endParaRPr lang="en-US" sz="2000" dirty="0"/>
+          </a:p>
+          <a:p>
+            <a:pPr marL="22860" indent="0">
+              <a:spcBef>
+                <a:spcPts val="0"/>
+              </a:spcBef>
+              <a:buNone/>
+            </a:pPr>
+            <a:endParaRPr lang="en-US" sz="2000" dirty="0">
+              <a:solidFill>
+                <a:srgbClr val="FF0000"/>
+              </a:solidFill>
+            </a:endParaRPr>
+          </a:p>
+        </p:txBody>
+      </p:sp>
+    </p:spTree>
+    <p:extLst>
+      <p:ext uri="{BB962C8B-B14F-4D97-AF65-F5344CB8AC3E}">
+        <p14:creationId xmlns:p14="http://schemas.microsoft.com/office/powerpoint/2010/main" val="641919687"/>
+      </p:ext>
+    </p:extLst>
+  </p:cSld>
+  <p:clrMapOvr>
+    <a:masterClrMapping/>
+  </p:clrMapOvr>
+</p:sld>
+</file>
+
+<file path=ppt/slides/slide7.xml><?xml version="1.0" encoding="utf-8"?>
+<p:sld xmlns:a="http://schemas.openxmlformats.org/drawingml/2006/main" xmlns:r="http://schemas.openxmlformats.org/officeDocument/2006/relationships" xmlns:p="http://schemas.openxmlformats.org/presentationml/2006/main">
+  <p:cSld>
+    <p:bg>
+      <p:bgPr>
+        <a:solidFill>
+          <a:schemeClr val="accent1">
+            <a:lumMod val="20000"/>
+            <a:lumOff val="80000"/>
+          </a:schemeClr>
+        </a:solidFill>
+        <a:effectLst/>
+      </p:bgPr>
+    </p:bg>
+    <p:spTree>
+      <p:nvGrpSpPr>
+        <p:cNvPr id="1" name=""/>
+        <p:cNvGrpSpPr/>
+        <p:nvPr/>
+      </p:nvGrpSpPr>
+      <p:grpSpPr>
+        <a:xfrm>
+          <a:off x="0" y="0"/>
+          <a:ext cx="0" cy="0"/>
+          <a:chOff x="0" y="0"/>
+          <a:chExt cx="0" cy="0"/>
+        </a:xfrm>
+      </p:grpSpPr>
+      <p:sp>
+        <p:nvSpPr>
+          <p:cNvPr id="2" name="Title 1"/>
+          <p:cNvSpPr>
+            <a:spLocks noGrp="1"/>
+          </p:cNvSpPr>
+          <p:nvPr>
+            <p:ph type="title"/>
+          </p:nvPr>
+        </p:nvSpPr>
+        <p:spPr>
+          <a:xfrm>
+            <a:off x="457200" y="274638"/>
+            <a:ext cx="8229600" cy="1143000"/>
+          </a:xfrm>
+        </p:spPr>
+        <p:txBody>
+          <a:bodyPr>
+            <a:noAutofit/>
+          </a:bodyPr>
+          <a:lstStyle/>
+          <a:p>
+            <a:r>
+              <a:rPr lang="en-US" sz="2800" b="1" dirty="0"/>
+              <a:t>Git Integration for Jira</a:t>
+            </a:r>
+            <a:r>
+              <a:rPr lang="en-US" sz="2800" dirty="0"/>
+              <a:t> plug-in from </a:t>
+            </a:r>
+            <a:r>
+              <a:rPr lang="en-US" sz="2800" dirty="0" err="1"/>
+              <a:t>BigBrassBand</a:t>
+            </a:r>
+            <a:br>
+              <a:rPr lang="en-US" sz="2800" dirty="0"/>
+            </a:br>
+            <a:r>
+              <a:rPr lang="en-US" sz="2800" dirty="0"/>
               <a:t>Screen Shots</a:t>
             </a:r>
           </a:p>
@@ -4991,235 +5285,6 @@
 </p:sld>
 </file>
 
-<file path=ppt/slides/slide7.xml><?xml version="1.0" encoding="utf-8"?>
-<p:sld xmlns:a="http://schemas.openxmlformats.org/drawingml/2006/main" xmlns:r="http://schemas.openxmlformats.org/officeDocument/2006/relationships" xmlns:p="http://schemas.openxmlformats.org/presentationml/2006/main">
-  <p:cSld>
-    <p:bg>
-      <p:bgPr>
-        <a:solidFill>
-          <a:schemeClr val="accent1">
-            <a:lumMod val="20000"/>
-            <a:lumOff val="80000"/>
-          </a:schemeClr>
-        </a:solidFill>
-        <a:effectLst/>
-      </p:bgPr>
-    </p:bg>
-    <p:spTree>
-      <p:nvGrpSpPr>
-        <p:cNvPr id="1" name=""/>
-        <p:cNvGrpSpPr/>
-        <p:nvPr/>
-      </p:nvGrpSpPr>
-      <p:grpSpPr>
-        <a:xfrm>
-          <a:off x="0" y="0"/>
-          <a:ext cx="0" cy="0"/>
-          <a:chOff x="0" y="0"/>
-          <a:chExt cx="0" cy="0"/>
-        </a:xfrm>
-      </p:grpSpPr>
-      <p:sp>
-        <p:nvSpPr>
-          <p:cNvPr id="2" name="Title 1"/>
-          <p:cNvSpPr>
-            <a:spLocks noGrp="1"/>
-          </p:cNvSpPr>
-          <p:nvPr>
-            <p:ph type="title"/>
-          </p:nvPr>
-        </p:nvSpPr>
-        <p:spPr>
-          <a:xfrm>
-            <a:off x="457200" y="274638"/>
-            <a:ext cx="8229600" cy="1143000"/>
-          </a:xfrm>
-        </p:spPr>
-        <p:txBody>
-          <a:bodyPr>
-            <a:noAutofit/>
-          </a:bodyPr>
-          <a:lstStyle/>
-          <a:p>
-            <a:r>
-              <a:rPr lang="en-US" sz="3200" dirty="0"/>
-              <a:t>Git Integration for Jira from </a:t>
-            </a:r>
-            <a:r>
-              <a:rPr lang="en-US" sz="3200" dirty="0" err="1"/>
-              <a:t>BigBrassBand</a:t>
-            </a:r>
-            <a:br>
-              <a:rPr lang="en-US" sz="3200" dirty="0"/>
-            </a:br>
-            <a:r>
-              <a:rPr lang="en-US" sz="3200" dirty="0"/>
-              <a:t>Features</a:t>
-            </a:r>
-          </a:p>
-        </p:txBody>
-      </p:sp>
-      <p:sp>
-        <p:nvSpPr>
-          <p:cNvPr id="4" name="Content Placeholder 2">
-            <a:extLst>
-              <a:ext uri="{FF2B5EF4-FFF2-40B4-BE49-F238E27FC236}">
-                <a16:creationId xmlns:a16="http://schemas.microsoft.com/office/drawing/2014/main" id="{28AD2EA2-2568-4015-953C-72DE05BE5540}"/>
-              </a:ext>
-            </a:extLst>
-          </p:cNvPr>
-          <p:cNvSpPr>
-            <a:spLocks noGrp="1"/>
-          </p:cNvSpPr>
-          <p:nvPr>
-            <p:ph idx="1"/>
-          </p:nvPr>
-        </p:nvSpPr>
-        <p:spPr>
-          <a:xfrm>
-            <a:off x="457200" y="1600200"/>
-            <a:ext cx="8229600" cy="4983162"/>
-          </a:xfrm>
-        </p:spPr>
-        <p:txBody>
-          <a:bodyPr>
-            <a:noAutofit/>
-          </a:bodyPr>
-          <a:lstStyle/>
-          <a:p>
-            <a:pPr marL="365760">
-              <a:spcBef>
-                <a:spcPts val="0"/>
-              </a:spcBef>
-            </a:pPr>
-            <a:r>
-              <a:rPr lang="en-US" sz="2000" dirty="0"/>
-              <a:t>View Git commit information in Jira</a:t>
-            </a:r>
-          </a:p>
-          <a:p>
-            <a:pPr marL="365760">
-              <a:spcBef>
-                <a:spcPts val="0"/>
-              </a:spcBef>
-            </a:pPr>
-            <a:r>
-              <a:rPr lang="en-US" sz="2000" dirty="0"/>
-              <a:t>“Smart Commits” – add comments, transition issues etc. via commit messages</a:t>
-            </a:r>
-          </a:p>
-          <a:p>
-            <a:pPr marL="365760">
-              <a:spcBef>
-                <a:spcPts val="0"/>
-              </a:spcBef>
-            </a:pPr>
-            <a:r>
-              <a:rPr lang="en-US" sz="2000" dirty="0"/>
-              <a:t>Manually associate commits when needed</a:t>
-            </a:r>
-          </a:p>
-          <a:p>
-            <a:pPr marL="365760">
-              <a:spcBef>
-                <a:spcPts val="0"/>
-              </a:spcBef>
-            </a:pPr>
-            <a:r>
-              <a:rPr lang="en-US" sz="2000" dirty="0"/>
-              <a:t>Direct links to branches and commits</a:t>
-            </a:r>
-          </a:p>
-          <a:p>
-            <a:pPr marL="365760">
-              <a:spcBef>
-                <a:spcPts val="0"/>
-              </a:spcBef>
-            </a:pPr>
-            <a:r>
-              <a:rPr lang="en-US" sz="2000" dirty="0"/>
-              <a:t>Git-specific JQL</a:t>
-            </a:r>
-          </a:p>
-          <a:p>
-            <a:pPr marL="365760">
-              <a:spcBef>
-                <a:spcPts val="0"/>
-              </a:spcBef>
-            </a:pPr>
-            <a:r>
-              <a:rPr lang="en-US" sz="2000" dirty="0"/>
-              <a:t>Create branches from Jira</a:t>
-            </a:r>
-          </a:p>
-          <a:p>
-            <a:pPr marL="365760">
-              <a:spcBef>
-                <a:spcPts val="0"/>
-              </a:spcBef>
-            </a:pPr>
-            <a:r>
-              <a:rPr lang="en-US" sz="2000" dirty="0"/>
-              <a:t>Create pull requests from Jira</a:t>
-            </a:r>
-          </a:p>
-          <a:p>
-            <a:pPr marL="365760">
-              <a:spcBef>
-                <a:spcPts val="0"/>
-              </a:spcBef>
-            </a:pPr>
-            <a:r>
-              <a:rPr lang="en-US" sz="2000" dirty="0"/>
-              <a:t>Permissions model to control source code access from Jira</a:t>
-            </a:r>
-          </a:p>
-          <a:p>
-            <a:pPr marL="365760">
-              <a:spcBef>
-                <a:spcPts val="0"/>
-              </a:spcBef>
-            </a:pPr>
-            <a:r>
-              <a:rPr lang="en-US" sz="2000" dirty="0">
-                <a:solidFill>
-                  <a:srgbClr val="FF0000"/>
-                </a:solidFill>
-              </a:rPr>
-              <a:t>My recommended option, if you choose to go the plug-in route</a:t>
-            </a:r>
-          </a:p>
-          <a:p>
-            <a:pPr marL="365760">
-              <a:spcBef>
-                <a:spcPts val="0"/>
-              </a:spcBef>
-            </a:pPr>
-            <a:endParaRPr lang="en-US" sz="2000" dirty="0"/>
-          </a:p>
-          <a:p>
-            <a:pPr marL="365760">
-              <a:spcBef>
-                <a:spcPts val="0"/>
-              </a:spcBef>
-            </a:pPr>
-            <a:endParaRPr lang="en-US" sz="2000" dirty="0"/>
-          </a:p>
-        </p:txBody>
-      </p:sp>
-    </p:spTree>
-    <p:extLst>
-      <p:ext uri="{BB962C8B-B14F-4D97-AF65-F5344CB8AC3E}">
-        <p14:creationId xmlns:p14="http://schemas.microsoft.com/office/powerpoint/2010/main" val="641919687"/>
-      </p:ext>
-    </p:extLst>
-  </p:cSld>
-  <p:clrMapOvr>
-    <a:masterClrMapping/>
-  </p:clrMapOvr>
-</p:sld>
-</file>
-
 <file path=ppt/slides/slide8.xml><?xml version="1.0" encoding="utf-8"?>
 <p:sld xmlns:a="http://schemas.openxmlformats.org/drawingml/2006/main" xmlns:r="http://schemas.openxmlformats.org/officeDocument/2006/relationships" xmlns:p="http://schemas.openxmlformats.org/presentationml/2006/main">
   <p:cSld>
@@ -5271,53 +5336,202 @@
           <a:lstStyle/>
           <a:p>
             <a:r>
-              <a:rPr lang="en-US" sz="3200" dirty="0"/>
-              <a:t>http://github.com/bobk/jiragithub</a:t>
+              <a:rPr lang="en-US" sz="2800" b="1" dirty="0" err="1"/>
+              <a:t>jiragithub</a:t>
+            </a:r>
+            <a:r>
+              <a:rPr lang="en-US" sz="2800" dirty="0"/>
+              <a:t> script</a:t>
             </a:r>
             <a:br>
-              <a:rPr lang="en-US" sz="3200" dirty="0"/>
+              <a:rPr lang="en-US" sz="2800" dirty="0"/>
             </a:br>
             <a:r>
-              <a:rPr lang="en-US" sz="3200" dirty="0"/>
-              <a:t>Screen Shots</a:t>
-            </a:r>
-          </a:p>
-        </p:txBody>
-      </p:sp>
-      <p:pic>
-        <p:nvPicPr>
-          <p:cNvPr id="4" name="Picture 3">
+              <a:rPr lang="en-US" sz="2800" dirty="0"/>
+              <a:t>Features</a:t>
+            </a:r>
+          </a:p>
+        </p:txBody>
+      </p:sp>
+      <p:sp>
+        <p:nvSpPr>
+          <p:cNvPr id="4" name="Content Placeholder 2">
             <a:extLst>
               <a:ext uri="{FF2B5EF4-FFF2-40B4-BE49-F238E27FC236}">
-                <a16:creationId xmlns:a16="http://schemas.microsoft.com/office/drawing/2014/main" id="{7F657DDA-42CB-40FF-9700-8B4912B0DAD7}"/>
+                <a16:creationId xmlns:a16="http://schemas.microsoft.com/office/drawing/2014/main" id="{28AD2EA2-2568-4015-953C-72DE05BE5540}"/>
               </a:ext>
             </a:extLst>
           </p:cNvPr>
-          <p:cNvPicPr>
-            <a:picLocks noChangeAspect="1"/>
-          </p:cNvPicPr>
-          <p:nvPr/>
-        </p:nvPicPr>
-        <p:blipFill>
-          <a:blip r:embed="rId2"/>
-          <a:stretch>
-            <a:fillRect/>
-          </a:stretch>
-        </p:blipFill>
+          <p:cNvSpPr>
+            <a:spLocks noGrp="1"/>
+          </p:cNvSpPr>
+          <p:nvPr>
+            <p:ph idx="1"/>
+          </p:nvPr>
+        </p:nvSpPr>
         <p:spPr>
           <a:xfrm>
-            <a:off x="271462" y="1467379"/>
-            <a:ext cx="8601075" cy="5124450"/>
+            <a:off x="457200" y="1600200"/>
+            <a:ext cx="8229600" cy="4983162"/>
           </a:xfrm>
-          <a:prstGeom prst="rect">
-            <a:avLst/>
-          </a:prstGeom>
         </p:spPr>
-      </p:pic>
+        <p:txBody>
+          <a:bodyPr>
+            <a:noAutofit/>
+          </a:bodyPr>
+          <a:lstStyle/>
+          <a:p>
+            <a:pPr marL="365760">
+              <a:spcBef>
+                <a:spcPts val="0"/>
+              </a:spcBef>
+            </a:pPr>
+            <a:r>
+              <a:rPr lang="en-US" sz="2000" dirty="0"/>
+              <a:t>Uses </a:t>
+            </a:r>
+            <a:r>
+              <a:rPr lang="en-US" sz="2000" dirty="0" err="1"/>
+              <a:t>pyGitHub</a:t>
+            </a:r>
+            <a:r>
+              <a:rPr lang="en-US" sz="2000" dirty="0"/>
+              <a:t> and </a:t>
+            </a:r>
+            <a:r>
+              <a:rPr lang="en-US" sz="2000" dirty="0" err="1"/>
+              <a:t>jira</a:t>
+            </a:r>
+            <a:r>
+              <a:rPr lang="en-US" sz="2000" dirty="0"/>
+              <a:t>-python libraries to exchange information between GitHub and Jira</a:t>
+            </a:r>
+          </a:p>
+          <a:p>
+            <a:pPr marL="365760">
+              <a:spcBef>
+                <a:spcPts val="0"/>
+              </a:spcBef>
+            </a:pPr>
+            <a:r>
+              <a:rPr lang="en-US" sz="2000" dirty="0"/>
+              <a:t>Places Git commit information in Jira as comments (user-definable format)</a:t>
+            </a:r>
+          </a:p>
+          <a:p>
+            <a:pPr marL="365760">
+              <a:spcBef>
+                <a:spcPts val="0"/>
+              </a:spcBef>
+            </a:pPr>
+            <a:r>
+              <a:rPr lang="en-US" sz="2000" dirty="0"/>
+              <a:t>Also inserts direct links to branches and commits</a:t>
+            </a:r>
+          </a:p>
+          <a:p>
+            <a:pPr marL="365760">
+              <a:spcBef>
+                <a:spcPts val="0"/>
+              </a:spcBef>
+            </a:pPr>
+            <a:r>
+              <a:rPr lang="en-US" sz="2000" dirty="0"/>
+              <a:t>“Semi-Smart Commits” - Can transition or reassign issues via commit messages</a:t>
+            </a:r>
+          </a:p>
+          <a:p>
+            <a:pPr marL="365760">
+              <a:spcBef>
+                <a:spcPts val="0"/>
+              </a:spcBef>
+            </a:pPr>
+            <a:r>
+              <a:rPr lang="en-US" sz="2000" dirty="0"/>
+              <a:t>Control via easy-to-read config file</a:t>
+            </a:r>
+          </a:p>
+          <a:p>
+            <a:pPr marL="365760">
+              <a:spcBef>
+                <a:spcPts val="0"/>
+              </a:spcBef>
+            </a:pPr>
+            <a:r>
+              <a:rPr lang="en-US" sz="2000" dirty="0"/>
+              <a:t>Schedule it to run with </a:t>
+            </a:r>
+            <a:r>
+              <a:rPr lang="en-US" sz="2000" dirty="0" err="1"/>
+              <a:t>cron</a:t>
+            </a:r>
+            <a:r>
+              <a:rPr lang="en-US" sz="2000" dirty="0"/>
+              <a:t> or Task Scheduler</a:t>
+            </a:r>
+          </a:p>
+          <a:p>
+            <a:pPr marL="365760">
+              <a:spcBef>
+                <a:spcPts val="0"/>
+              </a:spcBef>
+            </a:pPr>
+            <a:r>
+              <a:rPr lang="en-US" sz="2000" dirty="0"/>
+              <a:t>Run it under a API key (cloud) or dedicated account (server)</a:t>
+            </a:r>
+          </a:p>
+          <a:p>
+            <a:pPr marL="365760">
+              <a:spcBef>
+                <a:spcPts val="0"/>
+              </a:spcBef>
+            </a:pPr>
+            <a:r>
+              <a:rPr lang="en-US" sz="2000" dirty="0">
+                <a:solidFill>
+                  <a:srgbClr val="FF0000"/>
+                </a:solidFill>
+              </a:rPr>
+              <a:t>My recommended option to start with, if you want to roll your own</a:t>
+            </a:r>
+          </a:p>
+          <a:p>
+            <a:pPr marL="365760">
+              <a:spcBef>
+                <a:spcPts val="0"/>
+              </a:spcBef>
+            </a:pPr>
+            <a:r>
+              <a:rPr lang="en-US" sz="2000" dirty="0">
+                <a:hlinkClick r:id="rId2"/>
+              </a:rPr>
+              <a:t>http://github.com/bobk/jiragithub</a:t>
+            </a:r>
+            <a:endParaRPr lang="en-US" sz="2000" dirty="0">
+              <a:solidFill>
+                <a:srgbClr val="FF0000"/>
+              </a:solidFill>
+            </a:endParaRPr>
+          </a:p>
+          <a:p>
+            <a:pPr marL="365760">
+              <a:spcBef>
+                <a:spcPts val="0"/>
+              </a:spcBef>
+            </a:pPr>
+            <a:endParaRPr lang="en-US" sz="2000" dirty="0">
+              <a:solidFill>
+                <a:srgbClr val="FF0000"/>
+              </a:solidFill>
+            </a:endParaRPr>
+          </a:p>
+        </p:txBody>
+      </p:sp>
     </p:spTree>
     <p:extLst>
       <p:ext uri="{BB962C8B-B14F-4D97-AF65-F5344CB8AC3E}">
-        <p14:creationId xmlns:p14="http://schemas.microsoft.com/office/powerpoint/2010/main" val="1008999639"/>
+        <p14:creationId xmlns:p14="http://schemas.microsoft.com/office/powerpoint/2010/main" val="2043386224"/>
       </p:ext>
     </p:extLst>
   </p:cSld>
@@ -5378,14 +5592,18 @@
           <a:lstStyle/>
           <a:p>
             <a:r>
-              <a:rPr lang="en-US" sz="3200" dirty="0"/>
-              <a:t>http://github.com/bobk/jiragithub</a:t>
+              <a:rPr lang="en-US" sz="2800" b="1" dirty="0" err="1"/>
+              <a:t>jiragithub</a:t>
+            </a:r>
+            <a:r>
+              <a:rPr lang="en-US" sz="2800" dirty="0"/>
+              <a:t> script</a:t>
             </a:r>
             <a:br>
-              <a:rPr lang="en-US" sz="3200" dirty="0"/>
+              <a:rPr lang="en-US" sz="2800" dirty="0"/>
             </a:br>
             <a:r>
-              <a:rPr lang="en-US" sz="3200" dirty="0"/>
+              <a:rPr lang="en-US" sz="2800" dirty="0"/>
               <a:t>Screen Shots</a:t>
             </a:r>
           </a:p>
@@ -5393,10 +5611,10 @@
       </p:sp>
       <p:pic>
         <p:nvPicPr>
-          <p:cNvPr id="3" name="Picture 2">
+          <p:cNvPr id="4" name="Picture 3">
             <a:extLst>
               <a:ext uri="{FF2B5EF4-FFF2-40B4-BE49-F238E27FC236}">
-                <a16:creationId xmlns:a16="http://schemas.microsoft.com/office/drawing/2014/main" id="{DD2B31FF-3676-4D63-B392-42B9811E538D}"/>
+                <a16:creationId xmlns:a16="http://schemas.microsoft.com/office/drawing/2014/main" id="{7F657DDA-42CB-40FF-9700-8B4912B0DAD7}"/>
               </a:ext>
             </a:extLst>
           </p:cNvPr>
@@ -5413,8 +5631,8 @@
         </p:blipFill>
         <p:spPr>
           <a:xfrm>
-            <a:off x="671513" y="1371600"/>
-            <a:ext cx="7634287" cy="5260448"/>
+            <a:off x="271462" y="1467379"/>
+            <a:ext cx="8601075" cy="5124450"/>
           </a:xfrm>
           <a:prstGeom prst="rect">
             <a:avLst/>
@@ -5424,7 +5642,7 @@
     </p:spTree>
     <p:extLst>
       <p:ext uri="{BB962C8B-B14F-4D97-AF65-F5344CB8AC3E}">
-        <p14:creationId xmlns:p14="http://schemas.microsoft.com/office/powerpoint/2010/main" val="2812099697"/>
+        <p14:creationId xmlns:p14="http://schemas.microsoft.com/office/powerpoint/2010/main" val="1008999639"/>
       </p:ext>
     </p:extLst>
   </p:cSld>

--- a/Git Integration Options for Jira.pptx
+++ b/Git Integration Options for Jira.pptx
@@ -3735,7 +3735,7 @@
             </a:pPr>
             <a:r>
               <a:rPr lang="en-US" sz="2400" dirty="0"/>
-              <a:t>A process runs on the Jira side or the Git side or a third location to scan for commits + issues that are related (typically by including the Jira </a:t>
+              <a:t>A process runs on the Jira side/the Git side/a third location to scan for commits + issues that are related (typically by including the Jira </a:t>
             </a:r>
             <a:r>
               <a:rPr lang="en-US" sz="2400" dirty="0" err="1"/>

--- a/Git Integration Options for Jira.pptx
+++ b/Git Integration Options for Jira.pptx
@@ -10,10 +10,10 @@
     <p:sldId id="272" r:id="rId4"/>
     <p:sldId id="273" r:id="rId5"/>
     <p:sldId id="274" r:id="rId6"/>
-    <p:sldId id="277" r:id="rId7"/>
-    <p:sldId id="275" r:id="rId8"/>
-    <p:sldId id="279" r:id="rId9"/>
-    <p:sldId id="276" r:id="rId10"/>
+    <p:sldId id="275" r:id="rId7"/>
+    <p:sldId id="277" r:id="rId8"/>
+    <p:sldId id="276" r:id="rId9"/>
+    <p:sldId id="279" r:id="rId10"/>
     <p:sldId id="260" r:id="rId11"/>
     <p:sldId id="265" r:id="rId12"/>
   </p:sldIdLst>
@@ -312,7 +312,7 @@
           <a:p>
             <a:fld id="{799B01D3-E541-42FD-B1E6-9E7097F8E480}" type="datetimeFigureOut">
               <a:rPr lang="en-US" smtClean="0"/>
-              <a:t>2/25/2020</a:t>
+              <a:t>3/1/2020</a:t>
             </a:fld>
             <a:endParaRPr lang="en-US"/>
           </a:p>
@@ -480,7 +480,7 @@
           <a:p>
             <a:fld id="{799B01D3-E541-42FD-B1E6-9E7097F8E480}" type="datetimeFigureOut">
               <a:rPr lang="en-US" smtClean="0"/>
-              <a:t>2/25/2020</a:t>
+              <a:t>3/1/2020</a:t>
             </a:fld>
             <a:endParaRPr lang="en-US"/>
           </a:p>
@@ -658,7 +658,7 @@
           <a:p>
             <a:fld id="{799B01D3-E541-42FD-B1E6-9E7097F8E480}" type="datetimeFigureOut">
               <a:rPr lang="en-US" smtClean="0"/>
-              <a:t>2/25/2020</a:t>
+              <a:t>3/1/2020</a:t>
             </a:fld>
             <a:endParaRPr lang="en-US"/>
           </a:p>
@@ -810,7 +810,7 @@
           <a:p>
             <a:fld id="{799B01D3-E541-42FD-B1E6-9E7097F8E480}" type="datetimeFigureOut">
               <a:rPr lang="en-US" smtClean="0"/>
-              <a:t>2/25/2020</a:t>
+              <a:t>3/1/2020</a:t>
             </a:fld>
             <a:endParaRPr lang="en-US"/>
           </a:p>
@@ -1095,7 +1095,7 @@
           <a:p>
             <a:fld id="{799B01D3-E541-42FD-B1E6-9E7097F8E480}" type="datetimeFigureOut">
               <a:rPr lang="en-US" smtClean="0"/>
-              <a:t>2/25/2020</a:t>
+              <a:t>3/1/2020</a:t>
             </a:fld>
             <a:endParaRPr lang="en-US"/>
           </a:p>
@@ -1380,7 +1380,7 @@
           <a:p>
             <a:fld id="{799B01D3-E541-42FD-B1E6-9E7097F8E480}" type="datetimeFigureOut">
               <a:rPr lang="en-US" smtClean="0"/>
-              <a:t>2/25/2020</a:t>
+              <a:t>3/1/2020</a:t>
             </a:fld>
             <a:endParaRPr lang="en-US"/>
           </a:p>
@@ -1799,7 +1799,7 @@
           <a:p>
             <a:fld id="{799B01D3-E541-42FD-B1E6-9E7097F8E480}" type="datetimeFigureOut">
               <a:rPr lang="en-US" smtClean="0"/>
-              <a:t>2/25/2020</a:t>
+              <a:t>3/1/2020</a:t>
             </a:fld>
             <a:endParaRPr lang="en-US"/>
           </a:p>
@@ -1916,7 +1916,7 @@
           <a:p>
             <a:fld id="{799B01D3-E541-42FD-B1E6-9E7097F8E480}" type="datetimeFigureOut">
               <a:rPr lang="en-US" smtClean="0"/>
-              <a:t>2/25/2020</a:t>
+              <a:t>3/1/2020</a:t>
             </a:fld>
             <a:endParaRPr lang="en-US"/>
           </a:p>
@@ -2011,7 +2011,7 @@
           <a:p>
             <a:fld id="{799B01D3-E541-42FD-B1E6-9E7097F8E480}" type="datetimeFigureOut">
               <a:rPr lang="en-US" smtClean="0"/>
-              <a:t>2/25/2020</a:t>
+              <a:t>3/1/2020</a:t>
             </a:fld>
             <a:endParaRPr lang="en-US"/>
           </a:p>
@@ -2286,7 +2286,7 @@
           <a:p>
             <a:fld id="{799B01D3-E541-42FD-B1E6-9E7097F8E480}" type="datetimeFigureOut">
               <a:rPr lang="en-US" smtClean="0"/>
-              <a:t>2/25/2020</a:t>
+              <a:t>3/1/2020</a:t>
             </a:fld>
             <a:endParaRPr lang="en-US"/>
           </a:p>
@@ -2538,7 +2538,7 @@
           <a:p>
             <a:fld id="{799B01D3-E541-42FD-B1E6-9E7097F8E480}" type="datetimeFigureOut">
               <a:rPr lang="en-US" smtClean="0"/>
-              <a:t>2/25/2020</a:t>
+              <a:t>3/1/2020</a:t>
             </a:fld>
             <a:endParaRPr lang="en-US"/>
           </a:p>
@@ -2749,7 +2749,7 @@
           <a:p>
             <a:fld id="{799B01D3-E541-42FD-B1E6-9E7097F8E480}" type="datetimeFigureOut">
               <a:rPr lang="en-US" smtClean="0"/>
-              <a:t>2/25/2020</a:t>
+              <a:t>3/1/2020</a:t>
             </a:fld>
             <a:endParaRPr lang="en-US"/>
           </a:p>
@@ -3203,7 +3203,11 @@
             </a:br>
             <a:r>
               <a:rPr lang="en-US" dirty="0"/>
-              <a:t>Git Integration Options for Jira</a:t>
+              <a:t>Git Integration Options </a:t>
+            </a:r>
+            <a:r>
+              <a:rPr lang="en-US"/>
+              <a:t>for Jira</a:t>
             </a:r>
             <a:br>
               <a:rPr lang="en-US" sz="4050" dirty="0"/>
@@ -3447,7 +3451,15 @@
           <a:p>
             <a:r>
               <a:rPr lang="en-US" dirty="0"/>
-              <a:t> Python as poor-man’s Jira command-line (via </a:t>
+              <a:t> Python as poor-man’s Jira command-line or </a:t>
+            </a:r>
+            <a:r>
+              <a:rPr lang="en-US"/>
+              <a:t>a Jira DSL </a:t>
+            </a:r>
+            <a:r>
+              <a:rPr lang="en-US" dirty="0"/>
+              <a:t>(via </a:t>
             </a:r>
             <a:r>
               <a:rPr lang="en-US" dirty="0" err="1"/>
@@ -3463,7 +3475,15 @@
             </a:r>
             <a:r>
               <a:rPr lang="en-US" dirty="0"/>
-              <a:t> interpreter)</a:t>
+              <a:t>/</a:t>
+            </a:r>
+            <a:r>
+              <a:rPr lang="en-US" dirty="0" err="1"/>
+              <a:t>pydsl</a:t>
+            </a:r>
+            <a:r>
+              <a:rPr lang="en-US" dirty="0"/>
+              <a:t>)</a:t>
             </a:r>
           </a:p>
           <a:p>
@@ -3728,21 +3748,21 @@
             </a:r>
           </a:p>
           <a:p>
-            <a:pPr marL="365760">
+            <a:pPr marL="765810" lvl="1">
               <a:spcBef>
                 <a:spcPts val="0"/>
               </a:spcBef>
             </a:pPr>
             <a:r>
-              <a:rPr lang="en-US" sz="2400" dirty="0"/>
+              <a:rPr lang="en-US" sz="2000" dirty="0"/>
               <a:t>A process runs on the Jira side/the Git side/a third location to scan for commits + issues that are related (typically by including the Jira </a:t>
             </a:r>
             <a:r>
-              <a:rPr lang="en-US" sz="2400" dirty="0" err="1"/>
+              <a:rPr lang="en-US" sz="2000" dirty="0" err="1"/>
               <a:t>issuekey</a:t>
             </a:r>
             <a:r>
-              <a:rPr lang="en-US" sz="2400" dirty="0"/>
+              <a:rPr lang="en-US" sz="2000" dirty="0"/>
               <a:t> in the commit message) and record them, usually in the Jira issues themselves</a:t>
             </a:r>
           </a:p>
@@ -3794,31 +3814,6 @@
               <a:rPr lang="en-US" sz="2400" dirty="0"/>
               <a:t>perform certain basic Jira actions from Git (via commit messages)</a:t>
             </a:r>
-          </a:p>
-          <a:p>
-            <a:pPr marL="22860" indent="0">
-              <a:spcBef>
-                <a:spcPts val="0"/>
-              </a:spcBef>
-              <a:buNone/>
-            </a:pPr>
-            <a:endParaRPr lang="en-US" sz="2400" dirty="0"/>
-          </a:p>
-          <a:p>
-            <a:pPr marL="365760">
-              <a:spcBef>
-                <a:spcPts val="0"/>
-              </a:spcBef>
-            </a:pPr>
-            <a:endParaRPr lang="en-US" sz="2400" dirty="0"/>
-          </a:p>
-          <a:p>
-            <a:pPr marL="365760">
-              <a:spcBef>
-                <a:spcPts val="0"/>
-              </a:spcBef>
-            </a:pPr>
-            <a:endParaRPr lang="en-US" sz="2400" dirty="0"/>
           </a:p>
         </p:txBody>
       </p:sp>
@@ -3832,6 +3827,289 @@
   <p:clrMapOvr>
     <a:masterClrMapping/>
   </p:clrMapOvr>
+  <p:timing>
+    <p:tnLst>
+      <p:par>
+        <p:cTn id="1" dur="indefinite" restart="never" nodeType="tmRoot">
+          <p:childTnLst>
+            <p:seq concurrent="1" nextAc="seek">
+              <p:cTn id="2" dur="indefinite" nodeType="mainSeq">
+                <p:childTnLst>
+                  <p:par>
+                    <p:cTn id="3" fill="hold">
+                      <p:stCondLst>
+                        <p:cond delay="indefinite"/>
+                      </p:stCondLst>
+                      <p:childTnLst>
+                        <p:par>
+                          <p:cTn id="4" fill="hold">
+                            <p:stCondLst>
+                              <p:cond delay="0"/>
+                            </p:stCondLst>
+                            <p:childTnLst>
+                              <p:par>
+                                <p:cTn id="5" presetID="1" presetClass="entr" presetSubtype="0" fill="hold" nodeType="clickEffect">
+                                  <p:stCondLst>
+                                    <p:cond delay="0"/>
+                                  </p:stCondLst>
+                                  <p:childTnLst>
+                                    <p:set>
+                                      <p:cBhvr>
+                                        <p:cTn id="6" dur="1" fill="hold">
+                                          <p:stCondLst>
+                                            <p:cond delay="0"/>
+                                          </p:stCondLst>
+                                        </p:cTn>
+                                        <p:tgtEl>
+                                          <p:spTgt spid="3">
+                                            <p:txEl>
+                                              <p:pRg st="0" end="0"/>
+                                            </p:txEl>
+                                          </p:spTgt>
+                                        </p:tgtEl>
+                                        <p:attrNameLst>
+                                          <p:attrName>style.visibility</p:attrName>
+                                        </p:attrNameLst>
+                                      </p:cBhvr>
+                                      <p:to>
+                                        <p:strVal val="visible"/>
+                                      </p:to>
+                                    </p:set>
+                                  </p:childTnLst>
+                                </p:cTn>
+                              </p:par>
+                              <p:par>
+                                <p:cTn id="7" presetID="1" presetClass="entr" presetSubtype="0" fill="hold" nodeType="withEffect">
+                                  <p:stCondLst>
+                                    <p:cond delay="0"/>
+                                  </p:stCondLst>
+                                  <p:childTnLst>
+                                    <p:set>
+                                      <p:cBhvr>
+                                        <p:cTn id="8" dur="1" fill="hold">
+                                          <p:stCondLst>
+                                            <p:cond delay="0"/>
+                                          </p:stCondLst>
+                                        </p:cTn>
+                                        <p:tgtEl>
+                                          <p:spTgt spid="3">
+                                            <p:txEl>
+                                              <p:pRg st="1" end="1"/>
+                                            </p:txEl>
+                                          </p:spTgt>
+                                        </p:tgtEl>
+                                        <p:attrNameLst>
+                                          <p:attrName>style.visibility</p:attrName>
+                                        </p:attrNameLst>
+                                      </p:cBhvr>
+                                      <p:to>
+                                        <p:strVal val="visible"/>
+                                      </p:to>
+                                    </p:set>
+                                  </p:childTnLst>
+                                </p:cTn>
+                              </p:par>
+                              <p:par>
+                                <p:cTn id="9" presetID="1" presetClass="entr" presetSubtype="0" fill="hold" nodeType="withEffect">
+                                  <p:stCondLst>
+                                    <p:cond delay="0"/>
+                                  </p:stCondLst>
+                                  <p:childTnLst>
+                                    <p:set>
+                                      <p:cBhvr>
+                                        <p:cTn id="10" dur="1" fill="hold">
+                                          <p:stCondLst>
+                                            <p:cond delay="0"/>
+                                          </p:stCondLst>
+                                        </p:cTn>
+                                        <p:tgtEl>
+                                          <p:spTgt spid="3">
+                                            <p:txEl>
+                                              <p:pRg st="2" end="2"/>
+                                            </p:txEl>
+                                          </p:spTgt>
+                                        </p:tgtEl>
+                                        <p:attrNameLst>
+                                          <p:attrName>style.visibility</p:attrName>
+                                        </p:attrNameLst>
+                                      </p:cBhvr>
+                                      <p:to>
+                                        <p:strVal val="visible"/>
+                                      </p:to>
+                                    </p:set>
+                                  </p:childTnLst>
+                                </p:cTn>
+                              </p:par>
+                            </p:childTnLst>
+                          </p:cTn>
+                        </p:par>
+                      </p:childTnLst>
+                    </p:cTn>
+                  </p:par>
+                  <p:par>
+                    <p:cTn id="11" fill="hold">
+                      <p:stCondLst>
+                        <p:cond delay="indefinite"/>
+                      </p:stCondLst>
+                      <p:childTnLst>
+                        <p:par>
+                          <p:cTn id="12" fill="hold">
+                            <p:stCondLst>
+                              <p:cond delay="0"/>
+                            </p:stCondLst>
+                            <p:childTnLst>
+                              <p:par>
+                                <p:cTn id="13" presetID="1" presetClass="entr" presetSubtype="0" fill="hold" nodeType="clickEffect">
+                                  <p:stCondLst>
+                                    <p:cond delay="0"/>
+                                  </p:stCondLst>
+                                  <p:childTnLst>
+                                    <p:set>
+                                      <p:cBhvr>
+                                        <p:cTn id="14" dur="1" fill="hold">
+                                          <p:stCondLst>
+                                            <p:cond delay="0"/>
+                                          </p:stCondLst>
+                                        </p:cTn>
+                                        <p:tgtEl>
+                                          <p:spTgt spid="3">
+                                            <p:txEl>
+                                              <p:pRg st="3" end="3"/>
+                                            </p:txEl>
+                                          </p:spTgt>
+                                        </p:tgtEl>
+                                        <p:attrNameLst>
+                                          <p:attrName>style.visibility</p:attrName>
+                                        </p:attrNameLst>
+                                      </p:cBhvr>
+                                      <p:to>
+                                        <p:strVal val="visible"/>
+                                      </p:to>
+                                    </p:set>
+                                  </p:childTnLst>
+                                </p:cTn>
+                              </p:par>
+                              <p:par>
+                                <p:cTn id="15" presetID="1" presetClass="entr" presetSubtype="0" fill="hold" nodeType="withEffect">
+                                  <p:stCondLst>
+                                    <p:cond delay="0"/>
+                                  </p:stCondLst>
+                                  <p:childTnLst>
+                                    <p:set>
+                                      <p:cBhvr>
+                                        <p:cTn id="16" dur="1" fill="hold">
+                                          <p:stCondLst>
+                                            <p:cond delay="0"/>
+                                          </p:stCondLst>
+                                        </p:cTn>
+                                        <p:tgtEl>
+                                          <p:spTgt spid="3">
+                                            <p:txEl>
+                                              <p:pRg st="4" end="4"/>
+                                            </p:txEl>
+                                          </p:spTgt>
+                                        </p:tgtEl>
+                                        <p:attrNameLst>
+                                          <p:attrName>style.visibility</p:attrName>
+                                        </p:attrNameLst>
+                                      </p:cBhvr>
+                                      <p:to>
+                                        <p:strVal val="visible"/>
+                                      </p:to>
+                                    </p:set>
+                                  </p:childTnLst>
+                                </p:cTn>
+                              </p:par>
+                              <p:par>
+                                <p:cTn id="17" presetID="1" presetClass="entr" presetSubtype="0" fill="hold" nodeType="withEffect">
+                                  <p:stCondLst>
+                                    <p:cond delay="0"/>
+                                  </p:stCondLst>
+                                  <p:childTnLst>
+                                    <p:set>
+                                      <p:cBhvr>
+                                        <p:cTn id="18" dur="1" fill="hold">
+                                          <p:stCondLst>
+                                            <p:cond delay="0"/>
+                                          </p:stCondLst>
+                                        </p:cTn>
+                                        <p:tgtEl>
+                                          <p:spTgt spid="3">
+                                            <p:txEl>
+                                              <p:pRg st="5" end="5"/>
+                                            </p:txEl>
+                                          </p:spTgt>
+                                        </p:tgtEl>
+                                        <p:attrNameLst>
+                                          <p:attrName>style.visibility</p:attrName>
+                                        </p:attrNameLst>
+                                      </p:cBhvr>
+                                      <p:to>
+                                        <p:strVal val="visible"/>
+                                      </p:to>
+                                    </p:set>
+                                  </p:childTnLst>
+                                </p:cTn>
+                              </p:par>
+                              <p:par>
+                                <p:cTn id="19" presetID="1" presetClass="entr" presetSubtype="0" fill="hold" nodeType="withEffect">
+                                  <p:stCondLst>
+                                    <p:cond delay="0"/>
+                                  </p:stCondLst>
+                                  <p:childTnLst>
+                                    <p:set>
+                                      <p:cBhvr>
+                                        <p:cTn id="20" dur="1" fill="hold">
+                                          <p:stCondLst>
+                                            <p:cond delay="0"/>
+                                          </p:stCondLst>
+                                        </p:cTn>
+                                        <p:tgtEl>
+                                          <p:spTgt spid="3">
+                                            <p:txEl>
+                                              <p:pRg st="6" end="6"/>
+                                            </p:txEl>
+                                          </p:spTgt>
+                                        </p:tgtEl>
+                                        <p:attrNameLst>
+                                          <p:attrName>style.visibility</p:attrName>
+                                        </p:attrNameLst>
+                                      </p:cBhvr>
+                                      <p:to>
+                                        <p:strVal val="visible"/>
+                                      </p:to>
+                                    </p:set>
+                                  </p:childTnLst>
+                                </p:cTn>
+                              </p:par>
+                            </p:childTnLst>
+                          </p:cTn>
+                        </p:par>
+                      </p:childTnLst>
+                    </p:cTn>
+                  </p:par>
+                </p:childTnLst>
+              </p:cTn>
+              <p:prevCondLst>
+                <p:cond evt="onPrev" delay="0">
+                  <p:tgtEl>
+                    <p:sldTgt/>
+                  </p:tgtEl>
+                </p:cond>
+              </p:prevCondLst>
+              <p:nextCondLst>
+                <p:cond evt="onNext" delay="0">
+                  <p:tgtEl>
+                    <p:sldTgt/>
+                  </p:tgtEl>
+                </p:cond>
+              </p:nextCondLst>
+            </p:seq>
+          </p:childTnLst>
+        </p:cTn>
+      </p:par>
+    </p:tnLst>
+  </p:timing>
 </p:sld>
 </file>
 
@@ -3886,15 +4164,8 @@
           <a:lstStyle/>
           <a:p>
             <a:r>
-              <a:rPr lang="en-US" sz="3600" dirty="0"/>
-              <a:t>What Are The Benefits?</a:t>
-            </a:r>
-            <a:br>
-              <a:rPr lang="en-US" sz="3600" dirty="0"/>
-            </a:br>
-            <a:r>
-              <a:rPr lang="en-US" sz="3600" dirty="0"/>
-              <a:t>Who Is The Customer?</a:t>
+              <a:rPr lang="en-US" sz="3200" dirty="0"/>
+              <a:t>What Are The Benefits? Who Is The Customer? How Does This Improve Agility?</a:t>
             </a:r>
           </a:p>
         </p:txBody>
@@ -3997,7 +4268,7 @@
             </a:pPr>
             <a:r>
               <a:rPr lang="en-US" sz="2000" dirty="0"/>
-              <a:t>Anyone who needs to pull statistics on code relative to Jira issues such as complexity vs. commits, rollbacks of commits, bugs against features (</a:t>
+              <a:t>Anyone who needs to pull statistics on code relative to Jira issues such as complexity vs. commits, rollbacks of releases, bugs against features (</a:t>
             </a:r>
             <a:r>
               <a:rPr lang="en-US" sz="2000" dirty="0">
@@ -4059,18 +4330,11 @@
             </a:r>
           </a:p>
           <a:p>
-            <a:pPr marL="365760">
+            <a:pPr marL="22860" indent="0">
               <a:spcBef>
                 <a:spcPts val="0"/>
               </a:spcBef>
-            </a:pPr>
-            <a:endParaRPr lang="en-US" sz="2000" dirty="0"/>
-          </a:p>
-          <a:p>
-            <a:pPr marL="365760">
-              <a:spcBef>
-                <a:spcPts val="0"/>
-              </a:spcBef>
+              <a:buNone/>
             </a:pPr>
             <a:endParaRPr lang="en-US" sz="2000" dirty="0"/>
           </a:p>
@@ -4086,6 +4350,258 @@
   <p:clrMapOvr>
     <a:masterClrMapping/>
   </p:clrMapOvr>
+  <p:timing>
+    <p:tnLst>
+      <p:par>
+        <p:cTn id="1" dur="indefinite" restart="never" nodeType="tmRoot">
+          <p:childTnLst>
+            <p:seq concurrent="1" nextAc="seek">
+              <p:cTn id="2" dur="indefinite" nodeType="mainSeq">
+                <p:childTnLst>
+                  <p:par>
+                    <p:cTn id="3" fill="hold">
+                      <p:stCondLst>
+                        <p:cond delay="indefinite"/>
+                      </p:stCondLst>
+                      <p:childTnLst>
+                        <p:par>
+                          <p:cTn id="4" fill="hold">
+                            <p:stCondLst>
+                              <p:cond delay="0"/>
+                            </p:stCondLst>
+                            <p:childTnLst>
+                              <p:par>
+                                <p:cTn id="5" presetID="1" presetClass="entr" presetSubtype="0" fill="hold" nodeType="clickEffect">
+                                  <p:stCondLst>
+                                    <p:cond delay="0"/>
+                                  </p:stCondLst>
+                                  <p:childTnLst>
+                                    <p:set>
+                                      <p:cBhvr>
+                                        <p:cTn id="6" dur="1" fill="hold">
+                                          <p:stCondLst>
+                                            <p:cond delay="0"/>
+                                          </p:stCondLst>
+                                        </p:cTn>
+                                        <p:tgtEl>
+                                          <p:spTgt spid="3">
+                                            <p:txEl>
+                                              <p:pRg st="0" end="0"/>
+                                            </p:txEl>
+                                          </p:spTgt>
+                                        </p:tgtEl>
+                                        <p:attrNameLst>
+                                          <p:attrName>style.visibility</p:attrName>
+                                        </p:attrNameLst>
+                                      </p:cBhvr>
+                                      <p:to>
+                                        <p:strVal val="visible"/>
+                                      </p:to>
+                                    </p:set>
+                                  </p:childTnLst>
+                                </p:cTn>
+                              </p:par>
+                              <p:par>
+                                <p:cTn id="7" presetID="1" presetClass="entr" presetSubtype="0" fill="hold" nodeType="withEffect">
+                                  <p:stCondLst>
+                                    <p:cond delay="0"/>
+                                  </p:stCondLst>
+                                  <p:childTnLst>
+                                    <p:set>
+                                      <p:cBhvr>
+                                        <p:cTn id="8" dur="1" fill="hold">
+                                          <p:stCondLst>
+                                            <p:cond delay="0"/>
+                                          </p:stCondLst>
+                                        </p:cTn>
+                                        <p:tgtEl>
+                                          <p:spTgt spid="3">
+                                            <p:txEl>
+                                              <p:pRg st="1" end="1"/>
+                                            </p:txEl>
+                                          </p:spTgt>
+                                        </p:tgtEl>
+                                        <p:attrNameLst>
+                                          <p:attrName>style.visibility</p:attrName>
+                                        </p:attrNameLst>
+                                      </p:cBhvr>
+                                      <p:to>
+                                        <p:strVal val="visible"/>
+                                      </p:to>
+                                    </p:set>
+                                  </p:childTnLst>
+                                </p:cTn>
+                              </p:par>
+                              <p:par>
+                                <p:cTn id="9" presetID="1" presetClass="entr" presetSubtype="0" fill="hold" nodeType="withEffect">
+                                  <p:stCondLst>
+                                    <p:cond delay="0"/>
+                                  </p:stCondLst>
+                                  <p:childTnLst>
+                                    <p:set>
+                                      <p:cBhvr>
+                                        <p:cTn id="10" dur="1" fill="hold">
+                                          <p:stCondLst>
+                                            <p:cond delay="0"/>
+                                          </p:stCondLst>
+                                        </p:cTn>
+                                        <p:tgtEl>
+                                          <p:spTgt spid="3">
+                                            <p:txEl>
+                                              <p:pRg st="2" end="2"/>
+                                            </p:txEl>
+                                          </p:spTgt>
+                                        </p:tgtEl>
+                                        <p:attrNameLst>
+                                          <p:attrName>style.visibility</p:attrName>
+                                        </p:attrNameLst>
+                                      </p:cBhvr>
+                                      <p:to>
+                                        <p:strVal val="visible"/>
+                                      </p:to>
+                                    </p:set>
+                                  </p:childTnLst>
+                                </p:cTn>
+                              </p:par>
+                            </p:childTnLst>
+                          </p:cTn>
+                        </p:par>
+                      </p:childTnLst>
+                    </p:cTn>
+                  </p:par>
+                  <p:par>
+                    <p:cTn id="11" fill="hold">
+                      <p:stCondLst>
+                        <p:cond delay="indefinite"/>
+                      </p:stCondLst>
+                      <p:childTnLst>
+                        <p:par>
+                          <p:cTn id="12" fill="hold">
+                            <p:stCondLst>
+                              <p:cond delay="0"/>
+                            </p:stCondLst>
+                            <p:childTnLst>
+                              <p:par>
+                                <p:cTn id="13" presetID="1" presetClass="entr" presetSubtype="0" fill="hold" nodeType="clickEffect">
+                                  <p:stCondLst>
+                                    <p:cond delay="0"/>
+                                  </p:stCondLst>
+                                  <p:childTnLst>
+                                    <p:set>
+                                      <p:cBhvr>
+                                        <p:cTn id="14" dur="1" fill="hold">
+                                          <p:stCondLst>
+                                            <p:cond delay="0"/>
+                                          </p:stCondLst>
+                                        </p:cTn>
+                                        <p:tgtEl>
+                                          <p:spTgt spid="3">
+                                            <p:txEl>
+                                              <p:pRg st="3" end="3"/>
+                                            </p:txEl>
+                                          </p:spTgt>
+                                        </p:tgtEl>
+                                        <p:attrNameLst>
+                                          <p:attrName>style.visibility</p:attrName>
+                                        </p:attrNameLst>
+                                      </p:cBhvr>
+                                      <p:to>
+                                        <p:strVal val="visible"/>
+                                      </p:to>
+                                    </p:set>
+                                  </p:childTnLst>
+                                </p:cTn>
+                              </p:par>
+                              <p:par>
+                                <p:cTn id="15" presetID="1" presetClass="entr" presetSubtype="0" fill="hold" nodeType="withEffect">
+                                  <p:stCondLst>
+                                    <p:cond delay="0"/>
+                                  </p:stCondLst>
+                                  <p:childTnLst>
+                                    <p:set>
+                                      <p:cBhvr>
+                                        <p:cTn id="16" dur="1" fill="hold">
+                                          <p:stCondLst>
+                                            <p:cond delay="0"/>
+                                          </p:stCondLst>
+                                        </p:cTn>
+                                        <p:tgtEl>
+                                          <p:spTgt spid="3">
+                                            <p:txEl>
+                                              <p:pRg st="4" end="4"/>
+                                            </p:txEl>
+                                          </p:spTgt>
+                                        </p:tgtEl>
+                                        <p:attrNameLst>
+                                          <p:attrName>style.visibility</p:attrName>
+                                        </p:attrNameLst>
+                                      </p:cBhvr>
+                                      <p:to>
+                                        <p:strVal val="visible"/>
+                                      </p:to>
+                                    </p:set>
+                                  </p:childTnLst>
+                                </p:cTn>
+                              </p:par>
+                              <p:par>
+                                <p:cTn id="17" presetID="1" presetClass="entr" presetSubtype="0" fill="hold" nodeType="withEffect">
+                                  <p:stCondLst>
+                                    <p:cond delay="0"/>
+                                  </p:stCondLst>
+                                  <p:childTnLst>
+                                    <p:set>
+                                      <p:cBhvr>
+                                        <p:cTn id="18" dur="1" fill="hold">
+                                          <p:stCondLst>
+                                            <p:cond delay="0"/>
+                                          </p:stCondLst>
+                                        </p:cTn>
+                                        <p:tgtEl>
+                                          <p:spTgt spid="3">
+                                            <p:txEl>
+                                              <p:pRg st="5" end="5"/>
+                                            </p:txEl>
+                                          </p:spTgt>
+                                        </p:tgtEl>
+                                        <p:attrNameLst>
+                                          <p:attrName>style.visibility</p:attrName>
+                                        </p:attrNameLst>
+                                      </p:cBhvr>
+                                      <p:to>
+                                        <p:strVal val="visible"/>
+                                      </p:to>
+                                    </p:set>
+                                  </p:childTnLst>
+                                </p:cTn>
+                              </p:par>
+                            </p:childTnLst>
+                          </p:cTn>
+                        </p:par>
+                      </p:childTnLst>
+                    </p:cTn>
+                  </p:par>
+                </p:childTnLst>
+              </p:cTn>
+              <p:prevCondLst>
+                <p:cond evt="onPrev" delay="0">
+                  <p:tgtEl>
+                    <p:sldTgt/>
+                  </p:tgtEl>
+                </p:cond>
+              </p:prevCondLst>
+              <p:nextCondLst>
+                <p:cond evt="onNext" delay="0">
+                  <p:tgtEl>
+                    <p:sldTgt/>
+                  </p:tgtEl>
+                </p:cond>
+              </p:nextCondLst>
+            </p:seq>
+          </p:childTnLst>
+        </p:cTn>
+      </p:par>
+    </p:tnLst>
+  </p:timing>
 </p:sld>
 </file>
 
@@ -4168,27 +4684,6 @@
           </a:bodyPr>
           <a:lstStyle/>
           <a:p>
-            <a:pPr marL="22860" indent="0">
-              <a:spcBef>
-                <a:spcPts val="0"/>
-              </a:spcBef>
-              <a:buNone/>
-            </a:pPr>
-            <a:r>
-              <a:rPr lang="en-US" sz="1800" dirty="0"/>
-              <a:t>(using public GitHub specifically as an example - some products do not support GitHub Enterprise, GitLab or other third-party Git incarnations)</a:t>
-            </a:r>
-          </a:p>
-          <a:p>
-            <a:pPr marL="22860" indent="0">
-              <a:spcBef>
-                <a:spcPts val="0"/>
-              </a:spcBef>
-              <a:buNone/>
-            </a:pPr>
-            <a:endParaRPr lang="en-US" sz="2400" dirty="0"/>
-          </a:p>
-          <a:p>
             <a:pPr marL="365760">
               <a:spcBef>
                 <a:spcPts val="0"/>
@@ -4198,8 +4693,46 @@
             </a:pPr>
             <a:r>
               <a:rPr lang="en-US" sz="2800" dirty="0"/>
-              <a:t>Atlassian’s built-in integration (cloud, server)</a:t>
-            </a:r>
+              <a:t>Third-party Jira plug-ins (cloud, server)</a:t>
+            </a:r>
+          </a:p>
+          <a:p>
+            <a:pPr marL="765810" lvl="1">
+              <a:spcBef>
+                <a:spcPts val="0"/>
+              </a:spcBef>
+              <a:buFontTx/>
+              <a:buChar char="-"/>
+            </a:pPr>
+            <a:r>
+              <a:rPr lang="en-US" sz="2000" dirty="0">
+                <a:solidFill>
+                  <a:srgbClr val="FF0000"/>
+                </a:solidFill>
+              </a:rPr>
+              <a:t>e.g., </a:t>
+            </a:r>
+            <a:r>
+              <a:rPr lang="en-US" sz="2000" b="1" dirty="0">
+                <a:solidFill>
+                  <a:srgbClr val="FF0000"/>
+                </a:solidFill>
+              </a:rPr>
+              <a:t>Git Integration for Jira plug-in from </a:t>
+            </a:r>
+            <a:r>
+              <a:rPr lang="en-US" sz="2000" b="1" dirty="0" err="1">
+                <a:solidFill>
+                  <a:srgbClr val="FF0000"/>
+                </a:solidFill>
+              </a:rPr>
+              <a:t>BigBrassBand</a:t>
+            </a:r>
+            <a:endParaRPr lang="en-US" sz="2000" b="1" dirty="0">
+              <a:solidFill>
+                <a:srgbClr val="FF0000"/>
+              </a:solidFill>
+            </a:endParaRPr>
           </a:p>
           <a:p>
             <a:pPr marL="365760">
@@ -4211,7 +4744,57 @@
             </a:pPr>
             <a:r>
               <a:rPr lang="en-US" sz="2800" dirty="0"/>
-              <a:t>GitHub’s built-in integration (cloud)*</a:t>
+              <a:t>scripts (home-grown or OSS)</a:t>
+            </a:r>
+          </a:p>
+          <a:p>
+            <a:pPr marL="765810" lvl="1">
+              <a:spcBef>
+                <a:spcPts val="0"/>
+              </a:spcBef>
+              <a:buFontTx/>
+              <a:buChar char="-"/>
+            </a:pPr>
+            <a:r>
+              <a:rPr lang="en-US" sz="2000" dirty="0">
+                <a:solidFill>
+                  <a:srgbClr val="FF0000"/>
+                </a:solidFill>
+              </a:rPr>
+              <a:t>use Jira and GitHub REST APIs + modules</a:t>
+            </a:r>
+          </a:p>
+          <a:p>
+            <a:pPr marL="765810" lvl="1">
+              <a:spcBef>
+                <a:spcPts val="0"/>
+              </a:spcBef>
+              <a:buFontTx/>
+              <a:buChar char="-"/>
+            </a:pPr>
+            <a:r>
+              <a:rPr lang="en-US" sz="2000" dirty="0">
+                <a:solidFill>
+                  <a:srgbClr val="FF0000"/>
+                </a:solidFill>
+              </a:rPr>
+              <a:t>e.g., </a:t>
+            </a:r>
+            <a:r>
+              <a:rPr lang="en-US" sz="2000" b="1" dirty="0" err="1">
+                <a:solidFill>
+                  <a:srgbClr val="FF0000"/>
+                </a:solidFill>
+              </a:rPr>
+              <a:t>jiragithub</a:t>
+            </a:r>
+            <a:r>
+              <a:rPr lang="en-US" sz="2000" b="1" dirty="0">
+                <a:solidFill>
+                  <a:srgbClr val="FF0000"/>
+                </a:solidFill>
+              </a:rPr>
+              <a:t> sync script (yes, it’s on GitHub)</a:t>
             </a:r>
           </a:p>
           <a:p>
@@ -4224,46 +4807,8 @@
             </a:pPr>
             <a:r>
               <a:rPr lang="en-US" sz="2800" dirty="0"/>
-              <a:t>Third-party Jira plug-ins (cloud, server)</a:t>
-            </a:r>
-          </a:p>
-          <a:p>
-            <a:pPr marL="765810" lvl="1">
-              <a:spcBef>
-                <a:spcPts val="0"/>
-              </a:spcBef>
-              <a:buFontTx/>
-              <a:buChar char="-"/>
-            </a:pPr>
-            <a:r>
-              <a:rPr lang="en-US" sz="2000" dirty="0">
-                <a:solidFill>
-                  <a:srgbClr val="FF0000"/>
-                </a:solidFill>
-              </a:rPr>
-              <a:t>e.g., </a:t>
-            </a:r>
-            <a:r>
-              <a:rPr lang="en-US" sz="2000" b="1" dirty="0">
-                <a:solidFill>
-                  <a:srgbClr val="FF0000"/>
-                </a:solidFill>
-              </a:rPr>
-              <a:t>Git Integration for Jira plug-in from </a:t>
-            </a:r>
-            <a:r>
-              <a:rPr lang="en-US" sz="2000" b="1" dirty="0" err="1">
-                <a:solidFill>
-                  <a:srgbClr val="FF0000"/>
-                </a:solidFill>
-              </a:rPr>
-              <a:t>BigBrassBand</a:t>
-            </a:r>
-            <a:endParaRPr lang="en-US" sz="2000" b="1" dirty="0">
-              <a:solidFill>
-                <a:srgbClr val="FF0000"/>
-              </a:solidFill>
-            </a:endParaRPr>
+              <a:t>Atlassian’s built-in integration (cloud, server)</a:t>
+            </a:r>
           </a:p>
           <a:p>
             <a:pPr marL="365760">
@@ -4275,57 +4820,7 @@
             </a:pPr>
             <a:r>
               <a:rPr lang="en-US" sz="2800" dirty="0"/>
-              <a:t>scripts (home-grown or OSS)</a:t>
-            </a:r>
-          </a:p>
-          <a:p>
-            <a:pPr marL="765810" lvl="1">
-              <a:spcBef>
-                <a:spcPts val="0"/>
-              </a:spcBef>
-              <a:buFontTx/>
-              <a:buChar char="-"/>
-            </a:pPr>
-            <a:r>
-              <a:rPr lang="en-US" sz="2000" dirty="0">
-                <a:solidFill>
-                  <a:srgbClr val="FF0000"/>
-                </a:solidFill>
-              </a:rPr>
-              <a:t>use Jira and GitHub REST APIs + modules</a:t>
-            </a:r>
-          </a:p>
-          <a:p>
-            <a:pPr marL="765810" lvl="1">
-              <a:spcBef>
-                <a:spcPts val="0"/>
-              </a:spcBef>
-              <a:buFontTx/>
-              <a:buChar char="-"/>
-            </a:pPr>
-            <a:r>
-              <a:rPr lang="en-US" sz="2000" dirty="0">
-                <a:solidFill>
-                  <a:srgbClr val="FF0000"/>
-                </a:solidFill>
-              </a:rPr>
-              <a:t>e.g., </a:t>
-            </a:r>
-            <a:r>
-              <a:rPr lang="en-US" sz="2000" b="1" dirty="0" err="1">
-                <a:solidFill>
-                  <a:srgbClr val="FF0000"/>
-                </a:solidFill>
-              </a:rPr>
-              <a:t>jiragithub</a:t>
-            </a:r>
-            <a:r>
-              <a:rPr lang="en-US" sz="2000" b="1" dirty="0">
-                <a:solidFill>
-                  <a:srgbClr val="FF0000"/>
-                </a:solidFill>
-              </a:rPr>
-              <a:t> sync script (yes, it’s on GitHub)</a:t>
+              <a:t>GitHub’s built-in integration (cloud)</a:t>
             </a:r>
           </a:p>
           <a:p>
@@ -4343,9 +4838,30 @@
               </a:spcBef>
               <a:buNone/>
             </a:pPr>
+            <a:endParaRPr lang="en-US" sz="1400" dirty="0"/>
+          </a:p>
+          <a:p>
+            <a:pPr marL="22860" indent="0">
+              <a:spcBef>
+                <a:spcPts val="0"/>
+              </a:spcBef>
+              <a:buNone/>
+            </a:pPr>
             <a:r>
               <a:rPr lang="en-US" sz="1400" dirty="0"/>
-              <a:t>* GitHub has “issue” functionality, but not a strong customizable workflow model, and their integration marketplace is not yet as mature as Atlassian’s</a:t>
+              <a:t>* using GitHub cloud specifically as an example - some products do not fully support GitHub Enterprise or third-party Git incarnations)</a:t>
+            </a:r>
+          </a:p>
+          <a:p>
+            <a:pPr marL="22860" indent="0">
+              <a:spcBef>
+                <a:spcPts val="0"/>
+              </a:spcBef>
+              <a:buNone/>
+            </a:pPr>
+            <a:r>
+              <a:rPr lang="en-US" sz="1400" dirty="0"/>
+              <a:t>** GitHub has “issue” functionality, but not a strong customizable workflow model, and their integration marketplace is not yet as mature as Atlassian’s</a:t>
             </a:r>
           </a:p>
           <a:p>
@@ -4368,6 +4884,351 @@
   <p:clrMapOvr>
     <a:masterClrMapping/>
   </p:clrMapOvr>
+  <p:timing>
+    <p:tnLst>
+      <p:par>
+        <p:cTn id="1" dur="indefinite" restart="never" nodeType="tmRoot">
+          <p:childTnLst>
+            <p:seq concurrent="1" nextAc="seek">
+              <p:cTn id="2" dur="indefinite" nodeType="mainSeq">
+                <p:childTnLst>
+                  <p:par>
+                    <p:cTn id="3" fill="hold">
+                      <p:stCondLst>
+                        <p:cond delay="indefinite"/>
+                      </p:stCondLst>
+                      <p:childTnLst>
+                        <p:par>
+                          <p:cTn id="4" fill="hold">
+                            <p:stCondLst>
+                              <p:cond delay="0"/>
+                            </p:stCondLst>
+                            <p:childTnLst>
+                              <p:par>
+                                <p:cTn id="5" presetID="1" presetClass="entr" presetSubtype="0" fill="hold" nodeType="clickEffect">
+                                  <p:stCondLst>
+                                    <p:cond delay="0"/>
+                                  </p:stCondLst>
+                                  <p:childTnLst>
+                                    <p:set>
+                                      <p:cBhvr>
+                                        <p:cTn id="6" dur="1" fill="hold">
+                                          <p:stCondLst>
+                                            <p:cond delay="0"/>
+                                          </p:stCondLst>
+                                        </p:cTn>
+                                        <p:tgtEl>
+                                          <p:spTgt spid="3">
+                                            <p:txEl>
+                                              <p:pRg st="0" end="0"/>
+                                            </p:txEl>
+                                          </p:spTgt>
+                                        </p:tgtEl>
+                                        <p:attrNameLst>
+                                          <p:attrName>style.visibility</p:attrName>
+                                        </p:attrNameLst>
+                                      </p:cBhvr>
+                                      <p:to>
+                                        <p:strVal val="visible"/>
+                                      </p:to>
+                                    </p:set>
+                                  </p:childTnLst>
+                                </p:cTn>
+                              </p:par>
+                              <p:par>
+                                <p:cTn id="7" presetID="1" presetClass="entr" presetSubtype="0" fill="hold" nodeType="withEffect">
+                                  <p:stCondLst>
+                                    <p:cond delay="0"/>
+                                  </p:stCondLst>
+                                  <p:childTnLst>
+                                    <p:set>
+                                      <p:cBhvr>
+                                        <p:cTn id="8" dur="1" fill="hold">
+                                          <p:stCondLst>
+                                            <p:cond delay="0"/>
+                                          </p:stCondLst>
+                                        </p:cTn>
+                                        <p:tgtEl>
+                                          <p:spTgt spid="3">
+                                            <p:txEl>
+                                              <p:pRg st="1" end="1"/>
+                                            </p:txEl>
+                                          </p:spTgt>
+                                        </p:tgtEl>
+                                        <p:attrNameLst>
+                                          <p:attrName>style.visibility</p:attrName>
+                                        </p:attrNameLst>
+                                      </p:cBhvr>
+                                      <p:to>
+                                        <p:strVal val="visible"/>
+                                      </p:to>
+                                    </p:set>
+                                  </p:childTnLst>
+                                </p:cTn>
+                              </p:par>
+                              <p:par>
+                                <p:cTn id="9" presetID="1" presetClass="entr" presetSubtype="0" fill="hold" nodeType="withEffect">
+                                  <p:stCondLst>
+                                    <p:cond delay="0"/>
+                                  </p:stCondLst>
+                                  <p:childTnLst>
+                                    <p:set>
+                                      <p:cBhvr>
+                                        <p:cTn id="10" dur="1" fill="hold">
+                                          <p:stCondLst>
+                                            <p:cond delay="0"/>
+                                          </p:stCondLst>
+                                        </p:cTn>
+                                        <p:tgtEl>
+                                          <p:spTgt spid="3">
+                                            <p:txEl>
+                                              <p:pRg st="2" end="2"/>
+                                            </p:txEl>
+                                          </p:spTgt>
+                                        </p:tgtEl>
+                                        <p:attrNameLst>
+                                          <p:attrName>style.visibility</p:attrName>
+                                        </p:attrNameLst>
+                                      </p:cBhvr>
+                                      <p:to>
+                                        <p:strVal val="visible"/>
+                                      </p:to>
+                                    </p:set>
+                                  </p:childTnLst>
+                                </p:cTn>
+                              </p:par>
+                              <p:par>
+                                <p:cTn id="11" presetID="1" presetClass="entr" presetSubtype="0" fill="hold" nodeType="withEffect">
+                                  <p:stCondLst>
+                                    <p:cond delay="0"/>
+                                  </p:stCondLst>
+                                  <p:childTnLst>
+                                    <p:set>
+                                      <p:cBhvr>
+                                        <p:cTn id="12" dur="1" fill="hold">
+                                          <p:stCondLst>
+                                            <p:cond delay="0"/>
+                                          </p:stCondLst>
+                                        </p:cTn>
+                                        <p:tgtEl>
+                                          <p:spTgt spid="3">
+                                            <p:txEl>
+                                              <p:pRg st="3" end="3"/>
+                                            </p:txEl>
+                                          </p:spTgt>
+                                        </p:tgtEl>
+                                        <p:attrNameLst>
+                                          <p:attrName>style.visibility</p:attrName>
+                                        </p:attrNameLst>
+                                      </p:cBhvr>
+                                      <p:to>
+                                        <p:strVal val="visible"/>
+                                      </p:to>
+                                    </p:set>
+                                  </p:childTnLst>
+                                </p:cTn>
+                              </p:par>
+                              <p:par>
+                                <p:cTn id="13" presetID="1" presetClass="entr" presetSubtype="0" fill="hold" nodeType="withEffect">
+                                  <p:stCondLst>
+                                    <p:cond delay="0"/>
+                                  </p:stCondLst>
+                                  <p:childTnLst>
+                                    <p:set>
+                                      <p:cBhvr>
+                                        <p:cTn id="14" dur="1" fill="hold">
+                                          <p:stCondLst>
+                                            <p:cond delay="0"/>
+                                          </p:stCondLst>
+                                        </p:cTn>
+                                        <p:tgtEl>
+                                          <p:spTgt spid="3">
+                                            <p:txEl>
+                                              <p:pRg st="4" end="4"/>
+                                            </p:txEl>
+                                          </p:spTgt>
+                                        </p:tgtEl>
+                                        <p:attrNameLst>
+                                          <p:attrName>style.visibility</p:attrName>
+                                        </p:attrNameLst>
+                                      </p:cBhvr>
+                                      <p:to>
+                                        <p:strVal val="visible"/>
+                                      </p:to>
+                                    </p:set>
+                                  </p:childTnLst>
+                                </p:cTn>
+                              </p:par>
+                            </p:childTnLst>
+                          </p:cTn>
+                        </p:par>
+                      </p:childTnLst>
+                    </p:cTn>
+                  </p:par>
+                  <p:par>
+                    <p:cTn id="15" fill="hold">
+                      <p:stCondLst>
+                        <p:cond delay="indefinite"/>
+                      </p:stCondLst>
+                      <p:childTnLst>
+                        <p:par>
+                          <p:cTn id="16" fill="hold">
+                            <p:stCondLst>
+                              <p:cond delay="0"/>
+                            </p:stCondLst>
+                            <p:childTnLst>
+                              <p:par>
+                                <p:cTn id="17" presetID="1" presetClass="entr" presetSubtype="0" fill="hold" nodeType="clickEffect">
+                                  <p:stCondLst>
+                                    <p:cond delay="0"/>
+                                  </p:stCondLst>
+                                  <p:childTnLst>
+                                    <p:set>
+                                      <p:cBhvr>
+                                        <p:cTn id="18" dur="1" fill="hold">
+                                          <p:stCondLst>
+                                            <p:cond delay="0"/>
+                                          </p:stCondLst>
+                                        </p:cTn>
+                                        <p:tgtEl>
+                                          <p:spTgt spid="3">
+                                            <p:txEl>
+                                              <p:pRg st="5" end="5"/>
+                                            </p:txEl>
+                                          </p:spTgt>
+                                        </p:tgtEl>
+                                        <p:attrNameLst>
+                                          <p:attrName>style.visibility</p:attrName>
+                                        </p:attrNameLst>
+                                      </p:cBhvr>
+                                      <p:to>
+                                        <p:strVal val="visible"/>
+                                      </p:to>
+                                    </p:set>
+                                  </p:childTnLst>
+                                </p:cTn>
+                              </p:par>
+                              <p:par>
+                                <p:cTn id="19" presetID="1" presetClass="entr" presetSubtype="0" fill="hold" nodeType="withEffect">
+                                  <p:stCondLst>
+                                    <p:cond delay="0"/>
+                                  </p:stCondLst>
+                                  <p:childTnLst>
+                                    <p:set>
+                                      <p:cBhvr>
+                                        <p:cTn id="20" dur="1" fill="hold">
+                                          <p:stCondLst>
+                                            <p:cond delay="0"/>
+                                          </p:stCondLst>
+                                        </p:cTn>
+                                        <p:tgtEl>
+                                          <p:spTgt spid="3">
+                                            <p:txEl>
+                                              <p:pRg st="6" end="6"/>
+                                            </p:txEl>
+                                          </p:spTgt>
+                                        </p:tgtEl>
+                                        <p:attrNameLst>
+                                          <p:attrName>style.visibility</p:attrName>
+                                        </p:attrNameLst>
+                                      </p:cBhvr>
+                                      <p:to>
+                                        <p:strVal val="visible"/>
+                                      </p:to>
+                                    </p:set>
+                                  </p:childTnLst>
+                                </p:cTn>
+                              </p:par>
+                              <p:par>
+                                <p:cTn id="21" presetID="1" presetClass="entr" presetSubtype="0" fill="hold" nodeType="withEffect">
+                                  <p:stCondLst>
+                                    <p:cond delay="0"/>
+                                  </p:stCondLst>
+                                  <p:childTnLst>
+                                    <p:set>
+                                      <p:cBhvr>
+                                        <p:cTn id="22" dur="1" fill="hold">
+                                          <p:stCondLst>
+                                            <p:cond delay="0"/>
+                                          </p:stCondLst>
+                                        </p:cTn>
+                                        <p:tgtEl>
+                                          <p:spTgt spid="3">
+                                            <p:txEl>
+                                              <p:pRg st="9" end="9"/>
+                                            </p:txEl>
+                                          </p:spTgt>
+                                        </p:tgtEl>
+                                        <p:attrNameLst>
+                                          <p:attrName>style.visibility</p:attrName>
+                                        </p:attrNameLst>
+                                      </p:cBhvr>
+                                      <p:to>
+                                        <p:strVal val="visible"/>
+                                      </p:to>
+                                    </p:set>
+                                  </p:childTnLst>
+                                </p:cTn>
+                              </p:par>
+                              <p:par>
+                                <p:cTn id="23" presetID="1" presetClass="entr" presetSubtype="0" fill="hold" nodeType="withEffect">
+                                  <p:stCondLst>
+                                    <p:cond delay="0"/>
+                                  </p:stCondLst>
+                                  <p:childTnLst>
+                                    <p:set>
+                                      <p:cBhvr>
+                                        <p:cTn id="24" dur="1" fill="hold">
+                                          <p:stCondLst>
+                                            <p:cond delay="0"/>
+                                          </p:stCondLst>
+                                        </p:cTn>
+                                        <p:tgtEl>
+                                          <p:spTgt spid="3">
+                                            <p:txEl>
+                                              <p:pRg st="10" end="10"/>
+                                            </p:txEl>
+                                          </p:spTgt>
+                                        </p:tgtEl>
+                                        <p:attrNameLst>
+                                          <p:attrName>style.visibility</p:attrName>
+                                        </p:attrNameLst>
+                                      </p:cBhvr>
+                                      <p:to>
+                                        <p:strVal val="visible"/>
+                                      </p:to>
+                                    </p:set>
+                                  </p:childTnLst>
+                                </p:cTn>
+                              </p:par>
+                            </p:childTnLst>
+                          </p:cTn>
+                        </p:par>
+                      </p:childTnLst>
+                    </p:cTn>
+                  </p:par>
+                </p:childTnLst>
+              </p:cTn>
+              <p:prevCondLst>
+                <p:cond evt="onPrev" delay="0">
+                  <p:tgtEl>
+                    <p:sldTgt/>
+                  </p:tgtEl>
+                </p:cond>
+              </p:prevCondLst>
+              <p:nextCondLst>
+                <p:cond evt="onNext" delay="0">
+                  <p:tgtEl>
+                    <p:sldTgt/>
+                  </p:tgtEl>
+                </p:cond>
+              </p:nextCondLst>
+            </p:seq>
+          </p:childTnLst>
+        </p:cTn>
+      </p:par>
+    </p:tnLst>
+  </p:timing>
 </p:sld>
 </file>
 
@@ -4444,14 +5305,14 @@
             <p:ph idx="1"/>
             <p:extLst>
               <p:ext uri="{D42A27DB-BD31-4B8C-83A1-F6EECF244321}">
-                <p14:modId xmlns:p14="http://schemas.microsoft.com/office/powerpoint/2010/main" val="111050881"/>
+                <p14:modId xmlns:p14="http://schemas.microsoft.com/office/powerpoint/2010/main" val="760849261"/>
               </p:ext>
             </p:extLst>
           </p:nvPr>
         </p:nvGraphicFramePr>
         <p:xfrm>
           <a:off x="457200" y="1417638"/>
-          <a:ext cx="8229600" cy="4685634"/>
+          <a:ext cx="8229600" cy="4525961"/>
         </p:xfrm>
         <a:graphic>
           <a:graphicData uri="http://schemas.openxmlformats.org/drawingml/2006/table">
@@ -4467,14 +5328,14 @@
                     </a:ext>
                   </a:extLst>
                 </a:gridCol>
-                <a:gridCol w="3886200">
+                <a:gridCol w="3962400">
                   <a:extLst>
                     <a:ext uri="{9D8B030D-6E8A-4147-A177-3AD203B41FA5}">
                       <a16:colId xmlns:a16="http://schemas.microsoft.com/office/drawing/2014/main" val="663025966"/>
                     </a:ext>
                   </a:extLst>
                 </a:gridCol>
-                <a:gridCol w="3124200">
+                <a:gridCol w="3048000">
                   <a:extLst>
                     <a:ext uri="{9D8B030D-6E8A-4147-A177-3AD203B41FA5}">
                       <a16:colId xmlns:a16="http://schemas.microsoft.com/office/drawing/2014/main" val="136273586"/>
@@ -4482,7 +5343,7 @@
                   </a:extLst>
                 </a:gridCol>
               </a:tblGrid>
-              <a:tr h="516687">
+              <a:tr h="625422">
                 <a:tc>
                   <a:txBody>
                     <a:bodyPr/>
@@ -4530,7 +5391,7 @@
                   </a:ext>
                 </a:extLst>
               </a:tr>
-              <a:tr h="2561475">
+              <a:tr h="1954781">
                 <a:tc>
                   <a:txBody>
                     <a:bodyPr/>
@@ -4575,7 +5436,7 @@
                             <a:srgbClr val="00B050"/>
                           </a:solidFill>
                         </a:rPr>
-                        <a:t>typically better integrated into the Jira UI</a:t>
+                        <a:t>typically better integrated into Jira UI</a:t>
                       </a:r>
                     </a:p>
                     <a:p>
@@ -4593,12 +5454,66 @@
                       </a:r>
                     </a:p>
                     <a:p>
+                      <a:pPr marL="285750" marR="0" lvl="0" indent="-285750" algn="l" defTabSz="914400" rtl="0" eaLnBrk="1" fontAlgn="auto" latinLnBrk="0" hangingPunct="1">
+                        <a:lnSpc>
+                          <a:spcPct val="100000"/>
+                        </a:lnSpc>
+                        <a:spcBef>
+                          <a:spcPts val="0"/>
+                        </a:spcBef>
+                        <a:spcAft>
+                          <a:spcPts val="0"/>
+                        </a:spcAft>
+                        <a:buClrTx/>
+                        <a:buSzTx/>
+                        <a:buFont typeface="Arial" panose="020B0604020202020204" pitchFamily="34" charset="0"/>
+                        <a:buChar char="•"/>
+                        <a:tabLst/>
+                        <a:defRPr/>
+                      </a:pPr>
+                      <a:r>
+                        <a:rPr lang="en-US" sz="1600" b="1" dirty="0">
+                          <a:solidFill>
+                            <a:srgbClr val="00B050"/>
+                          </a:solidFill>
+                        </a:rPr>
+                        <a:t>vendor support</a:t>
+                      </a:r>
+                    </a:p>
+                    <a:p>
+                      <a:pPr marL="285750" marR="0" lvl="0" indent="-285750" algn="l" defTabSz="914400" rtl="0" eaLnBrk="1" fontAlgn="auto" latinLnBrk="0" hangingPunct="1">
+                        <a:lnSpc>
+                          <a:spcPct val="100000"/>
+                        </a:lnSpc>
+                        <a:spcBef>
+                          <a:spcPts val="0"/>
+                        </a:spcBef>
+                        <a:spcAft>
+                          <a:spcPts val="0"/>
+                        </a:spcAft>
+                        <a:buClrTx/>
+                        <a:buSzTx/>
+                        <a:buFont typeface="Arial" panose="020B0604020202020204" pitchFamily="34" charset="0"/>
+                        <a:buChar char="•"/>
+                        <a:tabLst/>
+                        <a:defRPr/>
+                      </a:pPr>
+                      <a:r>
+                        <a:rPr lang="en-US" sz="1200" b="0" dirty="0">
+                          <a:solidFill>
+                            <a:schemeClr val="tx1"/>
+                          </a:solidFill>
+                        </a:rPr>
+                        <a:t>runs all the time - quick updates</a:t>
+                      </a:r>
+                    </a:p>
+                    <a:p>
                       <a:pPr marL="285750" indent="-285750">
                         <a:buFont typeface="Arial" panose="020B0604020202020204" pitchFamily="34" charset="0"/>
                         <a:buChar char="•"/>
                       </a:pPr>
                       <a:r>
-                        <a:rPr lang="en-US" sz="1600" dirty="0"/>
+                        <a:rPr lang="en-US" sz="1200" dirty="0"/>
                         <a:t>repo indexing handled on Jira server side</a:t>
                       </a:r>
                     </a:p>
@@ -4608,22 +5523,8 @@
                         <a:buChar char="•"/>
                       </a:pPr>
                       <a:r>
-                        <a:rPr lang="en-US" sz="1600" dirty="0"/>
+                        <a:rPr lang="en-US" sz="1200" dirty="0"/>
                         <a:t>can use Jira permissions to control actions </a:t>
-                      </a:r>
-                    </a:p>
-                    <a:p>
-                      <a:pPr marL="285750" indent="-285750">
-                        <a:buFont typeface="Arial" panose="020B0604020202020204" pitchFamily="34" charset="0"/>
-                        <a:buChar char="•"/>
-                      </a:pPr>
-                      <a:r>
-                        <a:rPr lang="en-US" sz="1600" b="1" dirty="0">
-                          <a:solidFill>
-                            <a:srgbClr val="00B050"/>
-                          </a:solidFill>
-                        </a:rPr>
-                        <a:t>vendor support</a:t>
                       </a:r>
                     </a:p>
                   </a:txBody>
@@ -4662,7 +5563,7 @@
                             <a:srgbClr val="FF0000"/>
                           </a:solidFill>
                         </a:rPr>
-                        <a:t>stability concerns?</a:t>
+                        <a:t>stability is a major concern</a:t>
                       </a:r>
                     </a:p>
                     <a:p>
@@ -4685,7 +5586,7 @@
                         <a:buChar char="•"/>
                       </a:pPr>
                       <a:r>
-                        <a:rPr lang="en-US" sz="1600" dirty="0"/>
+                        <a:rPr lang="en-US" sz="1200" dirty="0"/>
                         <a:t>can change Jira settings + add custom fields</a:t>
                       </a:r>
                     </a:p>
@@ -4702,7 +5603,7 @@
                   </a:ext>
                 </a:extLst>
               </a:tr>
-              <a:tr h="1607472">
+              <a:tr h="1945758">
                 <a:tc>
                   <a:txBody>
                     <a:bodyPr/>
@@ -4741,7 +5642,7 @@
                             <a:srgbClr val="00B050"/>
                           </a:solidFill>
                         </a:rPr>
-                        <a:t>no license cost (!= free)</a:t>
+                        <a:t>no license cost (but != free)</a:t>
                       </a:r>
                     </a:p>
                     <a:p>
@@ -4755,13 +5656,26 @@
                             <a:srgbClr val="00B050"/>
                           </a:solidFill>
                         </a:rPr>
-                        <a:t>stability not a big concern</a:t>
+                        <a:t>stability not a major concern</a:t>
                       </a:r>
                     </a:p>
                     <a:p>
-                      <a:pPr marL="285750" indent="-285750">
+                      <a:pPr marL="285750" marR="0" lvl="0" indent="-285750" algn="l" defTabSz="914400" rtl="0" eaLnBrk="1" fontAlgn="auto" latinLnBrk="0" hangingPunct="1">
+                        <a:lnSpc>
+                          <a:spcPct val="100000"/>
+                        </a:lnSpc>
+                        <a:spcBef>
+                          <a:spcPts val="0"/>
+                        </a:spcBef>
+                        <a:spcAft>
+                          <a:spcPts val="0"/>
+                        </a:spcAft>
+                        <a:buClrTx/>
+                        <a:buSzTx/>
                         <a:buFont typeface="Arial" panose="020B0604020202020204" pitchFamily="34" charset="0"/>
                         <a:buChar char="•"/>
+                        <a:tabLst/>
+                        <a:defRPr/>
                       </a:pPr>
                       <a:r>
                         <a:rPr lang="en-US" sz="1600" b="1" dirty="0">
@@ -4778,7 +5692,21 @@
                         <a:buChar char="•"/>
                       </a:pPr>
                       <a:r>
-                        <a:rPr lang="en-US" sz="1600" dirty="0">
+                        <a:rPr lang="en-US" sz="1200" b="0" dirty="0">
+                          <a:solidFill>
+                            <a:schemeClr val="tx1"/>
+                          </a:solidFill>
+                        </a:rPr>
+                        <a:t>can run just once a day manually, e.g., after offshore team leaves for the day</a:t>
+                      </a:r>
+                    </a:p>
+                    <a:p>
+                      <a:pPr marL="285750" indent="-285750">
+                        <a:buFont typeface="Arial" panose="020B0604020202020204" pitchFamily="34" charset="0"/>
+                        <a:buChar char="•"/>
+                      </a:pPr>
+                      <a:r>
+                        <a:rPr lang="en-US" sz="1200" b="0" dirty="0">
                           <a:solidFill>
                             <a:schemeClr val="tx1"/>
                           </a:solidFill>
@@ -4817,7 +5745,34 @@
                         <a:buChar char="•"/>
                       </a:pPr>
                       <a:r>
-                        <a:rPr lang="en-US" sz="1600" dirty="0"/>
+                        <a:rPr lang="en-US" sz="1600" b="1" dirty="0">
+                          <a:solidFill>
+                            <a:srgbClr val="FF0000"/>
+                          </a:solidFill>
+                        </a:rPr>
+                        <a:t>Less well-integrated into Jira UI</a:t>
+                      </a:r>
+                    </a:p>
+                    <a:p>
+                      <a:pPr marL="285750" marR="0" lvl="0" indent="-285750" algn="l" defTabSz="914400" rtl="0" eaLnBrk="1" fontAlgn="auto" latinLnBrk="0" hangingPunct="1">
+                        <a:lnSpc>
+                          <a:spcPct val="100000"/>
+                        </a:lnSpc>
+                        <a:spcBef>
+                          <a:spcPts val="0"/>
+                        </a:spcBef>
+                        <a:spcAft>
+                          <a:spcPts val="0"/>
+                        </a:spcAft>
+                        <a:buClrTx/>
+                        <a:buSzTx/>
+                        <a:buFont typeface="Arial" panose="020B0604020202020204" pitchFamily="34" charset="0"/>
+                        <a:buChar char="•"/>
+                        <a:tabLst/>
+                        <a:defRPr/>
+                      </a:pPr>
+                      <a:r>
+                        <a:rPr lang="en-US" sz="1200" dirty="0"/>
                         <a:t>no permissions model</a:t>
                       </a:r>
                     </a:p>
@@ -4827,21 +5782,7 @@
                         <a:buChar char="•"/>
                       </a:pPr>
                       <a:r>
-                        <a:rPr lang="en-US" sz="1600" b="1" dirty="0">
-                          <a:solidFill>
-                            <a:srgbClr val="FF0000"/>
-                          </a:solidFill>
-                        </a:rPr>
-                        <a:t>Less well-integrated into Jira UI</a:t>
-                      </a:r>
-                    </a:p>
-                    <a:p>
-                      <a:pPr marL="285750" indent="-285750">
-                        <a:buFont typeface="Arial" panose="020B0604020202020204" pitchFamily="34" charset="0"/>
-                        <a:buChar char="•"/>
-                      </a:pPr>
-                      <a:r>
-                        <a:rPr lang="en-US" sz="1600" dirty="0"/>
+                        <a:rPr lang="en-US" sz="1200" dirty="0"/>
                         <a:t>need to rack up and run yourself</a:t>
                       </a:r>
                     </a:p>
@@ -4910,267 +5851,6 @@
 </file>
 
 <file path=ppt/slides/slide6.xml><?xml version="1.0" encoding="utf-8"?>
-<p:sld xmlns:a="http://schemas.openxmlformats.org/drawingml/2006/main" xmlns:r="http://schemas.openxmlformats.org/officeDocument/2006/relationships" xmlns:p="http://schemas.openxmlformats.org/presentationml/2006/main">
-  <p:cSld>
-    <p:bg>
-      <p:bgPr>
-        <a:solidFill>
-          <a:schemeClr val="accent1">
-            <a:lumMod val="20000"/>
-            <a:lumOff val="80000"/>
-          </a:schemeClr>
-        </a:solidFill>
-        <a:effectLst/>
-      </p:bgPr>
-    </p:bg>
-    <p:spTree>
-      <p:nvGrpSpPr>
-        <p:cNvPr id="1" name=""/>
-        <p:cNvGrpSpPr/>
-        <p:nvPr/>
-      </p:nvGrpSpPr>
-      <p:grpSpPr>
-        <a:xfrm>
-          <a:off x="0" y="0"/>
-          <a:ext cx="0" cy="0"/>
-          <a:chOff x="0" y="0"/>
-          <a:chExt cx="0" cy="0"/>
-        </a:xfrm>
-      </p:grpSpPr>
-      <p:sp>
-        <p:nvSpPr>
-          <p:cNvPr id="2" name="Title 1"/>
-          <p:cNvSpPr>
-            <a:spLocks noGrp="1"/>
-          </p:cNvSpPr>
-          <p:nvPr>
-            <p:ph type="title"/>
-          </p:nvPr>
-        </p:nvSpPr>
-        <p:spPr>
-          <a:xfrm>
-            <a:off x="457200" y="274638"/>
-            <a:ext cx="8229600" cy="1143000"/>
-          </a:xfrm>
-        </p:spPr>
-        <p:txBody>
-          <a:bodyPr>
-            <a:noAutofit/>
-          </a:bodyPr>
-          <a:lstStyle/>
-          <a:p>
-            <a:r>
-              <a:rPr lang="en-US" sz="2800" b="1" dirty="0"/>
-              <a:t>Git Integration for Jira</a:t>
-            </a:r>
-            <a:r>
-              <a:rPr lang="en-US" sz="2800" dirty="0"/>
-              <a:t> plug-in from </a:t>
-            </a:r>
-            <a:r>
-              <a:rPr lang="en-US" sz="2800" dirty="0" err="1"/>
-              <a:t>BigBrassBand</a:t>
-            </a:r>
-            <a:br>
-              <a:rPr lang="en-US" sz="2800" dirty="0"/>
-            </a:br>
-            <a:r>
-              <a:rPr lang="en-US" sz="2800" dirty="0"/>
-              <a:t>Features</a:t>
-            </a:r>
-            <a:endParaRPr lang="en-US" sz="3200" dirty="0"/>
-          </a:p>
-        </p:txBody>
-      </p:sp>
-      <p:sp>
-        <p:nvSpPr>
-          <p:cNvPr id="4" name="Content Placeholder 2">
-            <a:extLst>
-              <a:ext uri="{FF2B5EF4-FFF2-40B4-BE49-F238E27FC236}">
-                <a16:creationId xmlns:a16="http://schemas.microsoft.com/office/drawing/2014/main" id="{28AD2EA2-2568-4015-953C-72DE05BE5540}"/>
-              </a:ext>
-            </a:extLst>
-          </p:cNvPr>
-          <p:cNvSpPr>
-            <a:spLocks noGrp="1"/>
-          </p:cNvSpPr>
-          <p:nvPr>
-            <p:ph idx="1"/>
-          </p:nvPr>
-        </p:nvSpPr>
-        <p:spPr>
-          <a:xfrm>
-            <a:off x="457200" y="1600200"/>
-            <a:ext cx="8229600" cy="4983162"/>
-          </a:xfrm>
-        </p:spPr>
-        <p:txBody>
-          <a:bodyPr>
-            <a:noAutofit/>
-          </a:bodyPr>
-          <a:lstStyle/>
-          <a:p>
-            <a:pPr marL="365760">
-              <a:spcBef>
-                <a:spcPts val="0"/>
-              </a:spcBef>
-            </a:pPr>
-            <a:r>
-              <a:rPr lang="en-US" sz="2000" dirty="0"/>
-              <a:t>View Git commit information in Jira</a:t>
-            </a:r>
-          </a:p>
-          <a:p>
-            <a:pPr marL="365760">
-              <a:spcBef>
-                <a:spcPts val="0"/>
-              </a:spcBef>
-            </a:pPr>
-            <a:r>
-              <a:rPr lang="en-US" sz="2000" dirty="0"/>
-              <a:t>“Smart Commits” – add comments, transition issues etc. via commit messages</a:t>
-            </a:r>
-          </a:p>
-          <a:p>
-            <a:pPr marL="365760">
-              <a:spcBef>
-                <a:spcPts val="0"/>
-              </a:spcBef>
-            </a:pPr>
-            <a:r>
-              <a:rPr lang="en-US" sz="2000" dirty="0"/>
-              <a:t>Manually associate commits when needed</a:t>
-            </a:r>
-          </a:p>
-          <a:p>
-            <a:pPr marL="365760">
-              <a:spcBef>
-                <a:spcPts val="0"/>
-              </a:spcBef>
-            </a:pPr>
-            <a:r>
-              <a:rPr lang="en-US" sz="2000" dirty="0"/>
-              <a:t>Direct links to branches and commits</a:t>
-            </a:r>
-          </a:p>
-          <a:p>
-            <a:pPr marL="365760">
-              <a:spcBef>
-                <a:spcPts val="0"/>
-              </a:spcBef>
-            </a:pPr>
-            <a:r>
-              <a:rPr lang="en-US" sz="2000" dirty="0"/>
-              <a:t>Git-specific JQL fields (</a:t>
-            </a:r>
-            <a:r>
-              <a:rPr lang="en-US" sz="2000" dirty="0" err="1"/>
-              <a:t>gitCommitsReferenced</a:t>
-            </a:r>
-            <a:r>
-              <a:rPr lang="en-US" sz="2000" dirty="0"/>
-              <a:t>, </a:t>
-            </a:r>
-            <a:r>
-              <a:rPr lang="en-US" sz="2000" dirty="0" err="1"/>
-              <a:t>gitBranch</a:t>
-            </a:r>
-            <a:r>
-              <a:rPr lang="en-US" sz="2000" dirty="0"/>
-              <a:t>)</a:t>
-            </a:r>
-          </a:p>
-          <a:p>
-            <a:pPr marL="365760">
-              <a:spcBef>
-                <a:spcPts val="0"/>
-              </a:spcBef>
-            </a:pPr>
-            <a:r>
-              <a:rPr lang="en-US" sz="2000" dirty="0"/>
-              <a:t>Create branches from Jira</a:t>
-            </a:r>
-          </a:p>
-          <a:p>
-            <a:pPr marL="365760">
-              <a:spcBef>
-                <a:spcPts val="0"/>
-              </a:spcBef>
-            </a:pPr>
-            <a:r>
-              <a:rPr lang="en-US" sz="2000" dirty="0"/>
-              <a:t>Create pull requests from Jira</a:t>
-            </a:r>
-          </a:p>
-          <a:p>
-            <a:pPr marL="365760">
-              <a:spcBef>
-                <a:spcPts val="0"/>
-              </a:spcBef>
-            </a:pPr>
-            <a:r>
-              <a:rPr lang="en-US" sz="2000" dirty="0"/>
-              <a:t>Permissions model to control source code access from Jira</a:t>
-            </a:r>
-          </a:p>
-          <a:p>
-            <a:pPr marL="365760">
-              <a:spcBef>
-                <a:spcPts val="0"/>
-              </a:spcBef>
-            </a:pPr>
-            <a:r>
-              <a:rPr lang="en-US" sz="2000" dirty="0">
-                <a:solidFill>
-                  <a:srgbClr val="FF0000"/>
-                </a:solidFill>
-              </a:rPr>
-              <a:t>My recommended option, if you choose to go the plug-in route</a:t>
-            </a:r>
-          </a:p>
-          <a:p>
-            <a:pPr marL="365760">
-              <a:spcBef>
-                <a:spcPts val="0"/>
-              </a:spcBef>
-            </a:pPr>
-            <a:r>
-              <a:rPr lang="en-US" sz="2000" dirty="0">
-                <a:hlinkClick r:id="rId2"/>
-              </a:rPr>
-              <a:t>https://bigbrassband.com</a:t>
-            </a:r>
-            <a:endParaRPr lang="en-US" sz="2000" dirty="0"/>
-          </a:p>
-          <a:p>
-            <a:pPr marL="22860" indent="0">
-              <a:spcBef>
-                <a:spcPts val="0"/>
-              </a:spcBef>
-              <a:buNone/>
-            </a:pPr>
-            <a:endParaRPr lang="en-US" sz="2000" dirty="0">
-              <a:solidFill>
-                <a:srgbClr val="FF0000"/>
-              </a:solidFill>
-            </a:endParaRPr>
-          </a:p>
-        </p:txBody>
-      </p:sp>
-    </p:spTree>
-    <p:extLst>
-      <p:ext uri="{BB962C8B-B14F-4D97-AF65-F5344CB8AC3E}">
-        <p14:creationId xmlns:p14="http://schemas.microsoft.com/office/powerpoint/2010/main" val="641919687"/>
-      </p:ext>
-    </p:extLst>
-  </p:cSld>
-  <p:clrMapOvr>
-    <a:masterClrMapping/>
-  </p:clrMapOvr>
-</p:sld>
-</file>
-
-<file path=ppt/slides/slide7.xml><?xml version="1.0" encoding="utf-8"?>
 <p:sld xmlns:a="http://schemas.openxmlformats.org/drawingml/2006/main" xmlns:r="http://schemas.openxmlformats.org/officeDocument/2006/relationships" xmlns:p="http://schemas.openxmlformats.org/presentationml/2006/main">
   <p:cSld>
     <p:bg>
@@ -5285,6 +5965,278 @@
 </p:sld>
 </file>
 
+<file path=ppt/slides/slide7.xml><?xml version="1.0" encoding="utf-8"?>
+<p:sld xmlns:a="http://schemas.openxmlformats.org/drawingml/2006/main" xmlns:r="http://schemas.openxmlformats.org/officeDocument/2006/relationships" xmlns:p="http://schemas.openxmlformats.org/presentationml/2006/main">
+  <p:cSld>
+    <p:bg>
+      <p:bgPr>
+        <a:solidFill>
+          <a:schemeClr val="accent1">
+            <a:lumMod val="20000"/>
+            <a:lumOff val="80000"/>
+          </a:schemeClr>
+        </a:solidFill>
+        <a:effectLst/>
+      </p:bgPr>
+    </p:bg>
+    <p:spTree>
+      <p:nvGrpSpPr>
+        <p:cNvPr id="1" name=""/>
+        <p:cNvGrpSpPr/>
+        <p:nvPr/>
+      </p:nvGrpSpPr>
+      <p:grpSpPr>
+        <a:xfrm>
+          <a:off x="0" y="0"/>
+          <a:ext cx="0" cy="0"/>
+          <a:chOff x="0" y="0"/>
+          <a:chExt cx="0" cy="0"/>
+        </a:xfrm>
+      </p:grpSpPr>
+      <p:sp>
+        <p:nvSpPr>
+          <p:cNvPr id="2" name="Title 1"/>
+          <p:cNvSpPr>
+            <a:spLocks noGrp="1"/>
+          </p:cNvSpPr>
+          <p:nvPr>
+            <p:ph type="title"/>
+          </p:nvPr>
+        </p:nvSpPr>
+        <p:spPr>
+          <a:xfrm>
+            <a:off x="457200" y="274638"/>
+            <a:ext cx="8229600" cy="1143000"/>
+          </a:xfrm>
+        </p:spPr>
+        <p:txBody>
+          <a:bodyPr>
+            <a:noAutofit/>
+          </a:bodyPr>
+          <a:lstStyle/>
+          <a:p>
+            <a:r>
+              <a:rPr lang="en-US" sz="2800" b="1" dirty="0"/>
+              <a:t>Git Integration for Jira</a:t>
+            </a:r>
+            <a:r>
+              <a:rPr lang="en-US" sz="2800" dirty="0"/>
+              <a:t> plug-in from </a:t>
+            </a:r>
+            <a:r>
+              <a:rPr lang="en-US" sz="2800" dirty="0" err="1"/>
+              <a:t>BigBrassBand</a:t>
+            </a:r>
+            <a:br>
+              <a:rPr lang="en-US" sz="2800" dirty="0"/>
+            </a:br>
+            <a:r>
+              <a:rPr lang="en-US" sz="2800" dirty="0"/>
+              <a:t>Features</a:t>
+            </a:r>
+            <a:endParaRPr lang="en-US" sz="3200" dirty="0"/>
+          </a:p>
+        </p:txBody>
+      </p:sp>
+      <p:sp>
+        <p:nvSpPr>
+          <p:cNvPr id="4" name="Content Placeholder 2">
+            <a:extLst>
+              <a:ext uri="{FF2B5EF4-FFF2-40B4-BE49-F238E27FC236}">
+                <a16:creationId xmlns:a16="http://schemas.microsoft.com/office/drawing/2014/main" id="{28AD2EA2-2568-4015-953C-72DE05BE5540}"/>
+              </a:ext>
+            </a:extLst>
+          </p:cNvPr>
+          <p:cNvSpPr>
+            <a:spLocks noGrp="1"/>
+          </p:cNvSpPr>
+          <p:nvPr>
+            <p:ph idx="1"/>
+          </p:nvPr>
+        </p:nvSpPr>
+        <p:spPr>
+          <a:xfrm>
+            <a:off x="457200" y="1600200"/>
+            <a:ext cx="8229600" cy="4983162"/>
+          </a:xfrm>
+        </p:spPr>
+        <p:txBody>
+          <a:bodyPr>
+            <a:noAutofit/>
+          </a:bodyPr>
+          <a:lstStyle/>
+          <a:p>
+            <a:pPr marL="365760">
+              <a:spcBef>
+                <a:spcPts val="0"/>
+              </a:spcBef>
+            </a:pPr>
+            <a:r>
+              <a:rPr lang="en-US" sz="2000" dirty="0"/>
+              <a:t>View Git commit/branch information in Jira</a:t>
+            </a:r>
+          </a:p>
+          <a:p>
+            <a:pPr marL="365760">
+              <a:spcBef>
+                <a:spcPts val="0"/>
+              </a:spcBef>
+            </a:pPr>
+            <a:r>
+              <a:rPr lang="en-US" sz="2000" dirty="0"/>
+              <a:t>Places information in separate tab next to Comments, Work Log</a:t>
+            </a:r>
+          </a:p>
+          <a:p>
+            <a:pPr marL="365760">
+              <a:spcBef>
+                <a:spcPts val="0"/>
+              </a:spcBef>
+            </a:pPr>
+            <a:r>
+              <a:rPr lang="en-US" sz="2000" dirty="0"/>
+              <a:t>“Smart Commits” – add comments, transition issues etc. via commit messages</a:t>
+            </a:r>
+          </a:p>
+          <a:p>
+            <a:pPr marL="365760">
+              <a:spcBef>
+                <a:spcPts val="0"/>
+              </a:spcBef>
+            </a:pPr>
+            <a:r>
+              <a:rPr lang="en-US" sz="2000" dirty="0"/>
+              <a:t>Manually associate commits with issues when needed</a:t>
+            </a:r>
+          </a:p>
+          <a:p>
+            <a:pPr marL="365760">
+              <a:spcBef>
+                <a:spcPts val="0"/>
+              </a:spcBef>
+            </a:pPr>
+            <a:r>
+              <a:rPr lang="en-US" sz="2000" dirty="0"/>
+              <a:t>Direct links to branches and commits</a:t>
+            </a:r>
+          </a:p>
+          <a:p>
+            <a:pPr marL="365760">
+              <a:spcBef>
+                <a:spcPts val="0"/>
+              </a:spcBef>
+            </a:pPr>
+            <a:r>
+              <a:rPr lang="en-US" sz="2000" dirty="0"/>
+              <a:t>Git-specific JQL fields (</a:t>
+            </a:r>
+            <a:r>
+              <a:rPr lang="en-US" sz="2000" dirty="0" err="1"/>
+              <a:t>gitCommitsReferenced</a:t>
+            </a:r>
+            <a:r>
+              <a:rPr lang="en-US" sz="2000" dirty="0"/>
+              <a:t>, </a:t>
+            </a:r>
+            <a:r>
+              <a:rPr lang="en-US" sz="2000" dirty="0" err="1"/>
+              <a:t>gitBranch</a:t>
+            </a:r>
+            <a:r>
+              <a:rPr lang="en-US" sz="2000" dirty="0"/>
+              <a:t>)</a:t>
+            </a:r>
+          </a:p>
+          <a:p>
+            <a:pPr marL="365760">
+              <a:spcBef>
+                <a:spcPts val="0"/>
+              </a:spcBef>
+            </a:pPr>
+            <a:r>
+              <a:rPr lang="en-US" sz="2000" dirty="0"/>
+              <a:t>Create branches from Jira</a:t>
+            </a:r>
+          </a:p>
+          <a:p>
+            <a:pPr marL="365760">
+              <a:spcBef>
+                <a:spcPts val="0"/>
+              </a:spcBef>
+            </a:pPr>
+            <a:r>
+              <a:rPr lang="en-US" sz="2000" dirty="0"/>
+              <a:t>Create pull requests from Jira</a:t>
+            </a:r>
+          </a:p>
+          <a:p>
+            <a:pPr marL="365760">
+              <a:spcBef>
+                <a:spcPts val="0"/>
+              </a:spcBef>
+            </a:pPr>
+            <a:r>
+              <a:rPr lang="en-US" sz="2000" dirty="0"/>
+              <a:t>Permissions model to control viewing Git data from Jira</a:t>
+            </a:r>
+          </a:p>
+          <a:p>
+            <a:pPr marL="365760">
+              <a:spcBef>
+                <a:spcPts val="0"/>
+              </a:spcBef>
+            </a:pPr>
+            <a:r>
+              <a:rPr lang="en-US" sz="2000" dirty="0">
+                <a:solidFill>
+                  <a:srgbClr val="FF0000"/>
+                </a:solidFill>
+              </a:rPr>
+              <a:t>My recommended option, if you choose to go the plug-in route</a:t>
+            </a:r>
+          </a:p>
+          <a:p>
+            <a:pPr marL="365760">
+              <a:spcBef>
+                <a:spcPts val="0"/>
+              </a:spcBef>
+            </a:pPr>
+            <a:r>
+              <a:rPr lang="en-US" sz="2000" dirty="0">
+                <a:hlinkClick r:id="rId2"/>
+              </a:rPr>
+              <a:t>https://bigbrassband.com</a:t>
+            </a:r>
+            <a:endParaRPr lang="en-US" sz="2000" dirty="0"/>
+          </a:p>
+          <a:p>
+            <a:pPr marL="22860" indent="0">
+              <a:spcBef>
+                <a:spcPts val="0"/>
+              </a:spcBef>
+              <a:buNone/>
+            </a:pPr>
+            <a:endParaRPr lang="en-US" sz="2000" dirty="0">
+              <a:solidFill>
+                <a:srgbClr val="FF0000"/>
+              </a:solidFill>
+            </a:endParaRPr>
+          </a:p>
+        </p:txBody>
+      </p:sp>
+    </p:spTree>
+    <p:extLst>
+      <p:ext uri="{BB962C8B-B14F-4D97-AF65-F5344CB8AC3E}">
+        <p14:creationId xmlns:p14="http://schemas.microsoft.com/office/powerpoint/2010/main" val="641919687"/>
+      </p:ext>
+    </p:extLst>
+  </p:cSld>
+  <p:clrMapOvr>
+    <a:masterClrMapping/>
+  </p:clrMapOvr>
+</p:sld>
+</file>
+
 <file path=ppt/slides/slide8.xml><?xml version="1.0" encoding="utf-8"?>
 <p:sld xmlns:a="http://schemas.openxmlformats.org/drawingml/2006/main" xmlns:r="http://schemas.openxmlformats.org/officeDocument/2006/relationships" xmlns:p="http://schemas.openxmlformats.org/presentationml/2006/main">
   <p:cSld>
@@ -5348,190 +6300,45 @@
             </a:br>
             <a:r>
               <a:rPr lang="en-US" sz="2800" dirty="0"/>
-              <a:t>Features</a:t>
-            </a:r>
-          </a:p>
-        </p:txBody>
-      </p:sp>
-      <p:sp>
-        <p:nvSpPr>
-          <p:cNvPr id="4" name="Content Placeholder 2">
+              <a:t>Screen Shots</a:t>
+            </a:r>
+          </a:p>
+        </p:txBody>
+      </p:sp>
+      <p:pic>
+        <p:nvPicPr>
+          <p:cNvPr id="4" name="Picture 3">
             <a:extLst>
               <a:ext uri="{FF2B5EF4-FFF2-40B4-BE49-F238E27FC236}">
-                <a16:creationId xmlns:a16="http://schemas.microsoft.com/office/drawing/2014/main" id="{28AD2EA2-2568-4015-953C-72DE05BE5540}"/>
+                <a16:creationId xmlns:a16="http://schemas.microsoft.com/office/drawing/2014/main" id="{7F657DDA-42CB-40FF-9700-8B4912B0DAD7}"/>
               </a:ext>
             </a:extLst>
           </p:cNvPr>
-          <p:cNvSpPr>
-            <a:spLocks noGrp="1"/>
-          </p:cNvSpPr>
-          <p:nvPr>
-            <p:ph idx="1"/>
-          </p:nvPr>
-        </p:nvSpPr>
+          <p:cNvPicPr>
+            <a:picLocks noChangeAspect="1"/>
+          </p:cNvPicPr>
+          <p:nvPr/>
+        </p:nvPicPr>
+        <p:blipFill>
+          <a:blip r:embed="rId2"/>
+          <a:stretch>
+            <a:fillRect/>
+          </a:stretch>
+        </p:blipFill>
         <p:spPr>
           <a:xfrm>
-            <a:off x="457200" y="1600200"/>
-            <a:ext cx="8229600" cy="4983162"/>
+            <a:off x="271462" y="1467379"/>
+            <a:ext cx="8601075" cy="5124450"/>
           </a:xfrm>
+          <a:prstGeom prst="rect">
+            <a:avLst/>
+          </a:prstGeom>
         </p:spPr>
-        <p:txBody>
-          <a:bodyPr>
-            <a:noAutofit/>
-          </a:bodyPr>
-          <a:lstStyle/>
-          <a:p>
-            <a:pPr marL="365760">
-              <a:spcBef>
-                <a:spcPts val="0"/>
-              </a:spcBef>
-            </a:pPr>
-            <a:r>
-              <a:rPr lang="en-US" sz="2000" dirty="0"/>
-              <a:t>Uses </a:t>
-            </a:r>
-            <a:r>
-              <a:rPr lang="en-US" sz="2000" dirty="0" err="1"/>
-              <a:t>pyGitHub</a:t>
-            </a:r>
-            <a:r>
-              <a:rPr lang="en-US" sz="2000" dirty="0"/>
-              <a:t> and </a:t>
-            </a:r>
-            <a:r>
-              <a:rPr lang="en-US" sz="2000" dirty="0" err="1"/>
-              <a:t>jira</a:t>
-            </a:r>
-            <a:r>
-              <a:rPr lang="en-US" sz="2000" dirty="0"/>
-              <a:t>-python libraries to exchange information between GitHub and Jira</a:t>
-            </a:r>
-          </a:p>
-          <a:p>
-            <a:pPr marL="365760">
-              <a:spcBef>
-                <a:spcPts val="0"/>
-              </a:spcBef>
-            </a:pPr>
-            <a:r>
-              <a:rPr lang="en-US" sz="2000" dirty="0"/>
-              <a:t>Places Git commit information in Jira as comments (user-definable format)</a:t>
-            </a:r>
-          </a:p>
-          <a:p>
-            <a:pPr marL="365760">
-              <a:spcBef>
-                <a:spcPts val="0"/>
-              </a:spcBef>
-            </a:pPr>
-            <a:r>
-              <a:rPr lang="en-US" sz="2000" dirty="0"/>
-              <a:t>Also inserts direct links to branches and commits</a:t>
-            </a:r>
-          </a:p>
-          <a:p>
-            <a:pPr marL="365760">
-              <a:spcBef>
-                <a:spcPts val="0"/>
-              </a:spcBef>
-            </a:pPr>
-            <a:r>
-              <a:rPr lang="en-US" sz="2000" dirty="0"/>
-              <a:t>“Semi-Smart Commits” - Can transition or reassign issues via commit messages</a:t>
-            </a:r>
-          </a:p>
-          <a:p>
-            <a:pPr marL="365760">
-              <a:spcBef>
-                <a:spcPts val="0"/>
-              </a:spcBef>
-            </a:pPr>
-            <a:r>
-              <a:rPr lang="en-US" sz="2000" dirty="0"/>
-              <a:t>Control via easy-to-read config file</a:t>
-            </a:r>
-          </a:p>
-          <a:p>
-            <a:pPr marL="365760">
-              <a:spcBef>
-                <a:spcPts val="0"/>
-              </a:spcBef>
-            </a:pPr>
-            <a:r>
-              <a:rPr lang="en-US" sz="2000" dirty="0"/>
-              <a:t>Schedule it to run with </a:t>
-            </a:r>
-            <a:r>
-              <a:rPr lang="en-US" sz="2000" dirty="0" err="1"/>
-              <a:t>cron</a:t>
-            </a:r>
-            <a:r>
-              <a:rPr lang="en-US" sz="2000" dirty="0"/>
-              <a:t> or Task Scheduler</a:t>
-            </a:r>
-          </a:p>
-          <a:p>
-            <a:pPr marL="365760">
-              <a:spcBef>
-                <a:spcPts val="0"/>
-              </a:spcBef>
-            </a:pPr>
-            <a:r>
-              <a:rPr lang="en-US" sz="2000" dirty="0"/>
-              <a:t>Run it under a API key (cloud) or dedicated account (server)</a:t>
-            </a:r>
-          </a:p>
-          <a:p>
-            <a:pPr marL="365760">
-              <a:spcBef>
-                <a:spcPts val="0"/>
-              </a:spcBef>
-            </a:pPr>
-            <a:r>
-              <a:rPr lang="en-US" sz="2000" dirty="0">
-                <a:solidFill>
-                  <a:srgbClr val="FF0000"/>
-                </a:solidFill>
-              </a:rPr>
-              <a:t>My recommended option to start with, if you want to roll your own</a:t>
-            </a:r>
-          </a:p>
-          <a:p>
-            <a:pPr marL="365760">
-              <a:spcBef>
-                <a:spcPts val="0"/>
-              </a:spcBef>
-            </a:pPr>
-            <a:r>
-              <a:rPr lang="en-US" sz="2000" dirty="0">
-                <a:hlinkClick r:id="rId2"/>
-              </a:rPr>
-              <a:t>http://github.com/bobk/jiragithub</a:t>
-            </a:r>
-            <a:endParaRPr lang="en-US" sz="2000" dirty="0">
-              <a:solidFill>
-                <a:srgbClr val="FF0000"/>
-              </a:solidFill>
-            </a:endParaRPr>
-          </a:p>
-          <a:p>
-            <a:pPr marL="365760">
-              <a:spcBef>
-                <a:spcPts val="0"/>
-              </a:spcBef>
-            </a:pPr>
-            <a:endParaRPr lang="en-US" sz="2000" dirty="0">
-              <a:solidFill>
-                <a:srgbClr val="FF0000"/>
-              </a:solidFill>
-            </a:endParaRPr>
-          </a:p>
-        </p:txBody>
-      </p:sp>
+      </p:pic>
     </p:spTree>
     <p:extLst>
       <p:ext uri="{BB962C8B-B14F-4D97-AF65-F5344CB8AC3E}">
-        <p14:creationId xmlns:p14="http://schemas.microsoft.com/office/powerpoint/2010/main" val="2043386224"/>
+        <p14:creationId xmlns:p14="http://schemas.microsoft.com/office/powerpoint/2010/main" val="1008999639"/>
       </p:ext>
     </p:extLst>
   </p:cSld>
@@ -5604,45 +6411,216 @@
             </a:br>
             <a:r>
               <a:rPr lang="en-US" sz="2800" dirty="0"/>
-              <a:t>Screen Shots</a:t>
-            </a:r>
-          </a:p>
-        </p:txBody>
-      </p:sp>
-      <p:pic>
-        <p:nvPicPr>
-          <p:cNvPr id="4" name="Picture 3">
+              <a:t>Features</a:t>
+            </a:r>
+          </a:p>
+        </p:txBody>
+      </p:sp>
+      <p:sp>
+        <p:nvSpPr>
+          <p:cNvPr id="4" name="Content Placeholder 2">
             <a:extLst>
               <a:ext uri="{FF2B5EF4-FFF2-40B4-BE49-F238E27FC236}">
-                <a16:creationId xmlns:a16="http://schemas.microsoft.com/office/drawing/2014/main" id="{7F657DDA-42CB-40FF-9700-8B4912B0DAD7}"/>
+                <a16:creationId xmlns:a16="http://schemas.microsoft.com/office/drawing/2014/main" id="{28AD2EA2-2568-4015-953C-72DE05BE5540}"/>
               </a:ext>
             </a:extLst>
           </p:cNvPr>
-          <p:cNvPicPr>
-            <a:picLocks noChangeAspect="1"/>
-          </p:cNvPicPr>
-          <p:nvPr/>
-        </p:nvPicPr>
-        <p:blipFill>
-          <a:blip r:embed="rId2"/>
-          <a:stretch>
-            <a:fillRect/>
-          </a:stretch>
-        </p:blipFill>
+          <p:cNvSpPr>
+            <a:spLocks noGrp="1"/>
+          </p:cNvSpPr>
+          <p:nvPr>
+            <p:ph idx="1"/>
+          </p:nvPr>
+        </p:nvSpPr>
         <p:spPr>
           <a:xfrm>
-            <a:off x="271462" y="1467379"/>
-            <a:ext cx="8601075" cy="5124450"/>
+            <a:off x="304800" y="1600200"/>
+            <a:ext cx="8458200" cy="4983162"/>
           </a:xfrm>
-          <a:prstGeom prst="rect">
-            <a:avLst/>
-          </a:prstGeom>
         </p:spPr>
-      </p:pic>
+        <p:txBody>
+          <a:bodyPr>
+            <a:noAutofit/>
+          </a:bodyPr>
+          <a:lstStyle/>
+          <a:p>
+            <a:pPr marL="365760">
+              <a:spcBef>
+                <a:spcPts val="0"/>
+              </a:spcBef>
+            </a:pPr>
+            <a:r>
+              <a:rPr lang="en-US" sz="2000" dirty="0"/>
+              <a:t>View Git commit/branch information in Jira</a:t>
+            </a:r>
+          </a:p>
+          <a:p>
+            <a:pPr marL="365760">
+              <a:spcBef>
+                <a:spcPts val="0"/>
+              </a:spcBef>
+            </a:pPr>
+            <a:r>
+              <a:rPr lang="en-US" sz="2000" dirty="0"/>
+              <a:t>Places Git commit information in Jira as comments (user-definable format)</a:t>
+            </a:r>
+          </a:p>
+          <a:p>
+            <a:pPr marL="365760">
+              <a:spcBef>
+                <a:spcPts val="0"/>
+              </a:spcBef>
+            </a:pPr>
+            <a:r>
+              <a:rPr lang="en-US" sz="2000" dirty="0"/>
+              <a:t>“Semi-Smart Commits” - transition + reassign issues via commit messages</a:t>
+            </a:r>
+          </a:p>
+          <a:p>
+            <a:pPr marL="365760">
+              <a:spcBef>
+                <a:spcPts val="0"/>
+              </a:spcBef>
+            </a:pPr>
+            <a:r>
+              <a:rPr lang="en-US" sz="2000" dirty="0"/>
+              <a:t>Also inserts direct links to branches and commits</a:t>
+            </a:r>
+          </a:p>
+          <a:p>
+            <a:pPr marL="365760">
+              <a:spcBef>
+                <a:spcPts val="0"/>
+              </a:spcBef>
+            </a:pPr>
+            <a:r>
+              <a:rPr lang="en-US" sz="2000" dirty="0"/>
+              <a:t>Control via easy-to-read config file</a:t>
+            </a:r>
+          </a:p>
+          <a:p>
+            <a:pPr marL="365760">
+              <a:spcBef>
+                <a:spcPts val="0"/>
+              </a:spcBef>
+            </a:pPr>
+            <a:r>
+              <a:rPr lang="en-US" sz="2000" dirty="0"/>
+              <a:t>Schedule it to run with </a:t>
+            </a:r>
+            <a:r>
+              <a:rPr lang="en-US" sz="2000" dirty="0" err="1"/>
+              <a:t>cron</a:t>
+            </a:r>
+            <a:r>
+              <a:rPr lang="en-US" sz="2000" dirty="0"/>
+              <a:t> or Task Scheduler or as a CI job step</a:t>
+            </a:r>
+          </a:p>
+          <a:p>
+            <a:pPr marL="365760">
+              <a:spcBef>
+                <a:spcPts val="0"/>
+              </a:spcBef>
+            </a:pPr>
+            <a:r>
+              <a:rPr lang="en-US" sz="2000" dirty="0"/>
+              <a:t>Run it under a Jira API key (cloud) or dedicated username (server)</a:t>
+            </a:r>
+          </a:p>
+          <a:p>
+            <a:pPr marL="365760">
+              <a:spcBef>
+                <a:spcPts val="0"/>
+              </a:spcBef>
+            </a:pPr>
+            <a:r>
+              <a:rPr lang="en-US" sz="2000" dirty="0"/>
+              <a:t>Uses </a:t>
+            </a:r>
+            <a:r>
+              <a:rPr lang="en-US" sz="2000" dirty="0" err="1"/>
+              <a:t>pyGitHub</a:t>
+            </a:r>
+            <a:r>
+              <a:rPr lang="en-US" sz="2000" dirty="0"/>
+              <a:t> and </a:t>
+            </a:r>
+            <a:r>
+              <a:rPr lang="en-US" sz="2000" dirty="0" err="1"/>
+              <a:t>jira</a:t>
+            </a:r>
+            <a:r>
+              <a:rPr lang="en-US" sz="2000" dirty="0"/>
+              <a:t>-python libraries</a:t>
+            </a:r>
+          </a:p>
+          <a:p>
+            <a:pPr marL="365760">
+              <a:spcBef>
+                <a:spcPts val="0"/>
+              </a:spcBef>
+            </a:pPr>
+            <a:r>
+              <a:rPr lang="en-US" sz="2000" dirty="0">
+                <a:solidFill>
+                  <a:srgbClr val="00B050"/>
+                </a:solidFill>
+              </a:rPr>
+              <a:t>Don’t like the way it works? Fork it and change it!</a:t>
+            </a:r>
+          </a:p>
+          <a:p>
+            <a:pPr marL="365760">
+              <a:spcBef>
+                <a:spcPts val="0"/>
+              </a:spcBef>
+            </a:pPr>
+            <a:r>
+              <a:rPr lang="en-US" sz="2000" dirty="0">
+                <a:solidFill>
+                  <a:srgbClr val="FF0000"/>
+                </a:solidFill>
+              </a:rPr>
+              <a:t>My recommended option to start with, if you want to roll your own</a:t>
+            </a:r>
+          </a:p>
+          <a:p>
+            <a:pPr marL="365760">
+              <a:spcBef>
+                <a:spcPts val="0"/>
+              </a:spcBef>
+            </a:pPr>
+            <a:r>
+              <a:rPr lang="en-US" sz="2000" dirty="0">
+                <a:hlinkClick r:id="rId2"/>
+              </a:rPr>
+              <a:t>http://github.com/bobk/jiragithub</a:t>
+            </a:r>
+            <a:endParaRPr lang="en-US" sz="2000" dirty="0">
+              <a:solidFill>
+                <a:srgbClr val="FF0000"/>
+              </a:solidFill>
+            </a:endParaRPr>
+          </a:p>
+          <a:p>
+            <a:pPr marL="365760">
+              <a:spcBef>
+                <a:spcPts val="0"/>
+              </a:spcBef>
+            </a:pPr>
+            <a:endParaRPr lang="en-US" sz="2000" dirty="0">
+              <a:solidFill>
+                <a:srgbClr val="FF0000"/>
+              </a:solidFill>
+            </a:endParaRPr>
+          </a:p>
+        </p:txBody>
+      </p:sp>
     </p:spTree>
     <p:extLst>
       <p:ext uri="{BB962C8B-B14F-4D97-AF65-F5344CB8AC3E}">
-        <p14:creationId xmlns:p14="http://schemas.microsoft.com/office/powerpoint/2010/main" val="1008999639"/>
+        <p14:creationId xmlns:p14="http://schemas.microsoft.com/office/powerpoint/2010/main" val="2043386224"/>
       </p:ext>
     </p:extLst>
   </p:cSld>

--- a/Git Integration Options for Jira.pptx
+++ b/Git Integration Options for Jira.pptx
@@ -312,7 +312,7 @@
           <a:p>
             <a:fld id="{799B01D3-E541-42FD-B1E6-9E7097F8E480}" type="datetimeFigureOut">
               <a:rPr lang="en-US" smtClean="0"/>
-              <a:t>3/1/2020</a:t>
+              <a:t>3/7/2020</a:t>
             </a:fld>
             <a:endParaRPr lang="en-US"/>
           </a:p>
@@ -480,7 +480,7 @@
           <a:p>
             <a:fld id="{799B01D3-E541-42FD-B1E6-9E7097F8E480}" type="datetimeFigureOut">
               <a:rPr lang="en-US" smtClean="0"/>
-              <a:t>3/1/2020</a:t>
+              <a:t>3/7/2020</a:t>
             </a:fld>
             <a:endParaRPr lang="en-US"/>
           </a:p>
@@ -658,7 +658,7 @@
           <a:p>
             <a:fld id="{799B01D3-E541-42FD-B1E6-9E7097F8E480}" type="datetimeFigureOut">
               <a:rPr lang="en-US" smtClean="0"/>
-              <a:t>3/1/2020</a:t>
+              <a:t>3/7/2020</a:t>
             </a:fld>
             <a:endParaRPr lang="en-US"/>
           </a:p>
@@ -810,7 +810,7 @@
           <a:p>
             <a:fld id="{799B01D3-E541-42FD-B1E6-9E7097F8E480}" type="datetimeFigureOut">
               <a:rPr lang="en-US" smtClean="0"/>
-              <a:t>3/1/2020</a:t>
+              <a:t>3/7/2020</a:t>
             </a:fld>
             <a:endParaRPr lang="en-US"/>
           </a:p>
@@ -1095,7 +1095,7 @@
           <a:p>
             <a:fld id="{799B01D3-E541-42FD-B1E6-9E7097F8E480}" type="datetimeFigureOut">
               <a:rPr lang="en-US" smtClean="0"/>
-              <a:t>3/1/2020</a:t>
+              <a:t>3/7/2020</a:t>
             </a:fld>
             <a:endParaRPr lang="en-US"/>
           </a:p>
@@ -1380,7 +1380,7 @@
           <a:p>
             <a:fld id="{799B01D3-E541-42FD-B1E6-9E7097F8E480}" type="datetimeFigureOut">
               <a:rPr lang="en-US" smtClean="0"/>
-              <a:t>3/1/2020</a:t>
+              <a:t>3/7/2020</a:t>
             </a:fld>
             <a:endParaRPr lang="en-US"/>
           </a:p>
@@ -1799,7 +1799,7 @@
           <a:p>
             <a:fld id="{799B01D3-E541-42FD-B1E6-9E7097F8E480}" type="datetimeFigureOut">
               <a:rPr lang="en-US" smtClean="0"/>
-              <a:t>3/1/2020</a:t>
+              <a:t>3/7/2020</a:t>
             </a:fld>
             <a:endParaRPr lang="en-US"/>
           </a:p>
@@ -1916,7 +1916,7 @@
           <a:p>
             <a:fld id="{799B01D3-E541-42FD-B1E6-9E7097F8E480}" type="datetimeFigureOut">
               <a:rPr lang="en-US" smtClean="0"/>
-              <a:t>3/1/2020</a:t>
+              <a:t>3/7/2020</a:t>
             </a:fld>
             <a:endParaRPr lang="en-US"/>
           </a:p>
@@ -2011,7 +2011,7 @@
           <a:p>
             <a:fld id="{799B01D3-E541-42FD-B1E6-9E7097F8E480}" type="datetimeFigureOut">
               <a:rPr lang="en-US" smtClean="0"/>
-              <a:t>3/1/2020</a:t>
+              <a:t>3/7/2020</a:t>
             </a:fld>
             <a:endParaRPr lang="en-US"/>
           </a:p>
@@ -2286,7 +2286,7 @@
           <a:p>
             <a:fld id="{799B01D3-E541-42FD-B1E6-9E7097F8E480}" type="datetimeFigureOut">
               <a:rPr lang="en-US" smtClean="0"/>
-              <a:t>3/1/2020</a:t>
+              <a:t>3/7/2020</a:t>
             </a:fld>
             <a:endParaRPr lang="en-US"/>
           </a:p>
@@ -2538,7 +2538,7 @@
           <a:p>
             <a:fld id="{799B01D3-E541-42FD-B1E6-9E7097F8E480}" type="datetimeFigureOut">
               <a:rPr lang="en-US" smtClean="0"/>
-              <a:t>3/1/2020</a:t>
+              <a:t>3/7/2020</a:t>
             </a:fld>
             <a:endParaRPr lang="en-US"/>
           </a:p>
@@ -2749,7 +2749,7 @@
           <a:p>
             <a:fld id="{799B01D3-E541-42FD-B1E6-9E7097F8E480}" type="datetimeFigureOut">
               <a:rPr lang="en-US" smtClean="0"/>
-              <a:t>3/1/2020</a:t>
+              <a:t>3/7/2020</a:t>
             </a:fld>
             <a:endParaRPr lang="en-US"/>
           </a:p>
@@ -5924,10 +5924,10 @@
       </p:sp>
       <p:pic>
         <p:nvPicPr>
-          <p:cNvPr id="5" name="Picture 4">
+          <p:cNvPr id="3" name="Picture 2">
             <a:extLst>
               <a:ext uri="{FF2B5EF4-FFF2-40B4-BE49-F238E27FC236}">
-                <a16:creationId xmlns:a16="http://schemas.microsoft.com/office/drawing/2014/main" id="{5399D57B-BB46-4E98-B36C-C665CF11BC3D}"/>
+                <a16:creationId xmlns:a16="http://schemas.microsoft.com/office/drawing/2014/main" id="{B99323AC-8AA7-40F7-95C7-CFF757FB8D11}"/>
               </a:ext>
             </a:extLst>
           </p:cNvPr>
@@ -5944,8 +5944,8 @@
         </p:blipFill>
         <p:spPr>
           <a:xfrm>
-            <a:off x="152400" y="1385207"/>
-            <a:ext cx="8763000" cy="5320393"/>
+            <a:off x="228600" y="1318748"/>
+            <a:ext cx="8763000" cy="5386852"/>
           </a:xfrm>
           <a:prstGeom prst="rect">
             <a:avLst/>
@@ -6307,10 +6307,10 @@
       </p:sp>
       <p:pic>
         <p:nvPicPr>
-          <p:cNvPr id="4" name="Picture 3">
+          <p:cNvPr id="6" name="Picture 5">
             <a:extLst>
               <a:ext uri="{FF2B5EF4-FFF2-40B4-BE49-F238E27FC236}">
-                <a16:creationId xmlns:a16="http://schemas.microsoft.com/office/drawing/2014/main" id="{7F657DDA-42CB-40FF-9700-8B4912B0DAD7}"/>
+                <a16:creationId xmlns:a16="http://schemas.microsoft.com/office/drawing/2014/main" id="{8EDA38BE-CD75-48B0-A64D-9791F6B3CD5A}"/>
               </a:ext>
             </a:extLst>
           </p:cNvPr>
@@ -6327,8 +6327,8 @@
         </p:blipFill>
         <p:spPr>
           <a:xfrm>
-            <a:off x="271462" y="1467379"/>
-            <a:ext cx="8601075" cy="5124450"/>
+            <a:off x="76200" y="1662228"/>
+            <a:ext cx="8915400" cy="5119572"/>
           </a:xfrm>
           <a:prstGeom prst="rect">
             <a:avLst/>
@@ -6562,12 +6562,12 @@
               </a:spcBef>
             </a:pPr>
             <a:r>
-              <a:rPr lang="en-US" sz="2000" dirty="0">
+              <a:rPr lang="en-US" sz="2000" b="1" dirty="0">
                 <a:solidFill>
                   <a:srgbClr val="00B050"/>
                 </a:solidFill>
               </a:rPr>
-              <a:t>Don’t like the way it works? Fork it and change it!</a:t>
+              <a:t>Want a feature to work differently? Change it yourself!</a:t>
             </a:r>
           </a:p>
           <a:p>
@@ -6604,10 +6604,11 @@
             </a:endParaRPr>
           </a:p>
           <a:p>
-            <a:pPr marL="365760">
+            <a:pPr marL="22860" indent="0">
               <a:spcBef>
                 <a:spcPts val="0"/>
               </a:spcBef>
+              <a:buNone/>
             </a:pPr>
             <a:endParaRPr lang="en-US" sz="2000" dirty="0">
               <a:solidFill>

--- a/Git Integration Options for Jira.pptx
+++ b/Git Integration Options for Jira.pptx
@@ -10,12 +10,13 @@
     <p:sldId id="272" r:id="rId4"/>
     <p:sldId id="273" r:id="rId5"/>
     <p:sldId id="274" r:id="rId6"/>
-    <p:sldId id="275" r:id="rId7"/>
-    <p:sldId id="277" r:id="rId8"/>
-    <p:sldId id="276" r:id="rId9"/>
-    <p:sldId id="279" r:id="rId10"/>
-    <p:sldId id="260" r:id="rId11"/>
-    <p:sldId id="265" r:id="rId12"/>
+    <p:sldId id="280" r:id="rId7"/>
+    <p:sldId id="275" r:id="rId8"/>
+    <p:sldId id="277" r:id="rId9"/>
+    <p:sldId id="276" r:id="rId10"/>
+    <p:sldId id="279" r:id="rId11"/>
+    <p:sldId id="260" r:id="rId12"/>
+    <p:sldId id="265" r:id="rId13"/>
   </p:sldIdLst>
   <p:sldSz cx="9144000" cy="6858000" type="screen4x3"/>
   <p:notesSz cx="6858000" cy="9144000"/>
@@ -312,7 +313,7 @@
           <a:p>
             <a:fld id="{799B01D3-E541-42FD-B1E6-9E7097F8E480}" type="datetimeFigureOut">
               <a:rPr lang="en-US" smtClean="0"/>
-              <a:t>3/7/2020</a:t>
+              <a:t>3/22/2020</a:t>
             </a:fld>
             <a:endParaRPr lang="en-US"/>
           </a:p>
@@ -480,7 +481,7 @@
           <a:p>
             <a:fld id="{799B01D3-E541-42FD-B1E6-9E7097F8E480}" type="datetimeFigureOut">
               <a:rPr lang="en-US" smtClean="0"/>
-              <a:t>3/7/2020</a:t>
+              <a:t>3/22/2020</a:t>
             </a:fld>
             <a:endParaRPr lang="en-US"/>
           </a:p>
@@ -658,7 +659,7 @@
           <a:p>
             <a:fld id="{799B01D3-E541-42FD-B1E6-9E7097F8E480}" type="datetimeFigureOut">
               <a:rPr lang="en-US" smtClean="0"/>
-              <a:t>3/7/2020</a:t>
+              <a:t>3/22/2020</a:t>
             </a:fld>
             <a:endParaRPr lang="en-US"/>
           </a:p>
@@ -810,7 +811,7 @@
           <a:p>
             <a:fld id="{799B01D3-E541-42FD-B1E6-9E7097F8E480}" type="datetimeFigureOut">
               <a:rPr lang="en-US" smtClean="0"/>
-              <a:t>3/7/2020</a:t>
+              <a:t>3/22/2020</a:t>
             </a:fld>
             <a:endParaRPr lang="en-US"/>
           </a:p>
@@ -1095,7 +1096,7 @@
           <a:p>
             <a:fld id="{799B01D3-E541-42FD-B1E6-9E7097F8E480}" type="datetimeFigureOut">
               <a:rPr lang="en-US" smtClean="0"/>
-              <a:t>3/7/2020</a:t>
+              <a:t>3/22/2020</a:t>
             </a:fld>
             <a:endParaRPr lang="en-US"/>
           </a:p>
@@ -1380,7 +1381,7 @@
           <a:p>
             <a:fld id="{799B01D3-E541-42FD-B1E6-9E7097F8E480}" type="datetimeFigureOut">
               <a:rPr lang="en-US" smtClean="0"/>
-              <a:t>3/7/2020</a:t>
+              <a:t>3/22/2020</a:t>
             </a:fld>
             <a:endParaRPr lang="en-US"/>
           </a:p>
@@ -1799,7 +1800,7 @@
           <a:p>
             <a:fld id="{799B01D3-E541-42FD-B1E6-9E7097F8E480}" type="datetimeFigureOut">
               <a:rPr lang="en-US" smtClean="0"/>
-              <a:t>3/7/2020</a:t>
+              <a:t>3/22/2020</a:t>
             </a:fld>
             <a:endParaRPr lang="en-US"/>
           </a:p>
@@ -1916,7 +1917,7 @@
           <a:p>
             <a:fld id="{799B01D3-E541-42FD-B1E6-9E7097F8E480}" type="datetimeFigureOut">
               <a:rPr lang="en-US" smtClean="0"/>
-              <a:t>3/7/2020</a:t>
+              <a:t>3/22/2020</a:t>
             </a:fld>
             <a:endParaRPr lang="en-US"/>
           </a:p>
@@ -2011,7 +2012,7 @@
           <a:p>
             <a:fld id="{799B01D3-E541-42FD-B1E6-9E7097F8E480}" type="datetimeFigureOut">
               <a:rPr lang="en-US" smtClean="0"/>
-              <a:t>3/7/2020</a:t>
+              <a:t>3/22/2020</a:t>
             </a:fld>
             <a:endParaRPr lang="en-US"/>
           </a:p>
@@ -2286,7 +2287,7 @@
           <a:p>
             <a:fld id="{799B01D3-E541-42FD-B1E6-9E7097F8E480}" type="datetimeFigureOut">
               <a:rPr lang="en-US" smtClean="0"/>
-              <a:t>3/7/2020</a:t>
+              <a:t>3/22/2020</a:t>
             </a:fld>
             <a:endParaRPr lang="en-US"/>
           </a:p>
@@ -2538,7 +2539,7 @@
           <a:p>
             <a:fld id="{799B01D3-E541-42FD-B1E6-9E7097F8E480}" type="datetimeFigureOut">
               <a:rPr lang="en-US" smtClean="0"/>
-              <a:t>3/7/2020</a:t>
+              <a:t>3/22/2020</a:t>
             </a:fld>
             <a:endParaRPr lang="en-US"/>
           </a:p>
@@ -2749,7 +2750,7 @@
           <a:p>
             <a:fld id="{799B01D3-E541-42FD-B1E6-9E7097F8E480}" type="datetimeFigureOut">
               <a:rPr lang="en-US" smtClean="0"/>
-              <a:t>3/7/2020</a:t>
+              <a:t>3/22/2020</a:t>
             </a:fld>
             <a:endParaRPr lang="en-US"/>
           </a:p>
@@ -3267,16 +3268,19 @@
           </a:p>
           <a:p>
             <a:r>
-              <a:rPr lang="en-US" sz="2600" b="1" dirty="0"/>
-              <a:t>Lightning Talk – Mar 25, 2020 (add link here)</a:t>
-            </a:r>
+              <a:rPr lang="en-US" sz="2600" b="1" dirty="0">
+                <a:hlinkClick r:id="rId3"/>
+              </a:rPr>
+              <a:t>Online Lean/Agile Lightning Talk – Mar 25, 2020</a:t>
+            </a:r>
+            <a:endParaRPr lang="en-US" sz="2600" b="1" dirty="0"/>
           </a:p>
           <a:p>
             <a:endParaRPr lang="en-US" dirty="0"/>
           </a:p>
           <a:p>
             <a:r>
-              <a:rPr lang="en-US" sz="2600" dirty="0">
+              <a:rPr lang="en-US" sz="2400" dirty="0">
                 <a:solidFill>
                   <a:schemeClr val="tx1"/>
                 </a:solidFill>
@@ -3284,16 +3288,16 @@
               <a:t>Bob Kozlowski - </a:t>
             </a:r>
             <a:r>
-              <a:rPr lang="en-US" sz="2600" dirty="0">
-                <a:hlinkClick r:id="rId3"/>
+              <a:rPr lang="en-US" sz="2400" dirty="0">
+                <a:hlinkClick r:id="rId4"/>
               </a:rPr>
               <a:t>http://www.robertkozlowski.com</a:t>
             </a:r>
-            <a:endParaRPr lang="en-US" sz="2600" dirty="0"/>
-          </a:p>
-          <a:p>
-            <a:r>
-              <a:rPr lang="en-US" sz="2000" dirty="0">
+            <a:endParaRPr lang="en-US" sz="2400" dirty="0"/>
+          </a:p>
+          <a:p>
+            <a:r>
+              <a:rPr lang="en-US" sz="1800" dirty="0">
                 <a:solidFill>
                   <a:schemeClr val="tx1"/>
                 </a:solidFill>
@@ -3303,7 +3307,7 @@
           </a:p>
           <a:p>
             <a:r>
-              <a:rPr lang="en-US" sz="2000" dirty="0">
+              <a:rPr lang="en-US" sz="1800" dirty="0">
                 <a:solidFill>
                   <a:schemeClr val="tx1"/>
                 </a:solidFill>
@@ -3313,14 +3317,14 @@
           </a:p>
           <a:p>
             <a:r>
-              <a:rPr lang="en-US" sz="1900" b="1" dirty="0">
+              <a:rPr lang="en-US" sz="1800" b="1" dirty="0">
                 <a:solidFill>
                   <a:schemeClr val="tx1"/>
                 </a:solidFill>
               </a:rPr>
               <a:t> available Apr 2020 for next contracting/advisory role</a:t>
             </a:r>
-            <a:endParaRPr lang="en-US" sz="3800" b="1" dirty="0">
+            <a:endParaRPr lang="en-US" sz="3600" b="1" dirty="0">
               <a:solidFill>
                 <a:schemeClr val="tx1"/>
               </a:solidFill>
@@ -3342,6 +3346,289 @@
 </file>
 
 <file path=ppt/slides/slide10.xml><?xml version="1.0" encoding="utf-8"?>
+<p:sld xmlns:a="http://schemas.openxmlformats.org/drawingml/2006/main" xmlns:r="http://schemas.openxmlformats.org/officeDocument/2006/relationships" xmlns:p="http://schemas.openxmlformats.org/presentationml/2006/main">
+  <p:cSld>
+    <p:bg>
+      <p:bgPr>
+        <a:solidFill>
+          <a:schemeClr val="accent1">
+            <a:lumMod val="20000"/>
+            <a:lumOff val="80000"/>
+          </a:schemeClr>
+        </a:solidFill>
+        <a:effectLst/>
+      </p:bgPr>
+    </p:bg>
+    <p:spTree>
+      <p:nvGrpSpPr>
+        <p:cNvPr id="1" name=""/>
+        <p:cNvGrpSpPr/>
+        <p:nvPr/>
+      </p:nvGrpSpPr>
+      <p:grpSpPr>
+        <a:xfrm>
+          <a:off x="0" y="0"/>
+          <a:ext cx="0" cy="0"/>
+          <a:chOff x="0" y="0"/>
+          <a:chExt cx="0" cy="0"/>
+        </a:xfrm>
+      </p:grpSpPr>
+      <p:sp>
+        <p:nvSpPr>
+          <p:cNvPr id="2" name="Title 1"/>
+          <p:cNvSpPr>
+            <a:spLocks noGrp="1"/>
+          </p:cNvSpPr>
+          <p:nvPr>
+            <p:ph type="title"/>
+          </p:nvPr>
+        </p:nvSpPr>
+        <p:spPr>
+          <a:xfrm>
+            <a:off x="457200" y="274638"/>
+            <a:ext cx="8229600" cy="1143000"/>
+          </a:xfrm>
+        </p:spPr>
+        <p:txBody>
+          <a:bodyPr>
+            <a:noAutofit/>
+          </a:bodyPr>
+          <a:lstStyle/>
+          <a:p>
+            <a:r>
+              <a:rPr lang="en-US" sz="2800" b="1" dirty="0" err="1"/>
+              <a:t>jiragithub</a:t>
+            </a:r>
+            <a:r>
+              <a:rPr lang="en-US" sz="2800" dirty="0"/>
+              <a:t> script</a:t>
+            </a:r>
+            <a:br>
+              <a:rPr lang="en-US" sz="2800" dirty="0"/>
+            </a:br>
+            <a:r>
+              <a:rPr lang="en-US" sz="2800" dirty="0"/>
+              <a:t>Features</a:t>
+            </a:r>
+          </a:p>
+        </p:txBody>
+      </p:sp>
+      <p:sp>
+        <p:nvSpPr>
+          <p:cNvPr id="4" name="Content Placeholder 2">
+            <a:extLst>
+              <a:ext uri="{FF2B5EF4-FFF2-40B4-BE49-F238E27FC236}">
+                <a16:creationId xmlns:a16="http://schemas.microsoft.com/office/drawing/2014/main" id="{28AD2EA2-2568-4015-953C-72DE05BE5540}"/>
+              </a:ext>
+            </a:extLst>
+          </p:cNvPr>
+          <p:cNvSpPr>
+            <a:spLocks noGrp="1"/>
+          </p:cNvSpPr>
+          <p:nvPr>
+            <p:ph idx="1"/>
+          </p:nvPr>
+        </p:nvSpPr>
+        <p:spPr>
+          <a:xfrm>
+            <a:off x="304800" y="1600200"/>
+            <a:ext cx="8458200" cy="4983162"/>
+          </a:xfrm>
+        </p:spPr>
+        <p:txBody>
+          <a:bodyPr>
+            <a:noAutofit/>
+          </a:bodyPr>
+          <a:lstStyle/>
+          <a:p>
+            <a:pPr marL="365760">
+              <a:spcBef>
+                <a:spcPts val="0"/>
+              </a:spcBef>
+            </a:pPr>
+            <a:r>
+              <a:rPr lang="en-US" sz="2200" dirty="0"/>
+              <a:t>View Git commit/branch information in Jira</a:t>
+            </a:r>
+          </a:p>
+          <a:p>
+            <a:pPr marL="365760">
+              <a:spcBef>
+                <a:spcPts val="0"/>
+              </a:spcBef>
+            </a:pPr>
+            <a:r>
+              <a:rPr lang="en-US" sz="2200" dirty="0"/>
+              <a:t>Places Git commit information in Jira as comments (user-definable format)</a:t>
+            </a:r>
+          </a:p>
+          <a:p>
+            <a:pPr marL="365760">
+              <a:spcBef>
+                <a:spcPts val="0"/>
+              </a:spcBef>
+            </a:pPr>
+            <a:r>
+              <a:rPr lang="en-US" sz="2200" dirty="0"/>
+              <a:t>“Semi-Smart Commits” - transition + reassign issues via commit messages</a:t>
+            </a:r>
+          </a:p>
+          <a:p>
+            <a:pPr marL="365760">
+              <a:spcBef>
+                <a:spcPts val="0"/>
+              </a:spcBef>
+            </a:pPr>
+            <a:r>
+              <a:rPr lang="en-US" sz="2200" dirty="0"/>
+              <a:t>Also inserts direct links to branches and commits</a:t>
+            </a:r>
+          </a:p>
+          <a:p>
+            <a:pPr marL="365760">
+              <a:spcBef>
+                <a:spcPts val="0"/>
+              </a:spcBef>
+            </a:pPr>
+            <a:r>
+              <a:rPr lang="en-US" sz="2200" dirty="0"/>
+              <a:t>Control via easy-to-read config file</a:t>
+            </a:r>
+          </a:p>
+          <a:p>
+            <a:pPr marL="365760">
+              <a:spcBef>
+                <a:spcPts val="0"/>
+              </a:spcBef>
+            </a:pPr>
+            <a:r>
+              <a:rPr lang="en-US" sz="2200" dirty="0"/>
+              <a:t>Schedule it to run with </a:t>
+            </a:r>
+            <a:r>
+              <a:rPr lang="en-US" sz="2200" dirty="0" err="1"/>
+              <a:t>cron</a:t>
+            </a:r>
+            <a:r>
+              <a:rPr lang="en-US" sz="2200" dirty="0"/>
+              <a:t> or Task Scheduler or as a CI job step</a:t>
+            </a:r>
+          </a:p>
+          <a:p>
+            <a:pPr marL="365760">
+              <a:spcBef>
+                <a:spcPts val="0"/>
+              </a:spcBef>
+            </a:pPr>
+            <a:r>
+              <a:rPr lang="en-US" sz="2200" dirty="0"/>
+              <a:t>Run it under a Jira API key (cloud) or dedicated username (server)</a:t>
+            </a:r>
+          </a:p>
+          <a:p>
+            <a:pPr marL="365760">
+              <a:spcBef>
+                <a:spcPts val="0"/>
+              </a:spcBef>
+            </a:pPr>
+            <a:r>
+              <a:rPr lang="en-US" sz="2200" dirty="0"/>
+              <a:t>Uses </a:t>
+            </a:r>
+            <a:r>
+              <a:rPr lang="en-US" sz="2200" dirty="0" err="1"/>
+              <a:t>pyGitHub</a:t>
+            </a:r>
+            <a:r>
+              <a:rPr lang="en-US" sz="2200" dirty="0"/>
+              <a:t> and </a:t>
+            </a:r>
+            <a:r>
+              <a:rPr lang="en-US" sz="2200" dirty="0" err="1"/>
+              <a:t>jira</a:t>
+            </a:r>
+            <a:r>
+              <a:rPr lang="en-US" sz="2200" dirty="0"/>
+              <a:t>-python libraries</a:t>
+            </a:r>
+          </a:p>
+          <a:p>
+            <a:pPr marL="365760">
+              <a:spcBef>
+                <a:spcPts val="0"/>
+              </a:spcBef>
+            </a:pPr>
+            <a:r>
+              <a:rPr lang="en-US" sz="2200" b="1" dirty="0">
+                <a:solidFill>
+                  <a:srgbClr val="00B050"/>
+                </a:solidFill>
+              </a:rPr>
+              <a:t>Want a feature to work differently? Change it yourself!</a:t>
+            </a:r>
+          </a:p>
+          <a:p>
+            <a:pPr marL="365760">
+              <a:spcBef>
+                <a:spcPts val="0"/>
+              </a:spcBef>
+            </a:pPr>
+            <a:r>
+              <a:rPr lang="en-US" sz="2200" dirty="0">
+                <a:solidFill>
+                  <a:srgbClr val="FF0000"/>
+                </a:solidFill>
+              </a:rPr>
+              <a:t>My recommended option to start with, if you want to roll your own</a:t>
+            </a:r>
+          </a:p>
+          <a:p>
+            <a:pPr marL="365760">
+              <a:spcBef>
+                <a:spcPts val="0"/>
+              </a:spcBef>
+            </a:pPr>
+            <a:r>
+              <a:rPr lang="en-US" sz="2200" dirty="0">
+                <a:hlinkClick r:id="rId2"/>
+              </a:rPr>
+              <a:t>http://github.com/bobk/jiragithub</a:t>
+            </a:r>
+            <a:endParaRPr lang="en-US" sz="2200" dirty="0">
+              <a:solidFill>
+                <a:srgbClr val="FF0000"/>
+              </a:solidFill>
+            </a:endParaRPr>
+          </a:p>
+          <a:p>
+            <a:pPr marL="22860" indent="0">
+              <a:spcBef>
+                <a:spcPts val="0"/>
+              </a:spcBef>
+              <a:buNone/>
+            </a:pPr>
+            <a:endParaRPr lang="en-US" sz="2200" dirty="0">
+              <a:solidFill>
+                <a:srgbClr val="FF0000"/>
+              </a:solidFill>
+            </a:endParaRPr>
+          </a:p>
+        </p:txBody>
+      </p:sp>
+    </p:spTree>
+    <p:extLst>
+      <p:ext uri="{BB962C8B-B14F-4D97-AF65-F5344CB8AC3E}">
+        <p14:creationId xmlns:p14="http://schemas.microsoft.com/office/powerpoint/2010/main" val="2043386224"/>
+      </p:ext>
+    </p:extLst>
+  </p:cSld>
+  <p:clrMapOvr>
+    <a:masterClrMapping/>
+  </p:clrMapOvr>
+</p:sld>
+</file>
+
+<file path=ppt/slides/slide11.xml><?xml version="1.0" encoding="utf-8"?>
 <p:sld xmlns:a="http://schemas.openxmlformats.org/drawingml/2006/main" xmlns:r="http://schemas.openxmlformats.org/officeDocument/2006/relationships" xmlns:p="http://schemas.openxmlformats.org/presentationml/2006/main">
   <p:cSld>
     <p:bg>
@@ -3519,7 +3806,7 @@
 </p:sld>
 </file>
 
-<file path=ppt/slides/slide11.xml><?xml version="1.0" encoding="utf-8"?>
+<file path=ppt/slides/slide12.xml><?xml version="1.0" encoding="utf-8"?>
 <p:sld xmlns:a="http://schemas.openxmlformats.org/drawingml/2006/main" xmlns:r="http://schemas.openxmlformats.org/officeDocument/2006/relationships" xmlns:p="http://schemas.openxmlformats.org/presentationml/2006/main">
   <p:cSld>
     <p:bg>
@@ -4230,7 +4517,7 @@
                   <a:srgbClr val="00B0F0"/>
                 </a:solidFill>
               </a:rPr>
-              <a:t>product managers, release managers</a:t>
+              <a:t>product managers, release managers, dev leads</a:t>
             </a:r>
             <a:r>
               <a:rPr lang="en-US" sz="2000" b="1" dirty="0"/>
@@ -4276,7 +4563,7 @@
                   <a:srgbClr val="FF0000"/>
                 </a:solidFill>
               </a:rPr>
-              <a:t>scrum masters, dev team leads</a:t>
+              <a:t>scrum masters, dev leads</a:t>
             </a:r>
             <a:r>
               <a:rPr lang="en-US" sz="2000" dirty="0"/>
@@ -4299,7 +4586,7 @@
                   <a:srgbClr val="00B0F0"/>
                 </a:solidFill>
               </a:rPr>
-              <a:t>release managers</a:t>
+              <a:t>dev lead, DevOps engineers</a:t>
             </a:r>
             <a:r>
               <a:rPr lang="en-US" sz="2000" dirty="0"/>
@@ -5902,6 +6189,107 @@
           <a:p>
             <a:r>
               <a:rPr lang="en-US" sz="2800" b="1" dirty="0"/>
+              <a:t>GitHub sample commit</a:t>
+            </a:r>
+            <a:endParaRPr lang="en-US" sz="2800" dirty="0"/>
+          </a:p>
+        </p:txBody>
+      </p:sp>
+      <p:pic>
+        <p:nvPicPr>
+          <p:cNvPr id="4" name="Picture 3">
+            <a:extLst>
+              <a:ext uri="{FF2B5EF4-FFF2-40B4-BE49-F238E27FC236}">
+                <a16:creationId xmlns:a16="http://schemas.microsoft.com/office/drawing/2014/main" id="{4D1918B5-514D-4222-992A-4C8550F168CA}"/>
+              </a:ext>
+            </a:extLst>
+          </p:cNvPr>
+          <p:cNvPicPr>
+            <a:picLocks noChangeAspect="1"/>
+          </p:cNvPicPr>
+          <p:nvPr/>
+        </p:nvPicPr>
+        <p:blipFill>
+          <a:blip r:embed="rId2"/>
+          <a:stretch>
+            <a:fillRect/>
+          </a:stretch>
+        </p:blipFill>
+        <p:spPr>
+          <a:xfrm>
+            <a:off x="152400" y="1524000"/>
+            <a:ext cx="8844561" cy="4574473"/>
+          </a:xfrm>
+          <a:prstGeom prst="rect">
+            <a:avLst/>
+          </a:prstGeom>
+        </p:spPr>
+      </p:pic>
+    </p:spTree>
+    <p:extLst>
+      <p:ext uri="{BB962C8B-B14F-4D97-AF65-F5344CB8AC3E}">
+        <p14:creationId xmlns:p14="http://schemas.microsoft.com/office/powerpoint/2010/main" val="305660930"/>
+      </p:ext>
+    </p:extLst>
+  </p:cSld>
+  <p:clrMapOvr>
+    <a:masterClrMapping/>
+  </p:clrMapOvr>
+</p:sld>
+</file>
+
+<file path=ppt/slides/slide7.xml><?xml version="1.0" encoding="utf-8"?>
+<p:sld xmlns:a="http://schemas.openxmlformats.org/drawingml/2006/main" xmlns:r="http://schemas.openxmlformats.org/officeDocument/2006/relationships" xmlns:p="http://schemas.openxmlformats.org/presentationml/2006/main">
+  <p:cSld>
+    <p:bg>
+      <p:bgPr>
+        <a:solidFill>
+          <a:schemeClr val="accent1">
+            <a:lumMod val="20000"/>
+            <a:lumOff val="80000"/>
+          </a:schemeClr>
+        </a:solidFill>
+        <a:effectLst/>
+      </p:bgPr>
+    </p:bg>
+    <p:spTree>
+      <p:nvGrpSpPr>
+        <p:cNvPr id="1" name=""/>
+        <p:cNvGrpSpPr/>
+        <p:nvPr/>
+      </p:nvGrpSpPr>
+      <p:grpSpPr>
+        <a:xfrm>
+          <a:off x="0" y="0"/>
+          <a:ext cx="0" cy="0"/>
+          <a:chOff x="0" y="0"/>
+          <a:chExt cx="0" cy="0"/>
+        </a:xfrm>
+      </p:grpSpPr>
+      <p:sp>
+        <p:nvSpPr>
+          <p:cNvPr id="2" name="Title 1"/>
+          <p:cNvSpPr>
+            <a:spLocks noGrp="1"/>
+          </p:cNvSpPr>
+          <p:nvPr>
+            <p:ph type="title"/>
+          </p:nvPr>
+        </p:nvSpPr>
+        <p:spPr>
+          <a:xfrm>
+            <a:off x="457200" y="274638"/>
+            <a:ext cx="8229600" cy="1143000"/>
+          </a:xfrm>
+        </p:spPr>
+        <p:txBody>
+          <a:bodyPr>
+            <a:noAutofit/>
+          </a:bodyPr>
+          <a:lstStyle/>
+          <a:p>
+            <a:r>
+              <a:rPr lang="en-US" sz="2800" b="1" dirty="0"/>
               <a:t>Git Integration for Jira</a:t>
             </a:r>
             <a:r>
@@ -5912,13 +6300,7 @@
               <a:rPr lang="en-US" sz="2800" dirty="0" err="1"/>
               <a:t>BigBrassBand</a:t>
             </a:r>
-            <a:br>
-              <a:rPr lang="en-US" sz="2800" dirty="0"/>
-            </a:br>
-            <a:r>
-              <a:rPr lang="en-US" sz="2800" dirty="0"/>
-              <a:t>Screen Shots</a:t>
-            </a:r>
+            <a:endParaRPr lang="en-US" sz="2800" dirty="0"/>
           </a:p>
         </p:txBody>
       </p:sp>
@@ -5965,278 +6347,6 @@
 </p:sld>
 </file>
 
-<file path=ppt/slides/slide7.xml><?xml version="1.0" encoding="utf-8"?>
-<p:sld xmlns:a="http://schemas.openxmlformats.org/drawingml/2006/main" xmlns:r="http://schemas.openxmlformats.org/officeDocument/2006/relationships" xmlns:p="http://schemas.openxmlformats.org/presentationml/2006/main">
-  <p:cSld>
-    <p:bg>
-      <p:bgPr>
-        <a:solidFill>
-          <a:schemeClr val="accent1">
-            <a:lumMod val="20000"/>
-            <a:lumOff val="80000"/>
-          </a:schemeClr>
-        </a:solidFill>
-        <a:effectLst/>
-      </p:bgPr>
-    </p:bg>
-    <p:spTree>
-      <p:nvGrpSpPr>
-        <p:cNvPr id="1" name=""/>
-        <p:cNvGrpSpPr/>
-        <p:nvPr/>
-      </p:nvGrpSpPr>
-      <p:grpSpPr>
-        <a:xfrm>
-          <a:off x="0" y="0"/>
-          <a:ext cx="0" cy="0"/>
-          <a:chOff x="0" y="0"/>
-          <a:chExt cx="0" cy="0"/>
-        </a:xfrm>
-      </p:grpSpPr>
-      <p:sp>
-        <p:nvSpPr>
-          <p:cNvPr id="2" name="Title 1"/>
-          <p:cNvSpPr>
-            <a:spLocks noGrp="1"/>
-          </p:cNvSpPr>
-          <p:nvPr>
-            <p:ph type="title"/>
-          </p:nvPr>
-        </p:nvSpPr>
-        <p:spPr>
-          <a:xfrm>
-            <a:off x="457200" y="274638"/>
-            <a:ext cx="8229600" cy="1143000"/>
-          </a:xfrm>
-        </p:spPr>
-        <p:txBody>
-          <a:bodyPr>
-            <a:noAutofit/>
-          </a:bodyPr>
-          <a:lstStyle/>
-          <a:p>
-            <a:r>
-              <a:rPr lang="en-US" sz="2800" b="1" dirty="0"/>
-              <a:t>Git Integration for Jira</a:t>
-            </a:r>
-            <a:r>
-              <a:rPr lang="en-US" sz="2800" dirty="0"/>
-              <a:t> plug-in from </a:t>
-            </a:r>
-            <a:r>
-              <a:rPr lang="en-US" sz="2800" dirty="0" err="1"/>
-              <a:t>BigBrassBand</a:t>
-            </a:r>
-            <a:br>
-              <a:rPr lang="en-US" sz="2800" dirty="0"/>
-            </a:br>
-            <a:r>
-              <a:rPr lang="en-US" sz="2800" dirty="0"/>
-              <a:t>Features</a:t>
-            </a:r>
-            <a:endParaRPr lang="en-US" sz="3200" dirty="0"/>
-          </a:p>
-        </p:txBody>
-      </p:sp>
-      <p:sp>
-        <p:nvSpPr>
-          <p:cNvPr id="4" name="Content Placeholder 2">
-            <a:extLst>
-              <a:ext uri="{FF2B5EF4-FFF2-40B4-BE49-F238E27FC236}">
-                <a16:creationId xmlns:a16="http://schemas.microsoft.com/office/drawing/2014/main" id="{28AD2EA2-2568-4015-953C-72DE05BE5540}"/>
-              </a:ext>
-            </a:extLst>
-          </p:cNvPr>
-          <p:cNvSpPr>
-            <a:spLocks noGrp="1"/>
-          </p:cNvSpPr>
-          <p:nvPr>
-            <p:ph idx="1"/>
-          </p:nvPr>
-        </p:nvSpPr>
-        <p:spPr>
-          <a:xfrm>
-            <a:off x="457200" y="1600200"/>
-            <a:ext cx="8229600" cy="4983162"/>
-          </a:xfrm>
-        </p:spPr>
-        <p:txBody>
-          <a:bodyPr>
-            <a:noAutofit/>
-          </a:bodyPr>
-          <a:lstStyle/>
-          <a:p>
-            <a:pPr marL="365760">
-              <a:spcBef>
-                <a:spcPts val="0"/>
-              </a:spcBef>
-            </a:pPr>
-            <a:r>
-              <a:rPr lang="en-US" sz="2000" dirty="0"/>
-              <a:t>View Git commit/branch information in Jira</a:t>
-            </a:r>
-          </a:p>
-          <a:p>
-            <a:pPr marL="365760">
-              <a:spcBef>
-                <a:spcPts val="0"/>
-              </a:spcBef>
-            </a:pPr>
-            <a:r>
-              <a:rPr lang="en-US" sz="2000" dirty="0"/>
-              <a:t>Places information in separate tab next to Comments, Work Log</a:t>
-            </a:r>
-          </a:p>
-          <a:p>
-            <a:pPr marL="365760">
-              <a:spcBef>
-                <a:spcPts val="0"/>
-              </a:spcBef>
-            </a:pPr>
-            <a:r>
-              <a:rPr lang="en-US" sz="2000" dirty="0"/>
-              <a:t>“Smart Commits” – add comments, transition issues etc. via commit messages</a:t>
-            </a:r>
-          </a:p>
-          <a:p>
-            <a:pPr marL="365760">
-              <a:spcBef>
-                <a:spcPts val="0"/>
-              </a:spcBef>
-            </a:pPr>
-            <a:r>
-              <a:rPr lang="en-US" sz="2000" dirty="0"/>
-              <a:t>Manually associate commits with issues when needed</a:t>
-            </a:r>
-          </a:p>
-          <a:p>
-            <a:pPr marL="365760">
-              <a:spcBef>
-                <a:spcPts val="0"/>
-              </a:spcBef>
-            </a:pPr>
-            <a:r>
-              <a:rPr lang="en-US" sz="2000" dirty="0"/>
-              <a:t>Direct links to branches and commits</a:t>
-            </a:r>
-          </a:p>
-          <a:p>
-            <a:pPr marL="365760">
-              <a:spcBef>
-                <a:spcPts val="0"/>
-              </a:spcBef>
-            </a:pPr>
-            <a:r>
-              <a:rPr lang="en-US" sz="2000" dirty="0"/>
-              <a:t>Git-specific JQL fields (</a:t>
-            </a:r>
-            <a:r>
-              <a:rPr lang="en-US" sz="2000" dirty="0" err="1"/>
-              <a:t>gitCommitsReferenced</a:t>
-            </a:r>
-            <a:r>
-              <a:rPr lang="en-US" sz="2000" dirty="0"/>
-              <a:t>, </a:t>
-            </a:r>
-            <a:r>
-              <a:rPr lang="en-US" sz="2000" dirty="0" err="1"/>
-              <a:t>gitBranch</a:t>
-            </a:r>
-            <a:r>
-              <a:rPr lang="en-US" sz="2000" dirty="0"/>
-              <a:t>)</a:t>
-            </a:r>
-          </a:p>
-          <a:p>
-            <a:pPr marL="365760">
-              <a:spcBef>
-                <a:spcPts val="0"/>
-              </a:spcBef>
-            </a:pPr>
-            <a:r>
-              <a:rPr lang="en-US" sz="2000" dirty="0"/>
-              <a:t>Create branches from Jira</a:t>
-            </a:r>
-          </a:p>
-          <a:p>
-            <a:pPr marL="365760">
-              <a:spcBef>
-                <a:spcPts val="0"/>
-              </a:spcBef>
-            </a:pPr>
-            <a:r>
-              <a:rPr lang="en-US" sz="2000" dirty="0"/>
-              <a:t>Create pull requests from Jira</a:t>
-            </a:r>
-          </a:p>
-          <a:p>
-            <a:pPr marL="365760">
-              <a:spcBef>
-                <a:spcPts val="0"/>
-              </a:spcBef>
-            </a:pPr>
-            <a:r>
-              <a:rPr lang="en-US" sz="2000" dirty="0"/>
-              <a:t>Permissions model to control viewing Git data from Jira</a:t>
-            </a:r>
-          </a:p>
-          <a:p>
-            <a:pPr marL="365760">
-              <a:spcBef>
-                <a:spcPts val="0"/>
-              </a:spcBef>
-            </a:pPr>
-            <a:r>
-              <a:rPr lang="en-US" sz="2000" dirty="0">
-                <a:solidFill>
-                  <a:srgbClr val="FF0000"/>
-                </a:solidFill>
-              </a:rPr>
-              <a:t>My recommended option, if you choose to go the plug-in route</a:t>
-            </a:r>
-          </a:p>
-          <a:p>
-            <a:pPr marL="365760">
-              <a:spcBef>
-                <a:spcPts val="0"/>
-              </a:spcBef>
-            </a:pPr>
-            <a:r>
-              <a:rPr lang="en-US" sz="2000" dirty="0">
-                <a:hlinkClick r:id="rId2"/>
-              </a:rPr>
-              <a:t>https://bigbrassband.com</a:t>
-            </a:r>
-            <a:endParaRPr lang="en-US" sz="2000" dirty="0"/>
-          </a:p>
-          <a:p>
-            <a:pPr marL="22860" indent="0">
-              <a:spcBef>
-                <a:spcPts val="0"/>
-              </a:spcBef>
-              <a:buNone/>
-            </a:pPr>
-            <a:endParaRPr lang="en-US" sz="2000" dirty="0">
-              <a:solidFill>
-                <a:srgbClr val="FF0000"/>
-              </a:solidFill>
-            </a:endParaRPr>
-          </a:p>
-        </p:txBody>
-      </p:sp>
-    </p:spTree>
-    <p:extLst>
-      <p:ext uri="{BB962C8B-B14F-4D97-AF65-F5344CB8AC3E}">
-        <p14:creationId xmlns:p14="http://schemas.microsoft.com/office/powerpoint/2010/main" val="641919687"/>
-      </p:ext>
-    </p:extLst>
-  </p:cSld>
-  <p:clrMapOvr>
-    <a:masterClrMapping/>
-  </p:clrMapOvr>
-</p:sld>
-</file>
-
 <file path=ppt/slides/slide8.xml><?xml version="1.0" encoding="utf-8"?>
 <p:sld xmlns:a="http://schemas.openxmlformats.org/drawingml/2006/main" xmlns:r="http://schemas.openxmlformats.org/officeDocument/2006/relationships" xmlns:p="http://schemas.openxmlformats.org/presentationml/2006/main">
   <p:cSld>
@@ -6288,57 +6398,218 @@
           <a:lstStyle/>
           <a:p>
             <a:r>
-              <a:rPr lang="en-US" sz="2800" b="1" dirty="0" err="1"/>
-              <a:t>jiragithub</a:t>
+              <a:rPr lang="en-US" sz="2800" b="1" dirty="0"/>
+              <a:t>Git Integration for Jira</a:t>
             </a:r>
             <a:r>
               <a:rPr lang="en-US" sz="2800" dirty="0"/>
-              <a:t> script</a:t>
+              <a:t> plug-in from </a:t>
+            </a:r>
+            <a:r>
+              <a:rPr lang="en-US" sz="2800" dirty="0" err="1"/>
+              <a:t>BigBrassBand</a:t>
             </a:r>
             <a:br>
               <a:rPr lang="en-US" sz="2800" dirty="0"/>
             </a:br>
             <a:r>
               <a:rPr lang="en-US" sz="2800" dirty="0"/>
-              <a:t>Screen Shots</a:t>
-            </a:r>
-          </a:p>
-        </p:txBody>
-      </p:sp>
-      <p:pic>
-        <p:nvPicPr>
-          <p:cNvPr id="6" name="Picture 5">
+              <a:t>Features</a:t>
+            </a:r>
+            <a:endParaRPr lang="en-US" sz="3200" dirty="0"/>
+          </a:p>
+        </p:txBody>
+      </p:sp>
+      <p:sp>
+        <p:nvSpPr>
+          <p:cNvPr id="4" name="Content Placeholder 2">
             <a:extLst>
               <a:ext uri="{FF2B5EF4-FFF2-40B4-BE49-F238E27FC236}">
-                <a16:creationId xmlns:a16="http://schemas.microsoft.com/office/drawing/2014/main" id="{8EDA38BE-CD75-48B0-A64D-9791F6B3CD5A}"/>
+                <a16:creationId xmlns:a16="http://schemas.microsoft.com/office/drawing/2014/main" id="{28AD2EA2-2568-4015-953C-72DE05BE5540}"/>
               </a:ext>
             </a:extLst>
           </p:cNvPr>
-          <p:cNvPicPr>
-            <a:picLocks noChangeAspect="1"/>
-          </p:cNvPicPr>
-          <p:nvPr/>
-        </p:nvPicPr>
-        <p:blipFill>
-          <a:blip r:embed="rId2"/>
-          <a:stretch>
-            <a:fillRect/>
-          </a:stretch>
-        </p:blipFill>
+          <p:cNvSpPr>
+            <a:spLocks noGrp="1"/>
+          </p:cNvSpPr>
+          <p:nvPr>
+            <p:ph idx="1"/>
+          </p:nvPr>
+        </p:nvSpPr>
         <p:spPr>
           <a:xfrm>
-            <a:off x="76200" y="1662228"/>
-            <a:ext cx="8915400" cy="5119572"/>
+            <a:off x="457200" y="1600200"/>
+            <a:ext cx="8229600" cy="4983162"/>
           </a:xfrm>
-          <a:prstGeom prst="rect">
-            <a:avLst/>
-          </a:prstGeom>
         </p:spPr>
-      </p:pic>
+        <p:txBody>
+          <a:bodyPr>
+            <a:noAutofit/>
+          </a:bodyPr>
+          <a:lstStyle/>
+          <a:p>
+            <a:pPr marL="365760">
+              <a:spcBef>
+                <a:spcPts val="0"/>
+              </a:spcBef>
+            </a:pPr>
+            <a:r>
+              <a:rPr lang="en-US" sz="2200" dirty="0"/>
+              <a:t>View Git commit/branch information in Jira</a:t>
+            </a:r>
+          </a:p>
+          <a:p>
+            <a:pPr marL="365760">
+              <a:spcBef>
+                <a:spcPts val="0"/>
+              </a:spcBef>
+            </a:pPr>
+            <a:r>
+              <a:rPr lang="en-US" sz="2200" dirty="0"/>
+              <a:t>Places information in separate tab next to Comments, Work Log</a:t>
+            </a:r>
+          </a:p>
+          <a:p>
+            <a:pPr marL="365760">
+              <a:spcBef>
+                <a:spcPts val="0"/>
+              </a:spcBef>
+            </a:pPr>
+            <a:r>
+              <a:rPr lang="en-US" sz="2200" dirty="0"/>
+              <a:t>“Smart Commits” – add comments, transition issues etc. via commit messages</a:t>
+            </a:r>
+          </a:p>
+          <a:p>
+            <a:pPr marL="365760">
+              <a:spcBef>
+                <a:spcPts val="0"/>
+              </a:spcBef>
+            </a:pPr>
+            <a:r>
+              <a:rPr lang="en-US" sz="2200" dirty="0"/>
+              <a:t>Manually associate commits with issues when needed</a:t>
+            </a:r>
+          </a:p>
+          <a:p>
+            <a:pPr marL="365760">
+              <a:spcBef>
+                <a:spcPts val="0"/>
+              </a:spcBef>
+            </a:pPr>
+            <a:r>
+              <a:rPr lang="en-US" sz="2200" dirty="0"/>
+              <a:t>Direct links to branches and commits</a:t>
+            </a:r>
+          </a:p>
+          <a:p>
+            <a:pPr marL="365760">
+              <a:spcBef>
+                <a:spcPts val="0"/>
+              </a:spcBef>
+            </a:pPr>
+            <a:r>
+              <a:rPr lang="en-US" sz="2200" dirty="0"/>
+              <a:t>Git-specific JQL fields (</a:t>
+            </a:r>
+            <a:r>
+              <a:rPr lang="en-US" sz="2200" dirty="0" err="1"/>
+              <a:t>gitCommitsReferenced</a:t>
+            </a:r>
+            <a:r>
+              <a:rPr lang="en-US" sz="2200" dirty="0"/>
+              <a:t>, </a:t>
+            </a:r>
+            <a:r>
+              <a:rPr lang="en-US" sz="2200" dirty="0" err="1"/>
+              <a:t>gitBranch</a:t>
+            </a:r>
+            <a:r>
+              <a:rPr lang="en-US" sz="2200" dirty="0"/>
+              <a:t>)</a:t>
+            </a:r>
+          </a:p>
+          <a:p>
+            <a:pPr marL="365760">
+              <a:spcBef>
+                <a:spcPts val="0"/>
+              </a:spcBef>
+            </a:pPr>
+            <a:r>
+              <a:rPr lang="en-US" sz="2200" dirty="0"/>
+              <a:t>Create branches from Jira</a:t>
+            </a:r>
+          </a:p>
+          <a:p>
+            <a:pPr marL="365760">
+              <a:spcBef>
+                <a:spcPts val="0"/>
+              </a:spcBef>
+            </a:pPr>
+            <a:r>
+              <a:rPr lang="en-US" sz="2200" dirty="0"/>
+              <a:t>Create pull requests from Jira</a:t>
+            </a:r>
+          </a:p>
+          <a:p>
+            <a:pPr marL="365760">
+              <a:spcBef>
+                <a:spcPts val="0"/>
+              </a:spcBef>
+            </a:pPr>
+            <a:r>
+              <a:rPr lang="en-US" sz="2200" dirty="0"/>
+              <a:t>Permissions model to control viewing Git data from Jira</a:t>
+            </a:r>
+          </a:p>
+          <a:p>
+            <a:pPr marL="365760">
+              <a:spcBef>
+                <a:spcPts val="0"/>
+              </a:spcBef>
+            </a:pPr>
+            <a:r>
+              <a:rPr lang="en-US" sz="2200" dirty="0">
+                <a:solidFill>
+                  <a:srgbClr val="FF0000"/>
+                </a:solidFill>
+              </a:rPr>
+              <a:t>My recommended option, if you choose to go the plug-in route</a:t>
+            </a:r>
+          </a:p>
+          <a:p>
+            <a:pPr marL="365760">
+              <a:spcBef>
+                <a:spcPts val="0"/>
+              </a:spcBef>
+            </a:pPr>
+            <a:r>
+              <a:rPr lang="en-US" sz="2200" dirty="0">
+                <a:hlinkClick r:id="rId2"/>
+              </a:rPr>
+              <a:t>https://bigbrassband.com</a:t>
+            </a:r>
+            <a:endParaRPr lang="en-US" sz="2200" dirty="0"/>
+          </a:p>
+          <a:p>
+            <a:pPr marL="22860" indent="0">
+              <a:spcBef>
+                <a:spcPts val="0"/>
+              </a:spcBef>
+              <a:buNone/>
+            </a:pPr>
+            <a:endParaRPr lang="en-US" sz="2200" dirty="0">
+              <a:solidFill>
+                <a:srgbClr val="FF0000"/>
+              </a:solidFill>
+            </a:endParaRPr>
+          </a:p>
+        </p:txBody>
+      </p:sp>
     </p:spTree>
     <p:extLst>
       <p:ext uri="{BB962C8B-B14F-4D97-AF65-F5344CB8AC3E}">
-        <p14:creationId xmlns:p14="http://schemas.microsoft.com/office/powerpoint/2010/main" val="1008999639"/>
+        <p14:creationId xmlns:p14="http://schemas.microsoft.com/office/powerpoint/2010/main" val="641919687"/>
       </p:ext>
     </p:extLst>
   </p:cSld>
@@ -6406,222 +6677,43 @@
               <a:rPr lang="en-US" sz="2800" dirty="0"/>
               <a:t> script</a:t>
             </a:r>
-            <a:br>
-              <a:rPr lang="en-US" sz="2800" dirty="0"/>
-            </a:br>
-            <a:r>
-              <a:rPr lang="en-US" sz="2800" dirty="0"/>
-              <a:t>Features</a:t>
-            </a:r>
-          </a:p>
-        </p:txBody>
-      </p:sp>
-      <p:sp>
-        <p:nvSpPr>
-          <p:cNvPr id="4" name="Content Placeholder 2">
+          </a:p>
+        </p:txBody>
+      </p:sp>
+      <p:pic>
+        <p:nvPicPr>
+          <p:cNvPr id="6" name="Picture 5">
             <a:extLst>
               <a:ext uri="{FF2B5EF4-FFF2-40B4-BE49-F238E27FC236}">
-                <a16:creationId xmlns:a16="http://schemas.microsoft.com/office/drawing/2014/main" id="{28AD2EA2-2568-4015-953C-72DE05BE5540}"/>
+                <a16:creationId xmlns:a16="http://schemas.microsoft.com/office/drawing/2014/main" id="{8EDA38BE-CD75-48B0-A64D-9791F6B3CD5A}"/>
               </a:ext>
             </a:extLst>
           </p:cNvPr>
-          <p:cNvSpPr>
-            <a:spLocks noGrp="1"/>
-          </p:cNvSpPr>
-          <p:nvPr>
-            <p:ph idx="1"/>
-          </p:nvPr>
-        </p:nvSpPr>
+          <p:cNvPicPr>
+            <a:picLocks noChangeAspect="1"/>
+          </p:cNvPicPr>
+          <p:nvPr/>
+        </p:nvPicPr>
+        <p:blipFill>
+          <a:blip r:embed="rId2"/>
+          <a:stretch>
+            <a:fillRect/>
+          </a:stretch>
+        </p:blipFill>
         <p:spPr>
           <a:xfrm>
-            <a:off x="304800" y="1600200"/>
-            <a:ext cx="8458200" cy="4983162"/>
+            <a:off x="76200" y="1662228"/>
+            <a:ext cx="8915400" cy="5119572"/>
           </a:xfrm>
+          <a:prstGeom prst="rect">
+            <a:avLst/>
+          </a:prstGeom>
         </p:spPr>
-        <p:txBody>
-          <a:bodyPr>
-            <a:noAutofit/>
-          </a:bodyPr>
-          <a:lstStyle/>
-          <a:p>
-            <a:pPr marL="365760">
-              <a:spcBef>
-                <a:spcPts val="0"/>
-              </a:spcBef>
-            </a:pPr>
-            <a:r>
-              <a:rPr lang="en-US" sz="2000" dirty="0"/>
-              <a:t>View Git commit/branch information in Jira</a:t>
-            </a:r>
-          </a:p>
-          <a:p>
-            <a:pPr marL="365760">
-              <a:spcBef>
-                <a:spcPts val="0"/>
-              </a:spcBef>
-            </a:pPr>
-            <a:r>
-              <a:rPr lang="en-US" sz="2000" dirty="0"/>
-              <a:t>Places Git commit information in Jira as comments (user-definable format)</a:t>
-            </a:r>
-          </a:p>
-          <a:p>
-            <a:pPr marL="365760">
-              <a:spcBef>
-                <a:spcPts val="0"/>
-              </a:spcBef>
-            </a:pPr>
-            <a:r>
-              <a:rPr lang="en-US" sz="2000" dirty="0"/>
-              <a:t>“Semi-Smart Commits” - transition + reassign issues via commit messages</a:t>
-            </a:r>
-          </a:p>
-          <a:p>
-            <a:pPr marL="365760">
-              <a:spcBef>
-                <a:spcPts val="0"/>
-              </a:spcBef>
-            </a:pPr>
-            <a:r>
-              <a:rPr lang="en-US" sz="2000" dirty="0"/>
-              <a:t>Also inserts direct links to branches and commits</a:t>
-            </a:r>
-          </a:p>
-          <a:p>
-            <a:pPr marL="365760">
-              <a:spcBef>
-                <a:spcPts val="0"/>
-              </a:spcBef>
-            </a:pPr>
-            <a:r>
-              <a:rPr lang="en-US" sz="2000" dirty="0"/>
-              <a:t>Control via easy-to-read config file</a:t>
-            </a:r>
-          </a:p>
-          <a:p>
-            <a:pPr marL="365760">
-              <a:spcBef>
-                <a:spcPts val="0"/>
-              </a:spcBef>
-            </a:pPr>
-            <a:r>
-              <a:rPr lang="en-US" sz="2000" dirty="0"/>
-              <a:t>Schedule it to run with </a:t>
-            </a:r>
-            <a:r>
-              <a:rPr lang="en-US" sz="2000" dirty="0" err="1"/>
-              <a:t>cron</a:t>
-            </a:r>
-            <a:r>
-              <a:rPr lang="en-US" sz="2000" dirty="0"/>
-              <a:t> or Task Scheduler or as a CI job step</a:t>
-            </a:r>
-          </a:p>
-          <a:p>
-            <a:pPr marL="365760">
-              <a:spcBef>
-                <a:spcPts val="0"/>
-              </a:spcBef>
-            </a:pPr>
-            <a:r>
-              <a:rPr lang="en-US" sz="2000" dirty="0"/>
-              <a:t>Run it under a Jira API key (cloud) or dedicated username (server)</a:t>
-            </a:r>
-          </a:p>
-          <a:p>
-            <a:pPr marL="365760">
-              <a:spcBef>
-                <a:spcPts val="0"/>
-              </a:spcBef>
-            </a:pPr>
-            <a:r>
-              <a:rPr lang="en-US" sz="2000" dirty="0"/>
-              <a:t>Uses </a:t>
-            </a:r>
-            <a:r>
-              <a:rPr lang="en-US" sz="2000" dirty="0" err="1"/>
-              <a:t>pyGitHub</a:t>
-            </a:r>
-            <a:r>
-              <a:rPr lang="en-US" sz="2000" dirty="0"/>
-              <a:t> and </a:t>
-            </a:r>
-            <a:r>
-              <a:rPr lang="en-US" sz="2000" dirty="0" err="1"/>
-              <a:t>jira</a:t>
-            </a:r>
-            <a:r>
-              <a:rPr lang="en-US" sz="2000" dirty="0"/>
-              <a:t>-python libraries</a:t>
-            </a:r>
-          </a:p>
-          <a:p>
-            <a:pPr marL="365760">
-              <a:spcBef>
-                <a:spcPts val="0"/>
-              </a:spcBef>
-            </a:pPr>
-            <a:r>
-              <a:rPr lang="en-US" sz="2000" b="1" dirty="0">
-                <a:solidFill>
-                  <a:srgbClr val="00B050"/>
-                </a:solidFill>
-              </a:rPr>
-              <a:t>Want a feature to work differently? Change it yourself!</a:t>
-            </a:r>
-          </a:p>
-          <a:p>
-            <a:pPr marL="365760">
-              <a:spcBef>
-                <a:spcPts val="0"/>
-              </a:spcBef>
-            </a:pPr>
-            <a:r>
-              <a:rPr lang="en-US" sz="2000" dirty="0">
-                <a:solidFill>
-                  <a:srgbClr val="FF0000"/>
-                </a:solidFill>
-              </a:rPr>
-              <a:t>My recommended option to start with, if you want to roll your own</a:t>
-            </a:r>
-          </a:p>
-          <a:p>
-            <a:pPr marL="365760">
-              <a:spcBef>
-                <a:spcPts val="0"/>
-              </a:spcBef>
-            </a:pPr>
-            <a:r>
-              <a:rPr lang="en-US" sz="2000" dirty="0">
-                <a:hlinkClick r:id="rId2"/>
-              </a:rPr>
-              <a:t>http://github.com/bobk/jiragithub</a:t>
-            </a:r>
-            <a:endParaRPr lang="en-US" sz="2000" dirty="0">
-              <a:solidFill>
-                <a:srgbClr val="FF0000"/>
-              </a:solidFill>
-            </a:endParaRPr>
-          </a:p>
-          <a:p>
-            <a:pPr marL="22860" indent="0">
-              <a:spcBef>
-                <a:spcPts val="0"/>
-              </a:spcBef>
-              <a:buNone/>
-            </a:pPr>
-            <a:endParaRPr lang="en-US" sz="2000" dirty="0">
-              <a:solidFill>
-                <a:srgbClr val="FF0000"/>
-              </a:solidFill>
-            </a:endParaRPr>
-          </a:p>
-        </p:txBody>
-      </p:sp>
+      </p:pic>
     </p:spTree>
     <p:extLst>
       <p:ext uri="{BB962C8B-B14F-4D97-AF65-F5344CB8AC3E}">
-        <p14:creationId xmlns:p14="http://schemas.microsoft.com/office/powerpoint/2010/main" val="2043386224"/>
+        <p14:creationId xmlns:p14="http://schemas.microsoft.com/office/powerpoint/2010/main" val="1008999639"/>
       </p:ext>
     </p:extLst>
   </p:cSld>

--- a/Git Integration Options for Jira.pptx
+++ b/Git Integration Options for Jira.pptx
@@ -313,7 +313,7 @@
           <a:p>
             <a:fld id="{799B01D3-E541-42FD-B1E6-9E7097F8E480}" type="datetimeFigureOut">
               <a:rPr lang="en-US" smtClean="0"/>
-              <a:t>3/22/2020</a:t>
+              <a:t>3/26/2020</a:t>
             </a:fld>
             <a:endParaRPr lang="en-US"/>
           </a:p>
@@ -481,7 +481,7 @@
           <a:p>
             <a:fld id="{799B01D3-E541-42FD-B1E6-9E7097F8E480}" type="datetimeFigureOut">
               <a:rPr lang="en-US" smtClean="0"/>
-              <a:t>3/22/2020</a:t>
+              <a:t>3/26/2020</a:t>
             </a:fld>
             <a:endParaRPr lang="en-US"/>
           </a:p>
@@ -659,7 +659,7 @@
           <a:p>
             <a:fld id="{799B01D3-E541-42FD-B1E6-9E7097F8E480}" type="datetimeFigureOut">
               <a:rPr lang="en-US" smtClean="0"/>
-              <a:t>3/22/2020</a:t>
+              <a:t>3/26/2020</a:t>
             </a:fld>
             <a:endParaRPr lang="en-US"/>
           </a:p>
@@ -811,7 +811,7 @@
           <a:p>
             <a:fld id="{799B01D3-E541-42FD-B1E6-9E7097F8E480}" type="datetimeFigureOut">
               <a:rPr lang="en-US" smtClean="0"/>
-              <a:t>3/22/2020</a:t>
+              <a:t>3/26/2020</a:t>
             </a:fld>
             <a:endParaRPr lang="en-US"/>
           </a:p>
@@ -1096,7 +1096,7 @@
           <a:p>
             <a:fld id="{799B01D3-E541-42FD-B1E6-9E7097F8E480}" type="datetimeFigureOut">
               <a:rPr lang="en-US" smtClean="0"/>
-              <a:t>3/22/2020</a:t>
+              <a:t>3/26/2020</a:t>
             </a:fld>
             <a:endParaRPr lang="en-US"/>
           </a:p>
@@ -1381,7 +1381,7 @@
           <a:p>
             <a:fld id="{799B01D3-E541-42FD-B1E6-9E7097F8E480}" type="datetimeFigureOut">
               <a:rPr lang="en-US" smtClean="0"/>
-              <a:t>3/22/2020</a:t>
+              <a:t>3/26/2020</a:t>
             </a:fld>
             <a:endParaRPr lang="en-US"/>
           </a:p>
@@ -1800,7 +1800,7 @@
           <a:p>
             <a:fld id="{799B01D3-E541-42FD-B1E6-9E7097F8E480}" type="datetimeFigureOut">
               <a:rPr lang="en-US" smtClean="0"/>
-              <a:t>3/22/2020</a:t>
+              <a:t>3/26/2020</a:t>
             </a:fld>
             <a:endParaRPr lang="en-US"/>
           </a:p>
@@ -1917,7 +1917,7 @@
           <a:p>
             <a:fld id="{799B01D3-E541-42FD-B1E6-9E7097F8E480}" type="datetimeFigureOut">
               <a:rPr lang="en-US" smtClean="0"/>
-              <a:t>3/22/2020</a:t>
+              <a:t>3/26/2020</a:t>
             </a:fld>
             <a:endParaRPr lang="en-US"/>
           </a:p>
@@ -2012,7 +2012,7 @@
           <a:p>
             <a:fld id="{799B01D3-E541-42FD-B1E6-9E7097F8E480}" type="datetimeFigureOut">
               <a:rPr lang="en-US" smtClean="0"/>
-              <a:t>3/22/2020</a:t>
+              <a:t>3/26/2020</a:t>
             </a:fld>
             <a:endParaRPr lang="en-US"/>
           </a:p>
@@ -2287,7 +2287,7 @@
           <a:p>
             <a:fld id="{799B01D3-E541-42FD-B1E6-9E7097F8E480}" type="datetimeFigureOut">
               <a:rPr lang="en-US" smtClean="0"/>
-              <a:t>3/22/2020</a:t>
+              <a:t>3/26/2020</a:t>
             </a:fld>
             <a:endParaRPr lang="en-US"/>
           </a:p>
@@ -2539,7 +2539,7 @@
           <a:p>
             <a:fld id="{799B01D3-E541-42FD-B1E6-9E7097F8E480}" type="datetimeFigureOut">
               <a:rPr lang="en-US" smtClean="0"/>
-              <a:t>3/22/2020</a:t>
+              <a:t>3/26/2020</a:t>
             </a:fld>
             <a:endParaRPr lang="en-US"/>
           </a:p>
@@ -2750,7 +2750,7 @@
           <a:p>
             <a:fld id="{799B01D3-E541-42FD-B1E6-9E7097F8E480}" type="datetimeFigureOut">
               <a:rPr lang="en-US" smtClean="0"/>
-              <a:t>3/22/2020</a:t>
+              <a:t>3/26/2020</a:t>
             </a:fld>
             <a:endParaRPr lang="en-US"/>
           </a:p>
@@ -3981,7 +3981,7 @@
           <a:p>
             <a:r>
               <a:rPr lang="en-US" dirty="0"/>
-              <a:t>What is “Git Integration for Jira”?</a:t>
+              <a:t>What is “Git Integration”?</a:t>
             </a:r>
           </a:p>
         </p:txBody>
@@ -5148,7 +5148,7 @@
             </a:pPr>
             <a:r>
               <a:rPr lang="en-US" sz="1400" dirty="0"/>
-              <a:t>** GitHub has “issue” functionality, but not a strong customizable workflow model, and their integration marketplace is not yet as mature as Atlassian’s</a:t>
+              <a:t>** GitHub has “issue” functionality, but not a strong customizable workflow model, and their integration marketplace is not yet as mature as Atlassian’s, IMO</a:t>
             </a:r>
           </a:p>
           <a:p>
